--- a/slides/dates_times_with_r.pptx
+++ b/slides/dates_times_with_r.pptx
@@ -3529,6 +3529,35 @@
       </p:sp>
       <p:sp>
         <p:nvSpPr>
+          <p:cNvPr id="3" name="Content Placeholder 2">
+            <a:extLst>
+              <a:ext uri="{FF2B5EF4-FFF2-40B4-BE49-F238E27FC236}">
+                <a16:creationId xmlns:a16="http://schemas.microsoft.com/office/drawing/2014/main" id="{0CE84060-CA26-4E18-AB1F-5C4520C4E4A1}"/>
+              </a:ext>
+            </a:extLst>
+          </p:cNvPr>
+          <p:cNvSpPr>
+            <a:spLocks noGrp="1"/>
+          </p:cNvSpPr>
+          <p:nvPr>
+            <p:ph idx="1"/>
+          </p:nvPr>
+        </p:nvSpPr>
+        <p:spPr/>
+        <p:txBody>
+          <a:bodyPr/>
+          <a:lstStyle/>
+          <a:p>
+            <a:pPr lvl="0"/>
+            <a:r>
+              <a:rPr/>
+              <a:t>It can be very challenging to work with data or time data in a spreadsheet.</a:t>
+            </a:r>
+          </a:p>
+        </p:txBody>
+      </p:sp>
+      <p:sp>
+        <p:nvSpPr>
           <p:cNvPr id="6" name="Slide Number Placeholder 5">
             <a:extLst>
               <a:ext uri="{FF2B5EF4-FFF2-40B4-BE49-F238E27FC236}">
@@ -5103,7 +5132,7 @@
       </p:sp>
       <p:graphicFrame xmlns:a="http://schemas.openxmlformats.org/drawingml/2006/main" xmlns:r="http://schemas.openxmlformats.org/officeDocument/2006/relationships" xmlns:p="http://schemas.openxmlformats.org/presentationml/2006/main">
         <p:nvGraphicFramePr>
-          <p:cNvPr id="487688290" name=""/>
+          <p:cNvPr id="289995846" name=""/>
           <p:cNvGraphicFramePr>
             <a:graphicFrameLocks noGrp="true"/>
           </p:cNvGraphicFramePr>
@@ -7633,7 +7662,7 @@
       </p:sp>
       <p:graphicFrame xmlns:a="http://schemas.openxmlformats.org/drawingml/2006/main" xmlns:r="http://schemas.openxmlformats.org/officeDocument/2006/relationships" xmlns:p="http://schemas.openxmlformats.org/presentationml/2006/main">
         <p:nvGraphicFramePr>
-          <p:cNvPr id="624673056" name=""/>
+          <p:cNvPr id="662231402" name=""/>
           <p:cNvGraphicFramePr>
             <a:graphicFrameLocks noGrp="true"/>
           </p:cNvGraphicFramePr>
@@ -10234,7 +10263,7 @@
               <a:rPr>
                 <a:latin typeface="Courier"/>
               </a:rPr>
-              <a:t>## [1] "double"</a:t>
+              <a:t>## [1] "hms"      "difftime"</a:t>
             </a:r>
           </a:p>
         </p:txBody>

--- a/slides/dates_times_with_r.pptx
+++ b/slides/dates_times_with_r.pptx
@@ -19,6 +19,7 @@
     <p:sldId id="267" r:id="rId13"/>
     <p:sldId id="268" r:id="rId14"/>
     <p:sldId id="269" r:id="rId15"/>
+    <p:sldId id="270" r:id="rId16"/>
   </p:sldIdLst>
   <p:sldSz cx="12192000" cy="6858000"/>
   <p:notesSz cx="6858000" cy="9144000"/>
@@ -3440,7 +3441,7 @@
             </a:pPr>
             <a:r>
               <a:rPr/>
-              <a:t>2022-04-08</a:t>
+              <a:t>2022-04-18</a:t>
             </a:r>
           </a:p>
         </p:txBody>
@@ -3522,7 +3523,7 @@
             </a:pPr>
             <a:r>
               <a:rPr/>
-              <a:t>Date and Time Challenges in a Spreadsheet</a:t>
+              <a:t>Date-Time Challenges</a:t>
             </a:r>
           </a:p>
         </p:txBody>
@@ -3548,10 +3549,54 @@
           <a:bodyPr/>
           <a:lstStyle/>
           <a:p>
+            <a:pPr lvl="0" indent="0" marL="0">
+              <a:buNone/>
+            </a:pPr>
+            <a:r>
+              <a:rPr/>
+              <a:t>Perhaps one of the most common challenges of working with data that contains date-time entries is that</a:t>
+            </a:r>
+          </a:p>
+          <a:p>
             <a:pPr lvl="0"/>
             <a:r>
               <a:rPr/>
-              <a:t>It can be very challenging to work with data or time data in a spreadsheet.</a:t>
+              <a:t>Different individuals record dates and times differently.</a:t>
+            </a:r>
+          </a:p>
+          <a:p>
+            <a:pPr lvl="0"/>
+            <a:r>
+              <a:rPr/>
+              <a:t>For example, all of the following represent the same day:</a:t>
+            </a:r>
+          </a:p>
+          <a:p>
+            <a:pPr lvl="1"/>
+            <a:r>
+              <a:rPr/>
+              <a:t>February 14, 2022</a:t>
+            </a:r>
+          </a:p>
+          <a:p>
+            <a:pPr lvl="1"/>
+            <a:r>
+              <a:rPr/>
+              <a:t>02-14-2022</a:t>
+            </a:r>
+          </a:p>
+          <a:p>
+            <a:pPr lvl="1"/>
+            <a:r>
+              <a:rPr/>
+              <a:t>2022-02-14</a:t>
+            </a:r>
+          </a:p>
+          <a:p>
+            <a:pPr lvl="1"/>
+            <a:r>
+              <a:rPr/>
+              <a:t>14-Feb-2022</a:t>
             </a:r>
           </a:p>
         </p:txBody>
@@ -3633,7 +3678,7 @@
             </a:pPr>
             <a:r>
               <a:rPr/>
-              <a:t>R Markdown</a:t>
+              <a:t>Date and Time Challenges in a Spreadsheet</a:t>
             </a:r>
           </a:p>
         </p:txBody>
@@ -3659,39 +3704,44 @@
           <a:bodyPr/>
           <a:lstStyle/>
           <a:p>
-            <a:pPr lvl="0" indent="0" marL="0">
-              <a:buNone/>
-            </a:pPr>
+            <a:pPr lvl="0"/>
             <a:r>
               <a:rPr/>
-              <a:t>This is an R Markdown presentation. Markdown is a simple formatting syntax for authoring HTML, PDF, and MS Word documents. For more details on using R Markdown see </a:t>
+              <a:t>It can be very challenging to work with data or time data in a spreadsheet.</a:t>
+            </a:r>
+          </a:p>
+          <a:p>
+            <a:pPr lvl="0"/>
+            <a:r>
+              <a:rPr/>
+              <a:t>Working in R facilitates easier handling of date-time data, especially when using the </a:t>
             </a:r>
             <a:r>
               <a:rPr>
-                <a:hlinkClick r:id="rId2"/>
+                <a:latin typeface="Courier"/>
               </a:rPr>
-              <a:t>http://rmarkdown.rstudio.com</a:t>
+              <a:t>lubridate</a:t>
+            </a:r>
+            <a:r>
+              <a:rPr/>
+              <a:t> package.</a:t>
+            </a:r>
+          </a:p>
+          <a:p>
+            <a:pPr lvl="0"/>
+            <a:r>
+              <a:rPr/>
+              <a:t>Let’s see some of the functionality of </a:t>
+            </a:r>
+            <a:r>
+              <a:rPr>
+                <a:latin typeface="Courier"/>
+              </a:rPr>
+              <a:t>lubridate</a:t>
             </a:r>
             <a:r>
               <a:rPr/>
               <a:t>.</a:t>
-            </a:r>
-          </a:p>
-          <a:p>
-            <a:pPr lvl="0" indent="0" marL="0">
-              <a:buNone/>
-            </a:pPr>
-            <a:r>
-              <a:rPr/>
-              <a:t>When you click the </a:t>
-            </a:r>
-            <a:r>
-              <a:rPr b="1"/>
-              <a:t>Knit</a:t>
-            </a:r>
-            <a:r>
-              <a:rPr/>
-              <a:t> button a document will be generated that includes both content as well as the output of any embedded R code chunks within the document.</a:t>
             </a:r>
           </a:p>
         </p:txBody>
@@ -3773,7 +3823,7 @@
             </a:pPr>
             <a:r>
               <a:rPr/>
-              <a:t>Slide with Bullets</a:t>
+              <a:t>Creating Dates</a:t>
             </a:r>
           </a:p>
         </p:txBody>
@@ -3801,22 +3851,282 @@
           <a:p>
             <a:pPr lvl="0"/>
             <a:r>
+              <a:rPr>
+                <a:latin typeface="Courier"/>
+              </a:rPr>
+              <a:t>lubridate</a:t>
+            </a:r>
+            <a:r>
               <a:rPr/>
-              <a:t>Bullet 1</a:t>
-            </a:r>
-          </a:p>
-          <a:p>
-            <a:pPr lvl="0"/>
+              <a:t> contains functions </a:t>
+            </a:r>
+            <a:r>
+              <a:rPr>
+                <a:latin typeface="Courier"/>
+              </a:rPr>
+              <a:t>ymd</a:t>
+            </a:r>
             <a:r>
               <a:rPr/>
-              <a:t>Bullet 2</a:t>
-            </a:r>
-          </a:p>
-          <a:p>
-            <a:pPr lvl="0"/>
+              <a:t>, </a:t>
+            </a:r>
+            <a:r>
+              <a:rPr>
+                <a:latin typeface="Courier"/>
+              </a:rPr>
+              <a:t>ydm</a:t>
+            </a:r>
             <a:r>
               <a:rPr/>
-              <a:t>Bullet 3</a:t>
+              <a:t>, </a:t>
+            </a:r>
+            <a:r>
+              <a:rPr>
+                <a:latin typeface="Courier"/>
+              </a:rPr>
+              <a:t>mdy</a:t>
+            </a:r>
+            <a:r>
+              <a:rPr/>
+              <a:t>, </a:t>
+            </a:r>
+            <a:r>
+              <a:rPr>
+                <a:latin typeface="Courier"/>
+              </a:rPr>
+              <a:t>myd</a:t>
+            </a:r>
+            <a:r>
+              <a:rPr/>
+              <a:t>, </a:t>
+            </a:r>
+            <a:r>
+              <a:rPr>
+                <a:latin typeface="Courier"/>
+              </a:rPr>
+              <a:t>dmy</a:t>
+            </a:r>
+            <a:r>
+              <a:rPr/>
+              <a:t>, and </a:t>
+            </a:r>
+            <a:r>
+              <a:rPr>
+                <a:latin typeface="Courier"/>
+              </a:rPr>
+              <a:t>dym</a:t>
+            </a:r>
+            <a:r>
+              <a:rPr/>
+              <a:t> to parse a string or character into a date. For example,</a:t>
+            </a:r>
+          </a:p>
+          <a:p>
+            <a:pPr lvl="0" indent="0">
+              <a:buNone/>
+            </a:pPr>
+            <a:r>
+              <a:rPr>
+                <a:latin typeface="Courier"/>
+              </a:rPr>
+              <a:t>(</a:t>
+            </a:r>
+            <a:r>
+              <a:rPr>
+                <a:solidFill>
+                  <a:srgbClr val="06287E"/>
+                </a:solidFill>
+                <a:latin typeface="Courier"/>
+              </a:rPr>
+              <a:t>ymd</a:t>
+            </a:r>
+            <a:r>
+              <a:rPr>
+                <a:latin typeface="Courier"/>
+              </a:rPr>
+              <a:t>(</a:t>
+            </a:r>
+            <a:r>
+              <a:rPr>
+                <a:solidFill>
+                  <a:srgbClr val="4070A0"/>
+                </a:solidFill>
+                <a:latin typeface="Courier"/>
+              </a:rPr>
+              <a:t>"2022-03-06"</a:t>
+            </a:r>
+            <a:r>
+              <a:rPr>
+                <a:latin typeface="Courier"/>
+              </a:rPr>
+              <a:t>))</a:t>
+            </a:r>
+          </a:p>
+          <a:p>
+            <a:pPr lvl="0" indent="0">
+              <a:buNone/>
+            </a:pPr>
+            <a:r>
+              <a:rPr>
+                <a:latin typeface="Courier"/>
+              </a:rPr>
+              <a:t>## [1] "2022-03-06"</a:t>
+            </a:r>
+          </a:p>
+          <a:p>
+            <a:pPr lvl="0" indent="0">
+              <a:buNone/>
+            </a:pPr>
+            <a:r>
+              <a:rPr>
+                <a:latin typeface="Courier"/>
+              </a:rPr>
+              <a:t>(</a:t>
+            </a:r>
+            <a:r>
+              <a:rPr>
+                <a:solidFill>
+                  <a:srgbClr val="06287E"/>
+                </a:solidFill>
+                <a:latin typeface="Courier"/>
+              </a:rPr>
+              <a:t>mdy</a:t>
+            </a:r>
+            <a:r>
+              <a:rPr>
+                <a:latin typeface="Courier"/>
+              </a:rPr>
+              <a:t>(</a:t>
+            </a:r>
+            <a:r>
+              <a:rPr>
+                <a:solidFill>
+                  <a:srgbClr val="4070A0"/>
+                </a:solidFill>
+                <a:latin typeface="Courier"/>
+              </a:rPr>
+              <a:t>"March 6th, 2022"</a:t>
+            </a:r>
+            <a:r>
+              <a:rPr>
+                <a:latin typeface="Courier"/>
+              </a:rPr>
+              <a:t>))</a:t>
+            </a:r>
+          </a:p>
+          <a:p>
+            <a:pPr lvl="0" indent="0">
+              <a:buNone/>
+            </a:pPr>
+            <a:r>
+              <a:rPr>
+                <a:latin typeface="Courier"/>
+              </a:rPr>
+              <a:t>## [1] "2022-03-06"</a:t>
+            </a:r>
+          </a:p>
+          <a:p>
+            <a:pPr lvl="0" indent="0">
+              <a:buNone/>
+            </a:pPr>
+            <a:r>
+              <a:rPr>
+                <a:latin typeface="Courier"/>
+              </a:rPr>
+              <a:t>(</a:t>
+            </a:r>
+            <a:r>
+              <a:rPr>
+                <a:solidFill>
+                  <a:srgbClr val="06287E"/>
+                </a:solidFill>
+                <a:latin typeface="Courier"/>
+              </a:rPr>
+              <a:t>dmy</a:t>
+            </a:r>
+            <a:r>
+              <a:rPr>
+                <a:latin typeface="Courier"/>
+              </a:rPr>
+              <a:t>(</a:t>
+            </a:r>
+            <a:r>
+              <a:rPr>
+                <a:solidFill>
+                  <a:srgbClr val="4070A0"/>
+                </a:solidFill>
+                <a:latin typeface="Courier"/>
+              </a:rPr>
+              <a:t>"06-March-2022"</a:t>
+            </a:r>
+            <a:r>
+              <a:rPr>
+                <a:latin typeface="Courier"/>
+              </a:rPr>
+              <a:t>))</a:t>
+            </a:r>
+          </a:p>
+          <a:p>
+            <a:pPr lvl="0" indent="0">
+              <a:buNone/>
+            </a:pPr>
+            <a:r>
+              <a:rPr>
+                <a:latin typeface="Courier"/>
+              </a:rPr>
+              <a:t>## [1] "2022-03-06"</a:t>
+            </a:r>
+          </a:p>
+          <a:p>
+            <a:pPr lvl="0" indent="0">
+              <a:buNone/>
+            </a:pPr>
+            <a:r>
+              <a:rPr>
+                <a:latin typeface="Courier"/>
+              </a:rPr>
+              <a:t>(</a:t>
+            </a:r>
+            <a:r>
+              <a:rPr>
+                <a:solidFill>
+                  <a:srgbClr val="06287E"/>
+                </a:solidFill>
+                <a:latin typeface="Courier"/>
+              </a:rPr>
+              <a:t>ymd</a:t>
+            </a:r>
+            <a:r>
+              <a:rPr>
+                <a:latin typeface="Courier"/>
+              </a:rPr>
+              <a:t>(</a:t>
+            </a:r>
+            <a:r>
+              <a:rPr>
+                <a:solidFill>
+                  <a:srgbClr val="40A070"/>
+                </a:solidFill>
+                <a:latin typeface="Courier"/>
+              </a:rPr>
+              <a:t>20220306</a:t>
+            </a:r>
+            <a:r>
+              <a:rPr>
+                <a:latin typeface="Courier"/>
+              </a:rPr>
+              <a:t>))</a:t>
+            </a:r>
+          </a:p>
+          <a:p>
+            <a:pPr lvl="0" indent="0">
+              <a:buNone/>
+            </a:pPr>
+            <a:r>
+              <a:rPr>
+                <a:latin typeface="Courier"/>
+              </a:rPr>
+              <a:t>## [1] "2022-03-06"</a:t>
             </a:r>
           </a:p>
         </p:txBody>
@@ -3898,7 +4208,7 @@
             </a:pPr>
             <a:r>
               <a:rPr/>
-              <a:t>Slide with R Output</a:t>
+              <a:t>Creating Date-Times</a:t>
             </a:r>
           </a:p>
         </p:txBody>
@@ -3924,9 +4234,22 @@
           <a:bodyPr/>
           <a:lstStyle/>
           <a:p>
+            <a:pPr lvl="0"/>
+            <a:r>
+              <a:rPr/>
+              <a:t>We can also parse date-time strings. For example,</a:t>
+            </a:r>
+          </a:p>
+          <a:p>
             <a:pPr lvl="0" indent="0">
               <a:buNone/>
             </a:pPr>
+            <a:r>
+              <a:rPr>
+                <a:latin typeface="Courier"/>
+              </a:rPr>
+              <a:t>(</a:t>
+            </a:r>
             <a:r>
               <a:rPr>
                 <a:solidFill>
@@ -3934,13 +4257,28 @@
                 </a:solidFill>
                 <a:latin typeface="Courier"/>
               </a:rPr>
-              <a:t>summary</a:t>
+              <a:t>ymd_hms</a:t>
             </a:r>
             <a:r>
               <a:rPr>
                 <a:latin typeface="Courier"/>
               </a:rPr>
-              <a:t>(cars)</a:t>
+              <a:t>(</a:t>
+            </a:r>
+            <a:r>
+              <a:rPr>
+                <a:solidFill>
+                  <a:srgbClr val="4070A0"/>
+                </a:solidFill>
+                <a:latin typeface="Courier"/>
+              </a:rPr>
+              <a:t>"2022-03-06 08:58:31"</a:t>
+            </a:r>
+            <a:r>
+              <a:rPr>
+                <a:latin typeface="Courier"/>
+              </a:rPr>
+              <a:t>))</a:t>
             </a:r>
           </a:p>
           <a:p>
@@ -3951,13 +4289,59 @@
               <a:rPr>
                 <a:latin typeface="Courier"/>
               </a:rPr>
-              <a:t>##      speed           dist       
-##  Min.   : 4.0   Min.   :  2.00  
-##  1st Qu.:12.0   1st Qu.: 26.00  
-##  Median :15.0   Median : 36.00  
-##  Mean   :15.4   Mean   : 42.98  
-##  3rd Qu.:19.0   3rd Qu.: 56.00  
-##  Max.   :25.0   Max.   :120.00</a:t>
+              <a:t>## [1] "2022-03-06 08:58:31 UTC"</a:t>
+            </a:r>
+          </a:p>
+          <a:p>
+            <a:pPr lvl="0" indent="0">
+              <a:buNone/>
+            </a:pPr>
+            <a:r>
+              <a:rPr>
+                <a:latin typeface="Courier"/>
+              </a:rPr>
+              <a:t>(</a:t>
+            </a:r>
+            <a:r>
+              <a:rPr>
+                <a:solidFill>
+                  <a:srgbClr val="06287E"/>
+                </a:solidFill>
+                <a:latin typeface="Courier"/>
+              </a:rPr>
+              <a:t>mdy_hm</a:t>
+            </a:r>
+            <a:r>
+              <a:rPr>
+                <a:latin typeface="Courier"/>
+              </a:rPr>
+              <a:t>(</a:t>
+            </a:r>
+            <a:r>
+              <a:rPr>
+                <a:solidFill>
+                  <a:srgbClr val="4070A0"/>
+                </a:solidFill>
+                <a:latin typeface="Courier"/>
+              </a:rPr>
+              <a:t>"03/06/2022 08:58"</a:t>
+            </a:r>
+            <a:r>
+              <a:rPr>
+                <a:latin typeface="Courier"/>
+              </a:rPr>
+              <a:t>))</a:t>
+            </a:r>
+          </a:p>
+          <a:p>
+            <a:pPr lvl="0" indent="0">
+              <a:buNone/>
+            </a:pPr>
+            <a:r>
+              <a:rPr>
+                <a:latin typeface="Courier"/>
+              </a:rPr>
+              <a:t>## [1] "2022-03-06 08:58:00 UTC"</a:t>
             </a:r>
           </a:p>
         </p:txBody>
@@ -4039,41 +4423,273 @@
             </a:pPr>
             <a:r>
               <a:rPr/>
-              <a:t>Slide with Plot</a:t>
+              <a:t>Manipulating Date-Times</a:t>
             </a:r>
           </a:p>
         </p:txBody>
       </p:sp>
-      <p:pic>
-        <p:nvPicPr>
-          <p:cNvPr descr="dates_times_with_r_files/figure-pptx/pressure-1.png" id="0" name="Picture 1"/>
-          <p:cNvPicPr>
-            <a:picLocks noGrp="1" noChangeAspect="1"/>
-          </p:cNvPicPr>
-          <p:nvPr/>
-        </p:nvPicPr>
-        <p:blipFill>
-          <a:blip r:embed="rId2"/>
-          <a:stretch>
-            <a:fillRect/>
-          </a:stretch>
-        </p:blipFill>
-        <p:spPr bwMode="auto">
-          <a:xfrm>
-            <a:off x="3378200" y="1816100"/>
-            <a:ext cx="5435600" cy="4343400"/>
-          </a:xfrm>
-          <a:prstGeom prst="rect">
-            <a:avLst/>
-          </a:prstGeom>
-          <a:noFill/>
-          <a:ln w="9525">
-            <a:noFill/>
-            <a:headEnd/>
-            <a:tailEnd/>
-          </a:ln>
-        </p:spPr>
-      </p:pic>
+      <p:sp>
+        <p:nvSpPr>
+          <p:cNvPr id="3" name="Content Placeholder 2">
+            <a:extLst>
+              <a:ext uri="{FF2B5EF4-FFF2-40B4-BE49-F238E27FC236}">
+                <a16:creationId xmlns:a16="http://schemas.microsoft.com/office/drawing/2014/main" id="{0CE84060-CA26-4E18-AB1F-5C4520C4E4A1}"/>
+              </a:ext>
+            </a:extLst>
+          </p:cNvPr>
+          <p:cNvSpPr>
+            <a:spLocks noGrp="1"/>
+          </p:cNvSpPr>
+          <p:nvPr>
+            <p:ph idx="1"/>
+          </p:nvPr>
+        </p:nvSpPr>
+        <p:spPr/>
+        <p:txBody>
+          <a:bodyPr/>
+          <a:lstStyle/>
+          <a:p>
+            <a:pPr lvl="0"/>
+            <a:r>
+              <a:rPr/>
+              <a:t>It is also possible to manipulate dates and times with lubridate functions.</a:t>
+            </a:r>
+          </a:p>
+          <a:p>
+            <a:pPr lvl="0"/>
+            <a:r>
+              <a:rPr/>
+              <a:t>For example, the following command will split columns for the year, month, and day from the </a:t>
+            </a:r>
+            <a:r>
+              <a:rPr>
+                <a:latin typeface="Courier"/>
+              </a:rPr>
+              <a:t>Date</a:t>
+            </a:r>
+            <a:r>
+              <a:rPr/>
+              <a:t> column</a:t>
+            </a:r>
+          </a:p>
+          <a:p>
+            <a:pPr lvl="0" indent="0">
+              <a:buNone/>
+            </a:pPr>
+            <a:r>
+              <a:rPr>
+                <a:latin typeface="Courier"/>
+              </a:rPr>
+              <a:t>food_services %&gt;% 
+  mutate(year=year(Date),month=month(Date),day=day(Date)) %&gt;%
+  glimpse()</a:t>
+            </a:r>
+          </a:p>
+          <a:p>
+            <a:pPr lvl="0"/>
+            <a:r>
+              <a:rPr/>
+              <a:t>Note that we have used the </a:t>
+            </a:r>
+            <a:r>
+              <a:rPr>
+                <a:latin typeface="Courier"/>
+              </a:rPr>
+              <a:t>lubridate</a:t>
+            </a:r>
+            <a:r>
+              <a:rPr/>
+              <a:t> functions </a:t>
+            </a:r>
+            <a:r>
+              <a:rPr>
+                <a:latin typeface="Courier"/>
+              </a:rPr>
+              <a:t>year</a:t>
+            </a:r>
+            <a:r>
+              <a:rPr/>
+              <a:t>, </a:t>
+            </a:r>
+            <a:r>
+              <a:rPr>
+                <a:latin typeface="Courier"/>
+              </a:rPr>
+              <a:t>month</a:t>
+            </a:r>
+            <a:r>
+              <a:rPr/>
+              <a:t>, and </a:t>
+            </a:r>
+            <a:r>
+              <a:rPr>
+                <a:latin typeface="Courier"/>
+              </a:rPr>
+              <a:t>day</a:t>
+            </a:r>
+            <a:r>
+              <a:rPr/>
+              <a:t> in combination with the </a:t>
+            </a:r>
+            <a:r>
+              <a:rPr>
+                <a:latin typeface="Courier"/>
+              </a:rPr>
+              <a:t>mutate</a:t>
+            </a:r>
+            <a:r>
+              <a:rPr/>
+              <a:t> function from </a:t>
+            </a:r>
+            <a:r>
+              <a:rPr>
+                <a:latin typeface="Courier"/>
+              </a:rPr>
+              <a:t>dplyr</a:t>
+            </a:r>
+            <a:r>
+              <a:rPr/>
+              <a:t> to add three new columns.</a:t>
+            </a:r>
+          </a:p>
+        </p:txBody>
+      </p:sp>
+      <p:sp>
+        <p:nvSpPr>
+          <p:cNvPr id="6" name="Slide Number Placeholder 5">
+            <a:extLst>
+              <a:ext uri="{FF2B5EF4-FFF2-40B4-BE49-F238E27FC236}">
+                <a16:creationId xmlns:a16="http://schemas.microsoft.com/office/drawing/2014/main" id="{50A9E505-BDA1-4B25-97CF-F0B42C5D701E}"/>
+              </a:ext>
+            </a:extLst>
+          </p:cNvPr>
+          <p:cNvSpPr>
+            <a:spLocks noGrp="1"/>
+          </p:cNvSpPr>
+          <p:nvPr>
+            <p:ph idx="12" sz="quarter" type="sldNum"/>
+          </p:nvPr>
+        </p:nvSpPr>
+        <p:spPr/>
+        <p:txBody>
+          <a:bodyPr/>
+          <a:lstStyle/>
+          <a:p>
+            <a:fld id="{36DA6CAC-05BF-4AF1-AB20-42BAD72448F4}" type="slidenum">
+              <a:rPr lang="en-US" smtClean="0"/>
+              <a:t>‹#›</a:t>
+            </a:fld>
+            <a:endParaRPr lang="en-US"/>
+          </a:p>
+        </p:txBody>
+      </p:sp>
+    </p:spTree>
+  </p:cSld>
+</p:sld>
+</file>
+
+<file path=ppt/slides/slide15.xml><?xml version="1.0" encoding="utf-8"?>
+<p:sld xmlns:a="http://schemas.openxmlformats.org/drawingml/2006/main" xmlns:r="http://schemas.openxmlformats.org/officeDocument/2006/relationships" xmlns:p="http://schemas.openxmlformats.org/presentationml/2006/main">
+  <p:cSld>
+    <p:spTree>
+      <p:nvGrpSpPr>
+        <p:cNvPr id="1" name=""/>
+        <p:cNvGrpSpPr/>
+        <p:nvPr/>
+      </p:nvGrpSpPr>
+      <p:grpSpPr>
+        <a:xfrm>
+          <a:off x="0" y="0"/>
+          <a:ext cx="0" cy="0"/>
+          <a:chOff x="0" y="0"/>
+          <a:chExt cx="0" cy="0"/>
+        </a:xfrm>
+      </p:grpSpPr>
+      <p:sp>
+        <p:nvSpPr>
+          <p:cNvPr id="2" name="Title 1">
+            <a:extLst>
+              <a:ext uri="{FF2B5EF4-FFF2-40B4-BE49-F238E27FC236}">
+                <a16:creationId xmlns:a16="http://schemas.microsoft.com/office/drawing/2014/main" id="{4A7312EB-0433-4B75-BFA3-EDC7DC383CBC}"/>
+              </a:ext>
+            </a:extLst>
+          </p:cNvPr>
+          <p:cNvSpPr>
+            <a:spLocks noGrp="1"/>
+          </p:cNvSpPr>
+          <p:nvPr>
+            <p:ph type="title"/>
+          </p:nvPr>
+        </p:nvSpPr>
+        <p:spPr/>
+        <p:txBody>
+          <a:bodyPr/>
+          <a:lstStyle/>
+          <a:p>
+            <a:pPr lvl="0" indent="0" marL="0">
+              <a:buNone/>
+            </a:pPr>
+            <a:r>
+              <a:rPr/>
+              <a:t>Combining Date Components</a:t>
+            </a:r>
+          </a:p>
+        </p:txBody>
+      </p:sp>
+      <p:sp>
+        <p:nvSpPr>
+          <p:cNvPr id="3" name="Content Placeholder 2">
+            <a:extLst>
+              <a:ext uri="{FF2B5EF4-FFF2-40B4-BE49-F238E27FC236}">
+                <a16:creationId xmlns:a16="http://schemas.microsoft.com/office/drawing/2014/main" id="{0CE84060-CA26-4E18-AB1F-5C4520C4E4A1}"/>
+              </a:ext>
+            </a:extLst>
+          </p:cNvPr>
+          <p:cNvSpPr>
+            <a:spLocks noGrp="1"/>
+          </p:cNvSpPr>
+          <p:nvPr>
+            <p:ph idx="1"/>
+          </p:nvPr>
+        </p:nvSpPr>
+        <p:spPr/>
+        <p:txBody>
+          <a:bodyPr/>
+          <a:lstStyle/>
+          <a:p>
+            <a:pPr lvl="0"/>
+            <a:r>
+              <a:rPr/>
+              <a:t>Perhaps a data set has the year, month, and day spread across multiple columns and we would like to combine these into a single column.</a:t>
+            </a:r>
+          </a:p>
+          <a:p>
+            <a:pPr lvl="0"/>
+            <a:r>
+              <a:rPr/>
+              <a:t>This is done with a command such as</a:t>
+            </a:r>
+          </a:p>
+          <a:p>
+            <a:pPr lvl="0" indent="0">
+              <a:buNone/>
+            </a:pPr>
+            <a:r>
+              <a:rPr>
+                <a:latin typeface="Courier"/>
+              </a:rPr>
+              <a:t>make_date(year=2022,month=03,day=10)</a:t>
+            </a:r>
+          </a:p>
+          <a:p>
+            <a:pPr lvl="0"/>
+            <a:r>
+              <a:rPr/>
+              <a:t>Let’s see an application of this to a data frame.</a:t>
+            </a:r>
+          </a:p>
+        </p:txBody>
+      </p:sp>
       <p:sp>
         <p:nvSpPr>
           <p:cNvPr id="6" name="Slide Number Placeholder 5">
@@ -5132,7 +5748,7 @@
       </p:sp>
       <p:graphicFrame xmlns:a="http://schemas.openxmlformats.org/drawingml/2006/main" xmlns:r="http://schemas.openxmlformats.org/officeDocument/2006/relationships" xmlns:p="http://schemas.openxmlformats.org/presentationml/2006/main">
         <p:nvGraphicFramePr>
-          <p:cNvPr id="289995846" name=""/>
+          <p:cNvPr id="516205169" name=""/>
           <p:cNvGraphicFramePr>
             <a:graphicFrameLocks noGrp="true"/>
           </p:cNvGraphicFramePr>
@@ -7662,7 +8278,7 @@
       </p:sp>
       <p:graphicFrame xmlns:a="http://schemas.openxmlformats.org/drawingml/2006/main" xmlns:r="http://schemas.openxmlformats.org/officeDocument/2006/relationships" xmlns:p="http://schemas.openxmlformats.org/presentationml/2006/main">
         <p:nvGraphicFramePr>
-          <p:cNvPr id="662231402" name=""/>
+          <p:cNvPr id="66059621" name=""/>
           <p:cNvGraphicFramePr>
             <a:graphicFrameLocks noGrp="true"/>
           </p:cNvGraphicFramePr>

--- a/slides/dates_times_with_r.pptx
+++ b/slides/dates_times_with_r.pptx
@@ -20,6 +20,11 @@
     <p:sldId id="268" r:id="rId14"/>
     <p:sldId id="269" r:id="rId15"/>
     <p:sldId id="270" r:id="rId16"/>
+    <p:sldId id="271" r:id="rId17"/>
+    <p:sldId id="272" r:id="rId18"/>
+    <p:sldId id="273" r:id="rId19"/>
+    <p:sldId id="274" r:id="rId20"/>
+    <p:sldId id="275" r:id="rId21"/>
   </p:sldIdLst>
   <p:sldSz cx="12192000" cy="6858000"/>
   <p:notesSz cx="6858000" cy="9144000"/>
@@ -3441,7 +3446,7 @@
             </a:pPr>
             <a:r>
               <a:rPr/>
-              <a:t>2022-04-18</a:t>
+              <a:t>2022-04-23</a:t>
             </a:r>
           </a:p>
         </p:txBody>
@@ -3523,7 +3528,7 @@
             </a:pPr>
             <a:r>
               <a:rPr/>
-              <a:t>Date-Time Challenges</a:t>
+              <a:t>Date and Time Data</a:t>
             </a:r>
           </a:p>
         </p:txBody>
@@ -3549,54 +3554,76 @@
           <a:bodyPr/>
           <a:lstStyle/>
           <a:p>
-            <a:pPr lvl="0" indent="0" marL="0">
+            <a:pPr lvl="0"/>
+            <a:r>
+              <a:rPr/>
+              <a:t>Some variables in the data sets have a </a:t>
+            </a:r>
+            <a:r>
+              <a:rPr>
+                <a:latin typeface="Courier"/>
+              </a:rPr>
+              <a:t>date</a:t>
+            </a:r>
+            <a:r>
+              <a:rPr/>
+              <a:t> or </a:t>
+            </a:r>
+            <a:r>
+              <a:rPr>
+                <a:latin typeface="Courier"/>
+              </a:rPr>
+              <a:t>time</a:t>
+            </a:r>
+            <a:r>
+              <a:rPr/>
+              <a:t> type.</a:t>
+            </a:r>
+          </a:p>
+          <a:p>
+            <a:pPr lvl="0"/>
+            <a:r>
+              <a:rPr/>
+              <a:t>We can see the types for the columns in the data frames with,</a:t>
+            </a:r>
+          </a:p>
+          <a:p>
+            <a:pPr lvl="0" indent="0">
               <a:buNone/>
             </a:pPr>
             <a:r>
+              <a:rPr>
+                <a:latin typeface="Courier"/>
+              </a:rPr>
+              <a:t>glimpse(food_services)
+glimpse(r_package_downloads)</a:t>
+            </a:r>
+          </a:p>
+          <a:p>
+            <a:pPr lvl="0"/>
+            <a:r>
               <a:rPr/>
-              <a:t>Perhaps one of the most common challenges of working with data that contains date-time entries is that</a:t>
-            </a:r>
-          </a:p>
-          <a:p>
-            <a:pPr lvl="0"/>
+              <a:t>The output shows that the date and time columns have data types associated with a </a:t>
+            </a:r>
+            <a:r>
+              <a:rPr>
+                <a:latin typeface="Courier"/>
+              </a:rPr>
+              <a:t>date</a:t>
+            </a:r>
             <a:r>
               <a:rPr/>
-              <a:t>Different individuals record dates and times differently.</a:t>
-            </a:r>
-          </a:p>
-          <a:p>
-            <a:pPr lvl="0"/>
+              <a:t> or </a:t>
+            </a:r>
+            <a:r>
+              <a:rPr>
+                <a:latin typeface="Courier"/>
+              </a:rPr>
+              <a:t>time</a:t>
+            </a:r>
             <a:r>
               <a:rPr/>
-              <a:t>For example, all of the following represent the same day:</a:t>
-            </a:r>
-          </a:p>
-          <a:p>
-            <a:pPr lvl="1"/>
-            <a:r>
-              <a:rPr/>
-              <a:t>February 14, 2022</a:t>
-            </a:r>
-          </a:p>
-          <a:p>
-            <a:pPr lvl="1"/>
-            <a:r>
-              <a:rPr/>
-              <a:t>02-14-2022</a:t>
-            </a:r>
-          </a:p>
-          <a:p>
-            <a:pPr lvl="1"/>
-            <a:r>
-              <a:rPr/>
-              <a:t>2022-02-14</a:t>
-            </a:r>
-          </a:p>
-          <a:p>
-            <a:pPr lvl="1"/>
-            <a:r>
-              <a:rPr/>
-              <a:t>14-Feb-2022</a:t>
+              <a:t> type in R.</a:t>
             </a:r>
           </a:p>
         </p:txBody>
@@ -3678,7 +3705,7 @@
             </a:pPr>
             <a:r>
               <a:rPr/>
-              <a:t>Date and Time Challenges in a Spreadsheet</a:t>
+              <a:t>Date-Time Challenges</a:t>
             </a:r>
           </a:p>
         </p:txBody>
@@ -3704,44 +3731,54 @@
           <a:bodyPr/>
           <a:lstStyle/>
           <a:p>
+            <a:pPr lvl="0" indent="0" marL="0">
+              <a:buNone/>
+            </a:pPr>
+            <a:r>
+              <a:rPr/>
+              <a:t>Some common challenges of working with data that contains date-time entries include</a:t>
+            </a:r>
+          </a:p>
+          <a:p>
             <a:pPr lvl="0"/>
             <a:r>
               <a:rPr/>
-              <a:t>It can be very challenging to work with data or time data in a spreadsheet.</a:t>
+              <a:t>Different individuals record dates and times differently.</a:t>
             </a:r>
           </a:p>
           <a:p>
             <a:pPr lvl="0"/>
             <a:r>
               <a:rPr/>
-              <a:t>Working in R facilitates easier handling of date-time data, especially when using the </a:t>
-            </a:r>
-            <a:r>
-              <a:rPr>
-                <a:latin typeface="Courier"/>
-              </a:rPr>
-              <a:t>lubridate</a:t>
-            </a:r>
+              <a:t>For example, all of the following represent the same day:</a:t>
+            </a:r>
+          </a:p>
+          <a:p>
+            <a:pPr lvl="1"/>
             <a:r>
               <a:rPr/>
-              <a:t> package.</a:t>
-            </a:r>
-          </a:p>
-          <a:p>
-            <a:pPr lvl="0"/>
+              <a:t>February 14, 2022</a:t>
+            </a:r>
+          </a:p>
+          <a:p>
+            <a:pPr lvl="1"/>
             <a:r>
               <a:rPr/>
-              <a:t>Let’s see some of the functionality of </a:t>
-            </a:r>
-            <a:r>
-              <a:rPr>
-                <a:latin typeface="Courier"/>
-              </a:rPr>
-              <a:t>lubridate</a:t>
-            </a:r>
+              <a:t>02-14-2022</a:t>
+            </a:r>
+          </a:p>
+          <a:p>
+            <a:pPr lvl="1"/>
             <a:r>
               <a:rPr/>
-              <a:t>.</a:t>
+              <a:t>2022-02-14</a:t>
+            </a:r>
+          </a:p>
+          <a:p>
+            <a:pPr lvl="1"/>
+            <a:r>
+              <a:rPr/>
+              <a:t>14-Feb-2022</a:t>
             </a:r>
           </a:p>
         </p:txBody>
@@ -3823,7 +3860,7 @@
             </a:pPr>
             <a:r>
               <a:rPr/>
-              <a:t>Creating Dates</a:t>
+              <a:t>Date and Time Challenges in a Spreadsheet</a:t>
             </a:r>
           </a:p>
         </p:txBody>
@@ -3851,6 +3888,17 @@
           <a:p>
             <a:pPr lvl="0"/>
             <a:r>
+              <a:rPr/>
+              <a:t>It can be very challenging to work with date or time data in a spreadsheet.</a:t>
+            </a:r>
+          </a:p>
+          <a:p>
+            <a:pPr lvl="0"/>
+            <a:r>
+              <a:rPr/>
+              <a:t>Working in R facilitates easier handling of date-time data, especially when using the </a:t>
+            </a:r>
+            <a:r>
               <a:rPr>
                 <a:latin typeface="Courier"/>
               </a:rPr>
@@ -3858,275 +3906,7 @@
             </a:r>
             <a:r>
               <a:rPr/>
-              <a:t> contains functions </a:t>
-            </a:r>
-            <a:r>
-              <a:rPr>
-                <a:latin typeface="Courier"/>
-              </a:rPr>
-              <a:t>ymd</a:t>
-            </a:r>
-            <a:r>
-              <a:rPr/>
-              <a:t>, </a:t>
-            </a:r>
-            <a:r>
-              <a:rPr>
-                <a:latin typeface="Courier"/>
-              </a:rPr>
-              <a:t>ydm</a:t>
-            </a:r>
-            <a:r>
-              <a:rPr/>
-              <a:t>, </a:t>
-            </a:r>
-            <a:r>
-              <a:rPr>
-                <a:latin typeface="Courier"/>
-              </a:rPr>
-              <a:t>mdy</a:t>
-            </a:r>
-            <a:r>
-              <a:rPr/>
-              <a:t>, </a:t>
-            </a:r>
-            <a:r>
-              <a:rPr>
-                <a:latin typeface="Courier"/>
-              </a:rPr>
-              <a:t>myd</a:t>
-            </a:r>
-            <a:r>
-              <a:rPr/>
-              <a:t>, </a:t>
-            </a:r>
-            <a:r>
-              <a:rPr>
-                <a:latin typeface="Courier"/>
-              </a:rPr>
-              <a:t>dmy</a:t>
-            </a:r>
-            <a:r>
-              <a:rPr/>
-              <a:t>, and </a:t>
-            </a:r>
-            <a:r>
-              <a:rPr>
-                <a:latin typeface="Courier"/>
-              </a:rPr>
-              <a:t>dym</a:t>
-            </a:r>
-            <a:r>
-              <a:rPr/>
-              <a:t> to parse a string or character into a date. For example,</a:t>
-            </a:r>
-          </a:p>
-          <a:p>
-            <a:pPr lvl="0" indent="0">
-              <a:buNone/>
-            </a:pPr>
-            <a:r>
-              <a:rPr>
-                <a:latin typeface="Courier"/>
-              </a:rPr>
-              <a:t>(</a:t>
-            </a:r>
-            <a:r>
-              <a:rPr>
-                <a:solidFill>
-                  <a:srgbClr val="06287E"/>
-                </a:solidFill>
-                <a:latin typeface="Courier"/>
-              </a:rPr>
-              <a:t>ymd</a:t>
-            </a:r>
-            <a:r>
-              <a:rPr>
-                <a:latin typeface="Courier"/>
-              </a:rPr>
-              <a:t>(</a:t>
-            </a:r>
-            <a:r>
-              <a:rPr>
-                <a:solidFill>
-                  <a:srgbClr val="4070A0"/>
-                </a:solidFill>
-                <a:latin typeface="Courier"/>
-              </a:rPr>
-              <a:t>"2022-03-06"</a:t>
-            </a:r>
-            <a:r>
-              <a:rPr>
-                <a:latin typeface="Courier"/>
-              </a:rPr>
-              <a:t>))</a:t>
-            </a:r>
-          </a:p>
-          <a:p>
-            <a:pPr lvl="0" indent="0">
-              <a:buNone/>
-            </a:pPr>
-            <a:r>
-              <a:rPr>
-                <a:latin typeface="Courier"/>
-              </a:rPr>
-              <a:t>## [1] "2022-03-06"</a:t>
-            </a:r>
-          </a:p>
-          <a:p>
-            <a:pPr lvl="0" indent="0">
-              <a:buNone/>
-            </a:pPr>
-            <a:r>
-              <a:rPr>
-                <a:latin typeface="Courier"/>
-              </a:rPr>
-              <a:t>(</a:t>
-            </a:r>
-            <a:r>
-              <a:rPr>
-                <a:solidFill>
-                  <a:srgbClr val="06287E"/>
-                </a:solidFill>
-                <a:latin typeface="Courier"/>
-              </a:rPr>
-              <a:t>mdy</a:t>
-            </a:r>
-            <a:r>
-              <a:rPr>
-                <a:latin typeface="Courier"/>
-              </a:rPr>
-              <a:t>(</a:t>
-            </a:r>
-            <a:r>
-              <a:rPr>
-                <a:solidFill>
-                  <a:srgbClr val="4070A0"/>
-                </a:solidFill>
-                <a:latin typeface="Courier"/>
-              </a:rPr>
-              <a:t>"March 6th, 2022"</a:t>
-            </a:r>
-            <a:r>
-              <a:rPr>
-                <a:latin typeface="Courier"/>
-              </a:rPr>
-              <a:t>))</a:t>
-            </a:r>
-          </a:p>
-          <a:p>
-            <a:pPr lvl="0" indent="0">
-              <a:buNone/>
-            </a:pPr>
-            <a:r>
-              <a:rPr>
-                <a:latin typeface="Courier"/>
-              </a:rPr>
-              <a:t>## [1] "2022-03-06"</a:t>
-            </a:r>
-          </a:p>
-          <a:p>
-            <a:pPr lvl="0" indent="0">
-              <a:buNone/>
-            </a:pPr>
-            <a:r>
-              <a:rPr>
-                <a:latin typeface="Courier"/>
-              </a:rPr>
-              <a:t>(</a:t>
-            </a:r>
-            <a:r>
-              <a:rPr>
-                <a:solidFill>
-                  <a:srgbClr val="06287E"/>
-                </a:solidFill>
-                <a:latin typeface="Courier"/>
-              </a:rPr>
-              <a:t>dmy</a:t>
-            </a:r>
-            <a:r>
-              <a:rPr>
-                <a:latin typeface="Courier"/>
-              </a:rPr>
-              <a:t>(</a:t>
-            </a:r>
-            <a:r>
-              <a:rPr>
-                <a:solidFill>
-                  <a:srgbClr val="4070A0"/>
-                </a:solidFill>
-                <a:latin typeface="Courier"/>
-              </a:rPr>
-              <a:t>"06-March-2022"</a:t>
-            </a:r>
-            <a:r>
-              <a:rPr>
-                <a:latin typeface="Courier"/>
-              </a:rPr>
-              <a:t>))</a:t>
-            </a:r>
-          </a:p>
-          <a:p>
-            <a:pPr lvl="0" indent="0">
-              <a:buNone/>
-            </a:pPr>
-            <a:r>
-              <a:rPr>
-                <a:latin typeface="Courier"/>
-              </a:rPr>
-              <a:t>## [1] "2022-03-06"</a:t>
-            </a:r>
-          </a:p>
-          <a:p>
-            <a:pPr lvl="0" indent="0">
-              <a:buNone/>
-            </a:pPr>
-            <a:r>
-              <a:rPr>
-                <a:latin typeface="Courier"/>
-              </a:rPr>
-              <a:t>(</a:t>
-            </a:r>
-            <a:r>
-              <a:rPr>
-                <a:solidFill>
-                  <a:srgbClr val="06287E"/>
-                </a:solidFill>
-                <a:latin typeface="Courier"/>
-              </a:rPr>
-              <a:t>ymd</a:t>
-            </a:r>
-            <a:r>
-              <a:rPr>
-                <a:latin typeface="Courier"/>
-              </a:rPr>
-              <a:t>(</a:t>
-            </a:r>
-            <a:r>
-              <a:rPr>
-                <a:solidFill>
-                  <a:srgbClr val="40A070"/>
-                </a:solidFill>
-                <a:latin typeface="Courier"/>
-              </a:rPr>
-              <a:t>20220306</a:t>
-            </a:r>
-            <a:r>
-              <a:rPr>
-                <a:latin typeface="Courier"/>
-              </a:rPr>
-              <a:t>))</a:t>
-            </a:r>
-          </a:p>
-          <a:p>
-            <a:pPr lvl="0" indent="0">
-              <a:buNone/>
-            </a:pPr>
-            <a:r>
-              <a:rPr>
-                <a:latin typeface="Courier"/>
-              </a:rPr>
-              <a:t>## [1] "2022-03-06"</a:t>
+              <a:t> package.</a:t>
             </a:r>
           </a:p>
         </p:txBody>
@@ -4208,7 +3988,17 @@
             </a:pPr>
             <a:r>
               <a:rPr/>
-              <a:t>Creating Date-Times</a:t>
+              <a:t>The </a:t>
+            </a:r>
+            <a:r>
+              <a:rPr>
+                <a:latin typeface="Courier"/>
+              </a:rPr>
+              <a:t>lubridate</a:t>
+            </a:r>
+            <a:r>
+              <a:rPr/>
+              <a:t> Package</a:t>
             </a:r>
           </a:p>
         </p:txBody>
@@ -4236,112 +4026,104 @@
           <a:p>
             <a:pPr lvl="0"/>
             <a:r>
+              <a:rPr>
+                <a:hlinkClick r:id="rId2"/>
+                <a:latin typeface="Courier"/>
+              </a:rPr>
+              <a:t>lubridate</a:t>
+            </a:r>
+            <a:r>
               <a:rPr/>
-              <a:t>We can also parse date-time strings. For example,</a:t>
-            </a:r>
-          </a:p>
-          <a:p>
-            <a:pPr lvl="0" indent="0">
-              <a:buNone/>
-            </a:pPr>
+              <a:t> is an R package associated with the </a:t>
+            </a:r>
             <a:r>
               <a:rPr>
                 <a:latin typeface="Courier"/>
               </a:rPr>
-              <a:t>(</a:t>
-            </a:r>
-            <a:r>
-              <a:rPr>
-                <a:solidFill>
-                  <a:srgbClr val="06287E"/>
-                </a:solidFill>
-                <a:latin typeface="Courier"/>
-              </a:rPr>
-              <a:t>ymd_hms</a:t>
-            </a:r>
+              <a:t>tidyverse</a:t>
+            </a:r>
+            <a:r>
+              <a:rPr/>
+              <a:t> family of packages</a:t>
+            </a:r>
+          </a:p>
+          <a:p>
+            <a:pPr lvl="0"/>
             <a:r>
               <a:rPr>
                 <a:latin typeface="Courier"/>
               </a:rPr>
-              <a:t>(</a:t>
-            </a:r>
-            <a:r>
-              <a:rPr>
-                <a:solidFill>
-                  <a:srgbClr val="4070A0"/>
-                </a:solidFill>
-                <a:latin typeface="Courier"/>
-              </a:rPr>
-              <a:t>"2022-03-06 08:58:31"</a:t>
+              <a:t>library(lubridate)</a:t>
+            </a:r>
+            <a:r>
+              <a:rPr/>
+              <a:t> loads the package, note that </a:t>
             </a:r>
             <a:r>
               <a:rPr>
                 <a:latin typeface="Courier"/>
               </a:rPr>
-              <a:t>))</a:t>
-            </a:r>
-          </a:p>
-          <a:p>
-            <a:pPr lvl="0" indent="0">
-              <a:buNone/>
-            </a:pPr>
+              <a:t>lubridate</a:t>
+            </a:r>
+            <a:r>
+              <a:rPr/>
+              <a:t> is not loaded by </a:t>
+            </a:r>
             <a:r>
               <a:rPr>
                 <a:latin typeface="Courier"/>
               </a:rPr>
-              <a:t>## [1] "2022-03-06 08:58:31 UTC"</a:t>
-            </a:r>
-          </a:p>
-          <a:p>
-            <a:pPr lvl="0" indent="0">
-              <a:buNone/>
-            </a:pPr>
+              <a:t>library(tidyverse)</a:t>
+            </a:r>
+          </a:p>
+          <a:p>
+            <a:pPr lvl="0"/>
             <a:r>
               <a:rPr>
                 <a:latin typeface="Courier"/>
               </a:rPr>
-              <a:t>(</a:t>
+              <a:t>lubridate</a:t>
+            </a:r>
+            <a:r>
+              <a:rPr/>
+              <a:t> usage in covered in the </a:t>
             </a:r>
             <a:r>
               <a:rPr>
-                <a:solidFill>
-                  <a:srgbClr val="06287E"/>
-                </a:solidFill>
-                <a:latin typeface="Courier"/>
+                <a:hlinkClick r:id="rId3"/>
               </a:rPr>
-              <a:t>mdy_hm</a:t>
+              <a:t>Dates and Times chapter</a:t>
+            </a:r>
+            <a:r>
+              <a:rPr/>
+              <a:t> of </a:t>
+            </a:r>
+            <a:r>
+              <a:rPr>
+                <a:hlinkClick r:id="rId4"/>
+              </a:rPr>
+              <a:t>R for Data Science</a:t>
+            </a:r>
+            <a:r>
+              <a:rPr/>
+              <a:t>.</a:t>
+            </a:r>
+          </a:p>
+          <a:p>
+            <a:pPr lvl="0"/>
+            <a:r>
+              <a:rPr/>
+              <a:t>Let’s see some of the functionality of </a:t>
             </a:r>
             <a:r>
               <a:rPr>
                 <a:latin typeface="Courier"/>
               </a:rPr>
-              <a:t>(</a:t>
-            </a:r>
-            <a:r>
-              <a:rPr>
-                <a:solidFill>
-                  <a:srgbClr val="4070A0"/>
-                </a:solidFill>
-                <a:latin typeface="Courier"/>
-              </a:rPr>
-              <a:t>"03/06/2022 08:58"</a:t>
-            </a:r>
-            <a:r>
-              <a:rPr>
-                <a:latin typeface="Courier"/>
-              </a:rPr>
-              <a:t>))</a:t>
-            </a:r>
-          </a:p>
-          <a:p>
-            <a:pPr lvl="0" indent="0">
-              <a:buNone/>
-            </a:pPr>
-            <a:r>
-              <a:rPr>
-                <a:latin typeface="Courier"/>
-              </a:rPr>
-              <a:t>## [1] "2022-03-06 08:58:00 UTC"</a:t>
+              <a:t>lubridate</a:t>
+            </a:r>
+            <a:r>
+              <a:rPr/>
+              <a:t>.</a:t>
             </a:r>
           </a:p>
         </p:txBody>
@@ -4423,7 +4205,7 @@
             </a:pPr>
             <a:r>
               <a:rPr/>
-              <a:t>Manipulating Date-Times</a:t>
+              <a:t>Creating Dates</a:t>
             </a:r>
           </a:p>
         </p:txBody>
@@ -4451,47 +4233,6 @@
           <a:p>
             <a:pPr lvl="0"/>
             <a:r>
-              <a:rPr/>
-              <a:t>It is also possible to manipulate dates and times with lubridate functions.</a:t>
-            </a:r>
-          </a:p>
-          <a:p>
-            <a:pPr lvl="0"/>
-            <a:r>
-              <a:rPr/>
-              <a:t>For example, the following command will split columns for the year, month, and day from the </a:t>
-            </a:r>
-            <a:r>
-              <a:rPr>
-                <a:latin typeface="Courier"/>
-              </a:rPr>
-              <a:t>Date</a:t>
-            </a:r>
-            <a:r>
-              <a:rPr/>
-              <a:t> column</a:t>
-            </a:r>
-          </a:p>
-          <a:p>
-            <a:pPr lvl="0" indent="0">
-              <a:buNone/>
-            </a:pPr>
-            <a:r>
-              <a:rPr>
-                <a:latin typeface="Courier"/>
-              </a:rPr>
-              <a:t>food_services %&gt;% 
-  mutate(year=year(Date),month=month(Date),day=day(Date)) %&gt;%
-  glimpse()</a:t>
-            </a:r>
-          </a:p>
-          <a:p>
-            <a:pPr lvl="0"/>
-            <a:r>
-              <a:rPr/>
-              <a:t>Note that we have used the </a:t>
-            </a:r>
-            <a:r>
               <a:rPr>
                 <a:latin typeface="Courier"/>
               </a:rPr>
@@ -4499,13 +4240,13 @@
             </a:r>
             <a:r>
               <a:rPr/>
-              <a:t> functions </a:t>
+              <a:t> contains functions </a:t>
             </a:r>
             <a:r>
               <a:rPr>
                 <a:latin typeface="Courier"/>
               </a:rPr>
-              <a:t>year</a:t>
+              <a:t>ymd</a:t>
             </a:r>
             <a:r>
               <a:rPr/>
@@ -4515,41 +4256,259 @@
               <a:rPr>
                 <a:latin typeface="Courier"/>
               </a:rPr>
-              <a:t>month</a:t>
+              <a:t>ydm</a:t>
             </a:r>
             <a:r>
               <a:rPr/>
-              <a:t>, and </a:t>
+              <a:t>, </a:t>
             </a:r>
             <a:r>
               <a:rPr>
                 <a:latin typeface="Courier"/>
               </a:rPr>
-              <a:t>day</a:t>
+              <a:t>mdy</a:t>
             </a:r>
             <a:r>
               <a:rPr/>
-              <a:t> in combination with the </a:t>
+              <a:t>, </a:t>
             </a:r>
             <a:r>
               <a:rPr>
                 <a:latin typeface="Courier"/>
               </a:rPr>
-              <a:t>mutate</a:t>
+              <a:t>myd</a:t>
             </a:r>
             <a:r>
               <a:rPr/>
-              <a:t> function from </a:t>
+              <a:t>, </a:t>
             </a:r>
             <a:r>
               <a:rPr>
                 <a:latin typeface="Courier"/>
               </a:rPr>
-              <a:t>dplyr</a:t>
+              <a:t>dmy</a:t>
             </a:r>
             <a:r>
               <a:rPr/>
-              <a:t> to add three new columns.</a:t>
+              <a:t>, and </a:t>
+            </a:r>
+            <a:r>
+              <a:rPr>
+                <a:latin typeface="Courier"/>
+              </a:rPr>
+              <a:t>dym</a:t>
+            </a:r>
+            <a:r>
+              <a:rPr/>
+              <a:t> to parse a string or character into a date. For example,</a:t>
+            </a:r>
+          </a:p>
+          <a:p>
+            <a:pPr lvl="0" indent="0">
+              <a:buNone/>
+            </a:pPr>
+            <a:r>
+              <a:rPr>
+                <a:latin typeface="Courier"/>
+              </a:rPr>
+              <a:t>(</a:t>
+            </a:r>
+            <a:r>
+              <a:rPr>
+                <a:solidFill>
+                  <a:srgbClr val="06287E"/>
+                </a:solidFill>
+                <a:latin typeface="Courier"/>
+              </a:rPr>
+              <a:t>ymd</a:t>
+            </a:r>
+            <a:r>
+              <a:rPr>
+                <a:latin typeface="Courier"/>
+              </a:rPr>
+              <a:t>(</a:t>
+            </a:r>
+            <a:r>
+              <a:rPr>
+                <a:solidFill>
+                  <a:srgbClr val="4070A0"/>
+                </a:solidFill>
+                <a:latin typeface="Courier"/>
+              </a:rPr>
+              <a:t>"2022-03-06"</a:t>
+            </a:r>
+            <a:r>
+              <a:rPr>
+                <a:latin typeface="Courier"/>
+              </a:rPr>
+              <a:t>))</a:t>
+            </a:r>
+          </a:p>
+          <a:p>
+            <a:pPr lvl="0" indent="0">
+              <a:buNone/>
+            </a:pPr>
+            <a:r>
+              <a:rPr>
+                <a:latin typeface="Courier"/>
+              </a:rPr>
+              <a:t>## [1] "2022-03-06"</a:t>
+            </a:r>
+          </a:p>
+          <a:p>
+            <a:pPr lvl="0" indent="0">
+              <a:buNone/>
+            </a:pPr>
+            <a:r>
+              <a:rPr>
+                <a:latin typeface="Courier"/>
+              </a:rPr>
+              <a:t>(</a:t>
+            </a:r>
+            <a:r>
+              <a:rPr>
+                <a:solidFill>
+                  <a:srgbClr val="06287E"/>
+                </a:solidFill>
+                <a:latin typeface="Courier"/>
+              </a:rPr>
+              <a:t>mdy</a:t>
+            </a:r>
+            <a:r>
+              <a:rPr>
+                <a:latin typeface="Courier"/>
+              </a:rPr>
+              <a:t>(</a:t>
+            </a:r>
+            <a:r>
+              <a:rPr>
+                <a:solidFill>
+                  <a:srgbClr val="4070A0"/>
+                </a:solidFill>
+                <a:latin typeface="Courier"/>
+              </a:rPr>
+              <a:t>"March 6th, 2022"</a:t>
+            </a:r>
+            <a:r>
+              <a:rPr>
+                <a:latin typeface="Courier"/>
+              </a:rPr>
+              <a:t>))</a:t>
+            </a:r>
+          </a:p>
+          <a:p>
+            <a:pPr lvl="0" indent="0">
+              <a:buNone/>
+            </a:pPr>
+            <a:r>
+              <a:rPr>
+                <a:latin typeface="Courier"/>
+              </a:rPr>
+              <a:t>## [1] "2022-03-06"</a:t>
+            </a:r>
+          </a:p>
+          <a:p>
+            <a:pPr lvl="0" indent="0">
+              <a:buNone/>
+            </a:pPr>
+            <a:r>
+              <a:rPr>
+                <a:latin typeface="Courier"/>
+              </a:rPr>
+              <a:t>(</a:t>
+            </a:r>
+            <a:r>
+              <a:rPr>
+                <a:solidFill>
+                  <a:srgbClr val="06287E"/>
+                </a:solidFill>
+                <a:latin typeface="Courier"/>
+              </a:rPr>
+              <a:t>dmy</a:t>
+            </a:r>
+            <a:r>
+              <a:rPr>
+                <a:latin typeface="Courier"/>
+              </a:rPr>
+              <a:t>(</a:t>
+            </a:r>
+            <a:r>
+              <a:rPr>
+                <a:solidFill>
+                  <a:srgbClr val="4070A0"/>
+                </a:solidFill>
+                <a:latin typeface="Courier"/>
+              </a:rPr>
+              <a:t>"06-March-2022"</a:t>
+            </a:r>
+            <a:r>
+              <a:rPr>
+                <a:latin typeface="Courier"/>
+              </a:rPr>
+              <a:t>))</a:t>
+            </a:r>
+          </a:p>
+          <a:p>
+            <a:pPr lvl="0" indent="0">
+              <a:buNone/>
+            </a:pPr>
+            <a:r>
+              <a:rPr>
+                <a:latin typeface="Courier"/>
+              </a:rPr>
+              <a:t>## [1] "2022-03-06"</a:t>
+            </a:r>
+          </a:p>
+          <a:p>
+            <a:pPr lvl="0" indent="0">
+              <a:buNone/>
+            </a:pPr>
+            <a:r>
+              <a:rPr>
+                <a:latin typeface="Courier"/>
+              </a:rPr>
+              <a:t>(</a:t>
+            </a:r>
+            <a:r>
+              <a:rPr>
+                <a:solidFill>
+                  <a:srgbClr val="06287E"/>
+                </a:solidFill>
+                <a:latin typeface="Courier"/>
+              </a:rPr>
+              <a:t>ymd</a:t>
+            </a:r>
+            <a:r>
+              <a:rPr>
+                <a:latin typeface="Courier"/>
+              </a:rPr>
+              <a:t>(</a:t>
+            </a:r>
+            <a:r>
+              <a:rPr>
+                <a:solidFill>
+                  <a:srgbClr val="40A070"/>
+                </a:solidFill>
+                <a:latin typeface="Courier"/>
+              </a:rPr>
+              <a:t>20220306</a:t>
+            </a:r>
+            <a:r>
+              <a:rPr>
+                <a:latin typeface="Courier"/>
+              </a:rPr>
+              <a:t>))</a:t>
+            </a:r>
+          </a:p>
+          <a:p>
+            <a:pPr lvl="0" indent="0">
+              <a:buNone/>
+            </a:pPr>
+            <a:r>
+              <a:rPr>
+                <a:latin typeface="Courier"/>
+              </a:rPr>
+              <a:t>## [1] "2022-03-06"</a:t>
             </a:r>
           </a:p>
         </p:txBody>
@@ -4631,7 +4590,7 @@
             </a:pPr>
             <a:r>
               <a:rPr/>
-              <a:t>Combining Date Components</a:t>
+              <a:t>Creating Date-Times</a:t>
             </a:r>
           </a:p>
         </p:txBody>
@@ -4660,6 +4619,429 @@
             <a:pPr lvl="0"/>
             <a:r>
               <a:rPr/>
+              <a:t>We can also parse date-time strings. For example,</a:t>
+            </a:r>
+          </a:p>
+          <a:p>
+            <a:pPr lvl="0" indent="0">
+              <a:buNone/>
+            </a:pPr>
+            <a:r>
+              <a:rPr>
+                <a:latin typeface="Courier"/>
+              </a:rPr>
+              <a:t>(</a:t>
+            </a:r>
+            <a:r>
+              <a:rPr>
+                <a:solidFill>
+                  <a:srgbClr val="06287E"/>
+                </a:solidFill>
+                <a:latin typeface="Courier"/>
+              </a:rPr>
+              <a:t>ymd_hms</a:t>
+            </a:r>
+            <a:r>
+              <a:rPr>
+                <a:latin typeface="Courier"/>
+              </a:rPr>
+              <a:t>(</a:t>
+            </a:r>
+            <a:r>
+              <a:rPr>
+                <a:solidFill>
+                  <a:srgbClr val="4070A0"/>
+                </a:solidFill>
+                <a:latin typeface="Courier"/>
+              </a:rPr>
+              <a:t>"2022-03-06 08:58:31"</a:t>
+            </a:r>
+            <a:r>
+              <a:rPr>
+                <a:latin typeface="Courier"/>
+              </a:rPr>
+              <a:t>))</a:t>
+            </a:r>
+          </a:p>
+          <a:p>
+            <a:pPr lvl="0" indent="0">
+              <a:buNone/>
+            </a:pPr>
+            <a:r>
+              <a:rPr>
+                <a:latin typeface="Courier"/>
+              </a:rPr>
+              <a:t>## [1] "2022-03-06 08:58:31 UTC"</a:t>
+            </a:r>
+          </a:p>
+          <a:p>
+            <a:pPr lvl="0" indent="0">
+              <a:buNone/>
+            </a:pPr>
+            <a:r>
+              <a:rPr>
+                <a:latin typeface="Courier"/>
+              </a:rPr>
+              <a:t>(</a:t>
+            </a:r>
+            <a:r>
+              <a:rPr>
+                <a:solidFill>
+                  <a:srgbClr val="06287E"/>
+                </a:solidFill>
+                <a:latin typeface="Courier"/>
+              </a:rPr>
+              <a:t>mdy_hm</a:t>
+            </a:r>
+            <a:r>
+              <a:rPr>
+                <a:latin typeface="Courier"/>
+              </a:rPr>
+              <a:t>(</a:t>
+            </a:r>
+            <a:r>
+              <a:rPr>
+                <a:solidFill>
+                  <a:srgbClr val="4070A0"/>
+                </a:solidFill>
+                <a:latin typeface="Courier"/>
+              </a:rPr>
+              <a:t>"03/06/2022 08:58"</a:t>
+            </a:r>
+            <a:r>
+              <a:rPr>
+                <a:latin typeface="Courier"/>
+              </a:rPr>
+              <a:t>))</a:t>
+            </a:r>
+          </a:p>
+          <a:p>
+            <a:pPr lvl="0" indent="0">
+              <a:buNone/>
+            </a:pPr>
+            <a:r>
+              <a:rPr>
+                <a:latin typeface="Courier"/>
+              </a:rPr>
+              <a:t>## [1] "2022-03-06 08:58:00 UTC"</a:t>
+            </a:r>
+          </a:p>
+        </p:txBody>
+      </p:sp>
+      <p:sp>
+        <p:nvSpPr>
+          <p:cNvPr id="6" name="Slide Number Placeholder 5">
+            <a:extLst>
+              <a:ext uri="{FF2B5EF4-FFF2-40B4-BE49-F238E27FC236}">
+                <a16:creationId xmlns:a16="http://schemas.microsoft.com/office/drawing/2014/main" id="{50A9E505-BDA1-4B25-97CF-F0B42C5D701E}"/>
+              </a:ext>
+            </a:extLst>
+          </p:cNvPr>
+          <p:cNvSpPr>
+            <a:spLocks noGrp="1"/>
+          </p:cNvSpPr>
+          <p:nvPr>
+            <p:ph idx="12" sz="quarter" type="sldNum"/>
+          </p:nvPr>
+        </p:nvSpPr>
+        <p:spPr/>
+        <p:txBody>
+          <a:bodyPr/>
+          <a:lstStyle/>
+          <a:p>
+            <a:fld id="{36DA6CAC-05BF-4AF1-AB20-42BAD72448F4}" type="slidenum">
+              <a:rPr lang="en-US" smtClean="0"/>
+              <a:t>‹#›</a:t>
+            </a:fld>
+            <a:endParaRPr lang="en-US"/>
+          </a:p>
+        </p:txBody>
+      </p:sp>
+    </p:spTree>
+  </p:cSld>
+</p:sld>
+</file>
+
+<file path=ppt/slides/slide16.xml><?xml version="1.0" encoding="utf-8"?>
+<p:sld xmlns:a="http://schemas.openxmlformats.org/drawingml/2006/main" xmlns:r="http://schemas.openxmlformats.org/officeDocument/2006/relationships" xmlns:p="http://schemas.openxmlformats.org/presentationml/2006/main">
+  <p:cSld>
+    <p:spTree>
+      <p:nvGrpSpPr>
+        <p:cNvPr id="1" name=""/>
+        <p:cNvGrpSpPr/>
+        <p:nvPr/>
+      </p:nvGrpSpPr>
+      <p:grpSpPr>
+        <a:xfrm>
+          <a:off x="0" y="0"/>
+          <a:ext cx="0" cy="0"/>
+          <a:chOff x="0" y="0"/>
+          <a:chExt cx="0" cy="0"/>
+        </a:xfrm>
+      </p:grpSpPr>
+      <p:sp>
+        <p:nvSpPr>
+          <p:cNvPr id="2" name="Title 1">
+            <a:extLst>
+              <a:ext uri="{FF2B5EF4-FFF2-40B4-BE49-F238E27FC236}">
+                <a16:creationId xmlns:a16="http://schemas.microsoft.com/office/drawing/2014/main" id="{4A7312EB-0433-4B75-BFA3-EDC7DC383CBC}"/>
+              </a:ext>
+            </a:extLst>
+          </p:cNvPr>
+          <p:cNvSpPr>
+            <a:spLocks noGrp="1"/>
+          </p:cNvSpPr>
+          <p:nvPr>
+            <p:ph type="title"/>
+          </p:nvPr>
+        </p:nvSpPr>
+        <p:spPr/>
+        <p:txBody>
+          <a:bodyPr/>
+          <a:lstStyle/>
+          <a:p>
+            <a:pPr lvl="0" indent="0" marL="0">
+              <a:buNone/>
+            </a:pPr>
+            <a:r>
+              <a:rPr/>
+              <a:t>Manipulating Date-Times</a:t>
+            </a:r>
+          </a:p>
+        </p:txBody>
+      </p:sp>
+      <p:sp>
+        <p:nvSpPr>
+          <p:cNvPr id="3" name="Content Placeholder 2">
+            <a:extLst>
+              <a:ext uri="{FF2B5EF4-FFF2-40B4-BE49-F238E27FC236}">
+                <a16:creationId xmlns:a16="http://schemas.microsoft.com/office/drawing/2014/main" id="{0CE84060-CA26-4E18-AB1F-5C4520C4E4A1}"/>
+              </a:ext>
+            </a:extLst>
+          </p:cNvPr>
+          <p:cNvSpPr>
+            <a:spLocks noGrp="1"/>
+          </p:cNvSpPr>
+          <p:nvPr>
+            <p:ph idx="1"/>
+          </p:nvPr>
+        </p:nvSpPr>
+        <p:spPr/>
+        <p:txBody>
+          <a:bodyPr/>
+          <a:lstStyle/>
+          <a:p>
+            <a:pPr lvl="0"/>
+            <a:r>
+              <a:rPr/>
+              <a:t>It is also possible to manipulate dates and times with lubridate functions.</a:t>
+            </a:r>
+          </a:p>
+          <a:p>
+            <a:pPr lvl="0"/>
+            <a:r>
+              <a:rPr/>
+              <a:t>For example, the following command will split columns for the year, month, and day from the </a:t>
+            </a:r>
+            <a:r>
+              <a:rPr>
+                <a:latin typeface="Courier"/>
+              </a:rPr>
+              <a:t>Date</a:t>
+            </a:r>
+            <a:r>
+              <a:rPr/>
+              <a:t> column</a:t>
+            </a:r>
+          </a:p>
+          <a:p>
+            <a:pPr lvl="0" indent="0">
+              <a:buNone/>
+            </a:pPr>
+            <a:r>
+              <a:rPr>
+                <a:latin typeface="Courier"/>
+              </a:rPr>
+              <a:t>food_services %&gt;% 
+  mutate(year=year(Date),month=month(Date),day=day(Date)) %&gt;%
+  glimpse()</a:t>
+            </a:r>
+          </a:p>
+          <a:p>
+            <a:pPr lvl="0"/>
+            <a:r>
+              <a:rPr/>
+              <a:t>Note that we have used the </a:t>
+            </a:r>
+            <a:r>
+              <a:rPr>
+                <a:latin typeface="Courier"/>
+              </a:rPr>
+              <a:t>lubridate</a:t>
+            </a:r>
+            <a:r>
+              <a:rPr/>
+              <a:t> functions </a:t>
+            </a:r>
+            <a:r>
+              <a:rPr>
+                <a:latin typeface="Courier"/>
+              </a:rPr>
+              <a:t>year</a:t>
+            </a:r>
+            <a:r>
+              <a:rPr/>
+              <a:t>, </a:t>
+            </a:r>
+            <a:r>
+              <a:rPr>
+                <a:latin typeface="Courier"/>
+              </a:rPr>
+              <a:t>month</a:t>
+            </a:r>
+            <a:r>
+              <a:rPr/>
+              <a:t>, and </a:t>
+            </a:r>
+            <a:r>
+              <a:rPr>
+                <a:latin typeface="Courier"/>
+              </a:rPr>
+              <a:t>day</a:t>
+            </a:r>
+            <a:r>
+              <a:rPr/>
+              <a:t> in combination with the </a:t>
+            </a:r>
+            <a:r>
+              <a:rPr>
+                <a:latin typeface="Courier"/>
+              </a:rPr>
+              <a:t>mutate</a:t>
+            </a:r>
+            <a:r>
+              <a:rPr/>
+              <a:t> function from </a:t>
+            </a:r>
+            <a:r>
+              <a:rPr>
+                <a:latin typeface="Courier"/>
+              </a:rPr>
+              <a:t>dplyr</a:t>
+            </a:r>
+            <a:r>
+              <a:rPr/>
+              <a:t> to add three new columns.</a:t>
+            </a:r>
+          </a:p>
+        </p:txBody>
+      </p:sp>
+      <p:sp>
+        <p:nvSpPr>
+          <p:cNvPr id="6" name="Slide Number Placeholder 5">
+            <a:extLst>
+              <a:ext uri="{FF2B5EF4-FFF2-40B4-BE49-F238E27FC236}">
+                <a16:creationId xmlns:a16="http://schemas.microsoft.com/office/drawing/2014/main" id="{50A9E505-BDA1-4B25-97CF-F0B42C5D701E}"/>
+              </a:ext>
+            </a:extLst>
+          </p:cNvPr>
+          <p:cNvSpPr>
+            <a:spLocks noGrp="1"/>
+          </p:cNvSpPr>
+          <p:nvPr>
+            <p:ph idx="12" sz="quarter" type="sldNum"/>
+          </p:nvPr>
+        </p:nvSpPr>
+        <p:spPr/>
+        <p:txBody>
+          <a:bodyPr/>
+          <a:lstStyle/>
+          <a:p>
+            <a:fld id="{36DA6CAC-05BF-4AF1-AB20-42BAD72448F4}" type="slidenum">
+              <a:rPr lang="en-US" smtClean="0"/>
+              <a:t>‹#›</a:t>
+            </a:fld>
+            <a:endParaRPr lang="en-US"/>
+          </a:p>
+        </p:txBody>
+      </p:sp>
+    </p:spTree>
+  </p:cSld>
+</p:sld>
+</file>
+
+<file path=ppt/slides/slide17.xml><?xml version="1.0" encoding="utf-8"?>
+<p:sld xmlns:a="http://schemas.openxmlformats.org/drawingml/2006/main" xmlns:r="http://schemas.openxmlformats.org/officeDocument/2006/relationships" xmlns:p="http://schemas.openxmlformats.org/presentationml/2006/main">
+  <p:cSld>
+    <p:spTree>
+      <p:nvGrpSpPr>
+        <p:cNvPr id="1" name=""/>
+        <p:cNvGrpSpPr/>
+        <p:nvPr/>
+      </p:nvGrpSpPr>
+      <p:grpSpPr>
+        <a:xfrm>
+          <a:off x="0" y="0"/>
+          <a:ext cx="0" cy="0"/>
+          <a:chOff x="0" y="0"/>
+          <a:chExt cx="0" cy="0"/>
+        </a:xfrm>
+      </p:grpSpPr>
+      <p:sp>
+        <p:nvSpPr>
+          <p:cNvPr id="2" name="Title 1">
+            <a:extLst>
+              <a:ext uri="{FF2B5EF4-FFF2-40B4-BE49-F238E27FC236}">
+                <a16:creationId xmlns:a16="http://schemas.microsoft.com/office/drawing/2014/main" id="{4A7312EB-0433-4B75-BFA3-EDC7DC383CBC}"/>
+              </a:ext>
+            </a:extLst>
+          </p:cNvPr>
+          <p:cNvSpPr>
+            <a:spLocks noGrp="1"/>
+          </p:cNvSpPr>
+          <p:nvPr>
+            <p:ph type="title"/>
+          </p:nvPr>
+        </p:nvSpPr>
+        <p:spPr/>
+        <p:txBody>
+          <a:bodyPr/>
+          <a:lstStyle/>
+          <a:p>
+            <a:pPr lvl="0" indent="0" marL="0">
+              <a:buNone/>
+            </a:pPr>
+            <a:r>
+              <a:rPr/>
+              <a:t>Combining Date Components</a:t>
+            </a:r>
+          </a:p>
+        </p:txBody>
+      </p:sp>
+      <p:sp>
+        <p:nvSpPr>
+          <p:cNvPr id="3" name="Content Placeholder 2">
+            <a:extLst>
+              <a:ext uri="{FF2B5EF4-FFF2-40B4-BE49-F238E27FC236}">
+                <a16:creationId xmlns:a16="http://schemas.microsoft.com/office/drawing/2014/main" id="{0CE84060-CA26-4E18-AB1F-5C4520C4E4A1}"/>
+              </a:ext>
+            </a:extLst>
+          </p:cNvPr>
+          <p:cNvSpPr>
+            <a:spLocks noGrp="1"/>
+          </p:cNvSpPr>
+          <p:nvPr>
+            <p:ph idx="1"/>
+          </p:nvPr>
+        </p:nvSpPr>
+        <p:spPr/>
+        <p:txBody>
+          <a:bodyPr/>
+          <a:lstStyle/>
+          <a:p>
+            <a:pPr lvl="0"/>
+            <a:r>
+              <a:rPr/>
               <a:t>Perhaps a data set has the year, month, and day spread across multiple columns and we would like to combine these into a single column.</a:t>
             </a:r>
           </a:p>
@@ -4686,6 +5068,261 @@
             <a:r>
               <a:rPr/>
               <a:t>Let’s see an application of this to a data frame.</a:t>
+            </a:r>
+          </a:p>
+        </p:txBody>
+      </p:sp>
+      <p:sp>
+        <p:nvSpPr>
+          <p:cNvPr id="6" name="Slide Number Placeholder 5">
+            <a:extLst>
+              <a:ext uri="{FF2B5EF4-FFF2-40B4-BE49-F238E27FC236}">
+                <a16:creationId xmlns:a16="http://schemas.microsoft.com/office/drawing/2014/main" id="{50A9E505-BDA1-4B25-97CF-F0B42C5D701E}"/>
+              </a:ext>
+            </a:extLst>
+          </p:cNvPr>
+          <p:cNvSpPr>
+            <a:spLocks noGrp="1"/>
+          </p:cNvSpPr>
+          <p:nvPr>
+            <p:ph idx="12" sz="quarter" type="sldNum"/>
+          </p:nvPr>
+        </p:nvSpPr>
+        <p:spPr/>
+        <p:txBody>
+          <a:bodyPr/>
+          <a:lstStyle/>
+          <a:p>
+            <a:fld id="{36DA6CAC-05BF-4AF1-AB20-42BAD72448F4}" type="slidenum">
+              <a:rPr lang="en-US" smtClean="0"/>
+              <a:t>‹#›</a:t>
+            </a:fld>
+            <a:endParaRPr lang="en-US"/>
+          </a:p>
+        </p:txBody>
+      </p:sp>
+    </p:spTree>
+  </p:cSld>
+</p:sld>
+</file>
+
+<file path=ppt/slides/slide18.xml><?xml version="1.0" encoding="utf-8"?>
+<p:sld xmlns:a="http://schemas.openxmlformats.org/drawingml/2006/main" xmlns:r="http://schemas.openxmlformats.org/officeDocument/2006/relationships" xmlns:p="http://schemas.openxmlformats.org/presentationml/2006/main">
+  <p:cSld>
+    <p:spTree>
+      <p:nvGrpSpPr>
+        <p:cNvPr id="1" name=""/>
+        <p:cNvGrpSpPr/>
+        <p:nvPr/>
+      </p:nvGrpSpPr>
+      <p:grpSpPr>
+        <a:xfrm>
+          <a:off x="0" y="0"/>
+          <a:ext cx="0" cy="0"/>
+          <a:chOff x="0" y="0"/>
+          <a:chExt cx="0" cy="0"/>
+        </a:xfrm>
+      </p:grpSpPr>
+      <p:sp>
+        <p:nvSpPr>
+          <p:cNvPr id="2" name="Title 1">
+            <a:extLst>
+              <a:ext uri="{FF2B5EF4-FFF2-40B4-BE49-F238E27FC236}">
+                <a16:creationId xmlns:a16="http://schemas.microsoft.com/office/drawing/2014/main" id="{4A7312EB-0433-4B75-BFA3-EDC7DC383CBC}"/>
+              </a:ext>
+            </a:extLst>
+          </p:cNvPr>
+          <p:cNvSpPr>
+            <a:spLocks noGrp="1"/>
+          </p:cNvSpPr>
+          <p:nvPr>
+            <p:ph type="title"/>
+          </p:nvPr>
+        </p:nvSpPr>
+        <p:spPr/>
+        <p:txBody>
+          <a:bodyPr/>
+          <a:lstStyle/>
+          <a:p>
+            <a:pPr lvl="0" indent="0" marL="0">
+              <a:buNone/>
+            </a:pPr>
+            <a:r>
+              <a:rPr/>
+              <a:t>Use Case Examples</a:t>
+            </a:r>
+          </a:p>
+        </p:txBody>
+      </p:sp>
+      <p:sp>
+        <p:nvSpPr>
+          <p:cNvPr id="3" name="Content Placeholder 2">
+            <a:extLst>
+              <a:ext uri="{FF2B5EF4-FFF2-40B4-BE49-F238E27FC236}">
+                <a16:creationId xmlns:a16="http://schemas.microsoft.com/office/drawing/2014/main" id="{0CE84060-CA26-4E18-AB1F-5C4520C4E4A1}"/>
+              </a:ext>
+            </a:extLst>
+          </p:cNvPr>
+          <p:cNvSpPr>
+            <a:spLocks noGrp="1"/>
+          </p:cNvSpPr>
+          <p:nvPr>
+            <p:ph idx="1"/>
+          </p:nvPr>
+        </p:nvSpPr>
+        <p:spPr/>
+        <p:txBody>
+          <a:bodyPr/>
+          <a:lstStyle/>
+          <a:p>
+            <a:pPr lvl="0"/>
+            <a:r>
+              <a:rPr/>
+              <a:t>Let’s go to RStudio and work through some code for some common use case examples together.</a:t>
+            </a:r>
+          </a:p>
+        </p:txBody>
+      </p:sp>
+      <p:sp>
+        <p:nvSpPr>
+          <p:cNvPr id="6" name="Slide Number Placeholder 5">
+            <a:extLst>
+              <a:ext uri="{FF2B5EF4-FFF2-40B4-BE49-F238E27FC236}">
+                <a16:creationId xmlns:a16="http://schemas.microsoft.com/office/drawing/2014/main" id="{50A9E505-BDA1-4B25-97CF-F0B42C5D701E}"/>
+              </a:ext>
+            </a:extLst>
+          </p:cNvPr>
+          <p:cNvSpPr>
+            <a:spLocks noGrp="1"/>
+          </p:cNvSpPr>
+          <p:nvPr>
+            <p:ph idx="12" sz="quarter" type="sldNum"/>
+          </p:nvPr>
+        </p:nvSpPr>
+        <p:spPr/>
+        <p:txBody>
+          <a:bodyPr/>
+          <a:lstStyle/>
+          <a:p>
+            <a:fld id="{36DA6CAC-05BF-4AF1-AB20-42BAD72448F4}" type="slidenum">
+              <a:rPr lang="en-US" smtClean="0"/>
+              <a:t>‹#›</a:t>
+            </a:fld>
+            <a:endParaRPr lang="en-US"/>
+          </a:p>
+        </p:txBody>
+      </p:sp>
+    </p:spTree>
+  </p:cSld>
+</p:sld>
+</file>
+
+<file path=ppt/slides/slide19.xml><?xml version="1.0" encoding="utf-8"?>
+<p:sld xmlns:a="http://schemas.openxmlformats.org/drawingml/2006/main" xmlns:r="http://schemas.openxmlformats.org/officeDocument/2006/relationships" xmlns:p="http://schemas.openxmlformats.org/presentationml/2006/main">
+  <p:cSld>
+    <p:spTree>
+      <p:nvGrpSpPr>
+        <p:cNvPr id="1" name=""/>
+        <p:cNvGrpSpPr/>
+        <p:nvPr/>
+      </p:nvGrpSpPr>
+      <p:grpSpPr>
+        <a:xfrm>
+          <a:off x="0" y="0"/>
+          <a:ext cx="0" cy="0"/>
+          <a:chOff x="0" y="0"/>
+          <a:chExt cx="0" cy="0"/>
+        </a:xfrm>
+      </p:grpSpPr>
+      <p:sp>
+        <p:nvSpPr>
+          <p:cNvPr id="2" name="Title 1">
+            <a:extLst>
+              <a:ext uri="{FF2B5EF4-FFF2-40B4-BE49-F238E27FC236}">
+                <a16:creationId xmlns:a16="http://schemas.microsoft.com/office/drawing/2014/main" id="{4A7312EB-0433-4B75-BFA3-EDC7DC383CBC}"/>
+              </a:ext>
+            </a:extLst>
+          </p:cNvPr>
+          <p:cNvSpPr>
+            <a:spLocks noGrp="1"/>
+          </p:cNvSpPr>
+          <p:nvPr>
+            <p:ph type="title"/>
+          </p:nvPr>
+        </p:nvSpPr>
+        <p:spPr/>
+        <p:txBody>
+          <a:bodyPr/>
+          <a:lstStyle/>
+          <a:p>
+            <a:pPr lvl="0" indent="0" marL="0">
+              <a:buNone/>
+            </a:pPr>
+            <a:r>
+              <a:rPr/>
+              <a:t>Summary</a:t>
+            </a:r>
+          </a:p>
+        </p:txBody>
+      </p:sp>
+      <p:sp>
+        <p:nvSpPr>
+          <p:cNvPr id="3" name="Content Placeholder 2">
+            <a:extLst>
+              <a:ext uri="{FF2B5EF4-FFF2-40B4-BE49-F238E27FC236}">
+                <a16:creationId xmlns:a16="http://schemas.microsoft.com/office/drawing/2014/main" id="{0CE84060-CA26-4E18-AB1F-5C4520C4E4A1}"/>
+              </a:ext>
+            </a:extLst>
+          </p:cNvPr>
+          <p:cNvSpPr>
+            <a:spLocks noGrp="1"/>
+          </p:cNvSpPr>
+          <p:nvPr>
+            <p:ph idx="1"/>
+          </p:nvPr>
+        </p:nvSpPr>
+        <p:spPr/>
+        <p:txBody>
+          <a:bodyPr/>
+          <a:lstStyle/>
+          <a:p>
+            <a:pPr lvl="0" indent="0" marL="0">
+              <a:buNone/>
+            </a:pPr>
+            <a:r>
+              <a:rPr/>
+              <a:t>In this lesson we</a:t>
+            </a:r>
+          </a:p>
+          <a:p>
+            <a:pPr lvl="0"/>
+            <a:r>
+              <a:rPr/>
+              <a:t>motivated the necessity of working with date and time data,</a:t>
+            </a:r>
+          </a:p>
+          <a:p>
+            <a:pPr lvl="0"/>
+            <a:r>
+              <a:rPr/>
+              <a:t>explained some of the challenges that this present, and</a:t>
+            </a:r>
+          </a:p>
+          <a:p>
+            <a:pPr lvl="0"/>
+            <a:r>
+              <a:rPr/>
+              <a:t>showed </a:t>
+            </a:r>
+            <a:r>
+              <a:rPr>
+                <a:latin typeface="Courier"/>
+              </a:rPr>
+              <a:t>lubridate</a:t>
+            </a:r>
+            <a:r>
+              <a:rPr/>
+              <a:t> functions that address facilitate solving common date-time problems in R.</a:t>
             </a:r>
           </a:p>
         </p:txBody>
@@ -4866,6 +5503,88 @@
 </p:sld>
 </file>
 
+<file path=ppt/slides/slide20.xml><?xml version="1.0" encoding="utf-8"?>
+<p:sld xmlns:a="http://schemas.openxmlformats.org/drawingml/2006/main" xmlns:r="http://schemas.openxmlformats.org/officeDocument/2006/relationships" xmlns:p="http://schemas.openxmlformats.org/presentationml/2006/main">
+  <p:cSld>
+    <p:spTree>
+      <p:nvGrpSpPr>
+        <p:cNvPr id="1" name=""/>
+        <p:cNvGrpSpPr/>
+        <p:nvPr/>
+      </p:nvGrpSpPr>
+      <p:grpSpPr>
+        <a:xfrm>
+          <a:off x="0" y="0"/>
+          <a:ext cx="0" cy="0"/>
+          <a:chOff x="0" y="0"/>
+          <a:chExt cx="0" cy="0"/>
+        </a:xfrm>
+      </p:grpSpPr>
+      <p:sp>
+        <p:nvSpPr>
+          <p:cNvPr id="2" name="Title 1">
+            <a:extLst>
+              <a:ext uri="{FF2B5EF4-FFF2-40B4-BE49-F238E27FC236}">
+                <a16:creationId xmlns:a16="http://schemas.microsoft.com/office/drawing/2014/main" id="{4A7312EB-0433-4B75-BFA3-EDC7DC383CBC}"/>
+              </a:ext>
+            </a:extLst>
+          </p:cNvPr>
+          <p:cNvSpPr>
+            <a:spLocks noGrp="1"/>
+          </p:cNvSpPr>
+          <p:nvPr>
+            <p:ph type="title"/>
+          </p:nvPr>
+        </p:nvSpPr>
+        <p:spPr/>
+        <p:txBody>
+          <a:bodyPr/>
+          <a:lstStyle/>
+          <a:p>
+            <a:pPr lvl="0" indent="0" marL="0">
+              <a:buNone/>
+            </a:pPr>
+            <a:r>
+              <a:rPr/>
+              <a:t>Conclusion</a:t>
+            </a:r>
+          </a:p>
+        </p:txBody>
+      </p:sp>
+      <p:sp>
+        <p:nvSpPr>
+          <p:cNvPr id="6" name="Slide Number Placeholder 5">
+            <a:extLst>
+              <a:ext uri="{FF2B5EF4-FFF2-40B4-BE49-F238E27FC236}">
+                <a16:creationId xmlns:a16="http://schemas.microsoft.com/office/drawing/2014/main" id="{50A9E505-BDA1-4B25-97CF-F0B42C5D701E}"/>
+              </a:ext>
+            </a:extLst>
+          </p:cNvPr>
+          <p:cNvSpPr>
+            <a:spLocks noGrp="1"/>
+          </p:cNvSpPr>
+          <p:nvPr>
+            <p:ph idx="12" sz="quarter" type="sldNum"/>
+          </p:nvPr>
+        </p:nvSpPr>
+        <p:spPr/>
+        <p:txBody>
+          <a:bodyPr/>
+          <a:lstStyle/>
+          <a:p>
+            <a:fld id="{36DA6CAC-05BF-4AF1-AB20-42BAD72448F4}" type="slidenum">
+              <a:rPr lang="en-US" smtClean="0"/>
+              <a:t>‹#›</a:t>
+            </a:fld>
+            <a:endParaRPr lang="en-US"/>
+          </a:p>
+        </p:txBody>
+      </p:sp>
+    </p:spTree>
+  </p:cSld>
+</p:sld>
+</file>
+
 <file path=ppt/slides/slide3.xml><?xml version="1.0" encoding="utf-8"?>
 <p:sld xmlns:a="http://schemas.openxmlformats.org/drawingml/2006/main" xmlns:r="http://schemas.openxmlformats.org/officeDocument/2006/relationships" xmlns:p="http://schemas.openxmlformats.org/presentationml/2006/main">
   <p:cSld>
@@ -4909,7 +5628,7 @@
             </a:pPr>
             <a:r>
               <a:rPr/>
-              <a:t>Background and Motivation</a:t>
+              <a:t>Overview</a:t>
             </a:r>
           </a:p>
         </p:txBody>
@@ -4935,61 +5654,50 @@
           <a:bodyPr/>
           <a:lstStyle/>
           <a:p>
+            <a:pPr lvl="0" indent="0" marL="0">
+              <a:buNone/>
+            </a:pPr>
+            <a:r>
+              <a:rPr/>
+              <a:t>In this lesson, we will</a:t>
+            </a:r>
+          </a:p>
+          <a:p>
             <a:pPr lvl="0"/>
             <a:r>
               <a:rPr/>
-              <a:t>Data comes in a variety of types.</a:t>
+              <a:t>motivate the need to work with data sets that include variables that record information corresponding to dates or times,</a:t>
             </a:r>
           </a:p>
           <a:p>
             <a:pPr lvl="0"/>
             <a:r>
               <a:rPr/>
-              <a:t>We measure quantities numerically with decimal numbers. In R, represented by </a:t>
+              <a:t>explain some common problems associated with data-time data,</a:t>
+            </a:r>
+          </a:p>
+          <a:p>
+            <a:pPr lvl="0"/>
+            <a:r>
+              <a:rPr/>
+              <a:t>explain the most basic functions from the </a:t>
             </a:r>
             <a:r>
               <a:rPr>
                 <a:latin typeface="Courier"/>
               </a:rPr>
-              <a:t>numeric</a:t>
+              <a:t>lubridate</a:t>
             </a:r>
             <a:r>
               <a:rPr/>
-              <a:t>.</a:t>
+              <a:t> package, and</a:t>
             </a:r>
           </a:p>
           <a:p>
             <a:pPr lvl="0"/>
             <a:r>
               <a:rPr/>
-              <a:t>Count certain observations with whole numbers. In R, represented by </a:t>
-            </a:r>
-            <a:r>
-              <a:rPr>
-                <a:latin typeface="Courier"/>
-              </a:rPr>
-              <a:t>numeric</a:t>
-            </a:r>
-            <a:r>
-              <a:rPr/>
-              <a:t>.</a:t>
-            </a:r>
-          </a:p>
-          <a:p>
-            <a:pPr lvl="0"/>
-            <a:r>
-              <a:rPr/>
-              <a:t>Record qualitative or categorical observations using text-based labeling. In R, represented by </a:t>
-            </a:r>
-            <a:r>
-              <a:rPr>
-                <a:latin typeface="Courier"/>
-              </a:rPr>
-              <a:t>character</a:t>
-            </a:r>
-            <a:r>
-              <a:rPr/>
-              <a:t>.</a:t>
+              <a:t>present some use case examples.</a:t>
             </a:r>
           </a:p>
         </p:txBody>
@@ -5071,7 +5779,7 @@
             </a:pPr>
             <a:r>
               <a:rPr/>
-              <a:t>R Data Examples</a:t>
+              <a:t>Background and Motivation</a:t>
             </a:r>
           </a:p>
         </p:txBody>
@@ -5097,229 +5805,61 @@
           <a:bodyPr/>
           <a:lstStyle/>
           <a:p>
-            <a:pPr lvl="0" indent="0">
-              <a:buNone/>
-            </a:pPr>
+            <a:pPr lvl="0"/>
+            <a:r>
+              <a:rPr/>
+              <a:t>Data comes in a variety of types.</a:t>
+            </a:r>
+          </a:p>
+          <a:p>
+            <a:pPr lvl="0"/>
+            <a:r>
+              <a:rPr/>
+              <a:t>We measure quantities numerically with decimal numbers. In R, represented by </a:t>
+            </a:r>
             <a:r>
               <a:rPr>
                 <a:latin typeface="Courier"/>
               </a:rPr>
-              <a:t>numeric_values </a:t>
-            </a:r>
-            <a:r>
-              <a:rPr>
-                <a:solidFill>
-                  <a:srgbClr val="007020"/>
-                </a:solidFill>
-                <a:latin typeface="Courier"/>
-              </a:rPr>
-              <a:t>&lt;-</a:t>
+              <a:t>numeric</a:t>
+            </a:r>
+            <a:r>
+              <a:rPr/>
+              <a:t>.</a:t>
+            </a:r>
+          </a:p>
+          <a:p>
+            <a:pPr lvl="0"/>
+            <a:r>
+              <a:rPr/>
+              <a:t>Count certain observations with whole numbers. In R, represented by </a:t>
             </a:r>
             <a:r>
               <a:rPr>
                 <a:latin typeface="Courier"/>
               </a:rPr>
-              <a:t> </a:t>
-            </a:r>
-            <a:r>
-              <a:rPr>
-                <a:solidFill>
-                  <a:srgbClr val="06287E"/>
-                </a:solidFill>
-                <a:latin typeface="Courier"/>
-              </a:rPr>
-              <a:t>c</a:t>
+              <a:t>numeric</a:t>
+            </a:r>
+            <a:r>
+              <a:rPr/>
+              <a:t>.</a:t>
+            </a:r>
+          </a:p>
+          <a:p>
+            <a:pPr lvl="0"/>
+            <a:r>
+              <a:rPr/>
+              <a:t>Record qualitative or categorical observations using text-based labeling. In R, represented by </a:t>
             </a:r>
             <a:r>
               <a:rPr>
                 <a:latin typeface="Courier"/>
               </a:rPr>
-              <a:t>(</a:t>
-            </a:r>
-            <a:r>
-              <a:rPr>
-                <a:solidFill>
-                  <a:srgbClr val="40A070"/>
-                </a:solidFill>
-                <a:latin typeface="Courier"/>
-              </a:rPr>
-              <a:t>1.2</a:t>
-            </a:r>
-            <a:r>
-              <a:rPr>
-                <a:latin typeface="Courier"/>
-              </a:rPr>
-              <a:t>,</a:t>
-            </a:r>
-            <a:r>
-              <a:rPr>
-                <a:solidFill>
-                  <a:srgbClr val="40A070"/>
-                </a:solidFill>
-                <a:latin typeface="Courier"/>
-              </a:rPr>
-              <a:t>6.5</a:t>
-            </a:r>
-            <a:r>
-              <a:rPr>
-                <a:latin typeface="Courier"/>
-              </a:rPr>
-              <a:t>,</a:t>
-            </a:r>
-            <a:r>
-              <a:rPr>
-                <a:solidFill>
-                  <a:srgbClr val="40A070"/>
-                </a:solidFill>
-                <a:latin typeface="Courier"/>
-              </a:rPr>
-              <a:t>8.1</a:t>
-            </a:r>
-            <a:r>
-              <a:rPr>
-                <a:latin typeface="Courier"/>
-              </a:rPr>
-              <a:t>)</a:t>
-            </a:r>
-            <a:br/>
-            <a:r>
-              <a:rPr>
-                <a:solidFill>
-                  <a:srgbClr val="06287E"/>
-                </a:solidFill>
-                <a:latin typeface="Courier"/>
-              </a:rPr>
-              <a:t>class</a:t>
-            </a:r>
-            <a:r>
-              <a:rPr>
-                <a:latin typeface="Courier"/>
-              </a:rPr>
-              <a:t>(numeric_values)</a:t>
-            </a:r>
-          </a:p>
-          <a:p>
-            <a:pPr lvl="0" indent="0">
-              <a:buNone/>
-            </a:pPr>
-            <a:r>
-              <a:rPr>
-                <a:latin typeface="Courier"/>
-              </a:rPr>
-              <a:t>## [1] "numeric"</a:t>
-            </a:r>
-          </a:p>
-          <a:p>
-            <a:pPr lvl="0" indent="0">
-              <a:buNone/>
-            </a:pPr>
-            <a:r>
-              <a:rPr>
-                <a:latin typeface="Courier"/>
-              </a:rPr>
-              <a:t>character_values </a:t>
-            </a:r>
-            <a:r>
-              <a:rPr>
-                <a:solidFill>
-                  <a:srgbClr val="007020"/>
-                </a:solidFill>
-                <a:latin typeface="Courier"/>
-              </a:rPr>
-              <a:t>&lt;-</a:t>
-            </a:r>
-            <a:r>
-              <a:rPr>
-                <a:latin typeface="Courier"/>
-              </a:rPr>
-              <a:t> </a:t>
-            </a:r>
-            <a:r>
-              <a:rPr>
-                <a:solidFill>
-                  <a:srgbClr val="06287E"/>
-                </a:solidFill>
-                <a:latin typeface="Courier"/>
-              </a:rPr>
-              <a:t>c</a:t>
-            </a:r>
-            <a:r>
-              <a:rPr>
-                <a:latin typeface="Courier"/>
-              </a:rPr>
-              <a:t>(</a:t>
-            </a:r>
-            <a:r>
-              <a:rPr>
-                <a:solidFill>
-                  <a:srgbClr val="4070A0"/>
-                </a:solidFill>
-                <a:latin typeface="Courier"/>
-              </a:rPr>
-              <a:t>"dog"</a:t>
-            </a:r>
-            <a:r>
-              <a:rPr>
-                <a:latin typeface="Courier"/>
-              </a:rPr>
-              <a:t>,</a:t>
-            </a:r>
-            <a:r>
-              <a:rPr>
-                <a:solidFill>
-                  <a:srgbClr val="4070A0"/>
-                </a:solidFill>
-                <a:latin typeface="Courier"/>
-              </a:rPr>
-              <a:t>"cat"</a:t>
-            </a:r>
-            <a:r>
-              <a:rPr>
-                <a:latin typeface="Courier"/>
-              </a:rPr>
-              <a:t>,</a:t>
-            </a:r>
-            <a:r>
-              <a:rPr>
-                <a:solidFill>
-                  <a:srgbClr val="4070A0"/>
-                </a:solidFill>
-                <a:latin typeface="Courier"/>
-              </a:rPr>
-              <a:t>"bird"</a:t>
-            </a:r>
-            <a:r>
-              <a:rPr>
-                <a:latin typeface="Courier"/>
-              </a:rPr>
-              <a:t>)</a:t>
-            </a:r>
-            <a:br/>
-            <a:r>
-              <a:rPr>
-                <a:solidFill>
-                  <a:srgbClr val="06287E"/>
-                </a:solidFill>
-                <a:latin typeface="Courier"/>
-              </a:rPr>
-              <a:t>class</a:t>
-            </a:r>
-            <a:r>
-              <a:rPr>
-                <a:latin typeface="Courier"/>
-              </a:rPr>
-              <a:t>(character_values)</a:t>
-            </a:r>
-          </a:p>
-          <a:p>
-            <a:pPr lvl="0" indent="0">
-              <a:buNone/>
-            </a:pPr>
-            <a:r>
-              <a:rPr>
-                <a:latin typeface="Courier"/>
-              </a:rPr>
-              <a:t>## [1] "character"</a:t>
+              <a:t>character</a:t>
+            </a:r>
+            <a:r>
+              <a:rPr/>
+              <a:t>.</a:t>
             </a:r>
           </a:p>
         </p:txBody>
@@ -5401,7 +5941,7 @@
             </a:pPr>
             <a:r>
               <a:rPr/>
-              <a:t>Data Frames and Examples</a:t>
+              <a:t>R Data Examples</a:t>
             </a:r>
           </a:p>
         </p:txBody>
@@ -5427,121 +5967,229 @@
           <a:bodyPr/>
           <a:lstStyle/>
           <a:p>
-            <a:pPr lvl="0"/>
-            <a:r>
-              <a:rPr/>
-              <a:t>Often, we store a data set as a </a:t>
-            </a:r>
+            <a:pPr lvl="0" indent="0">
+              <a:buNone/>
+            </a:pPr>
             <a:r>
               <a:rPr>
                 <a:latin typeface="Courier"/>
               </a:rPr>
-              <a:t>data.frame</a:t>
-            </a:r>
-            <a:r>
-              <a:rPr/>
-              <a:t> or </a:t>
+              <a:t>numeric_values </a:t>
+            </a:r>
+            <a:r>
+              <a:rPr>
+                <a:solidFill>
+                  <a:srgbClr val="007020"/>
+                </a:solidFill>
+                <a:latin typeface="Courier"/>
+              </a:rPr>
+              <a:t>&lt;-</a:t>
             </a:r>
             <a:r>
               <a:rPr>
                 <a:latin typeface="Courier"/>
               </a:rPr>
-              <a:t>tibble</a:t>
-            </a:r>
-            <a:r>
-              <a:rPr/>
-              <a:t> in R.</a:t>
-            </a:r>
-          </a:p>
-          <a:p>
-            <a:pPr lvl="1"/>
-            <a:r>
-              <a:rPr/>
-              <a:t>Each column in a data frame can have a different type for the data it contains.</a:t>
-            </a:r>
-          </a:p>
-          <a:p>
-            <a:pPr lvl="0"/>
-            <a:r>
-              <a:rPr/>
-              <a:t>We will work with three data sets:</a:t>
-            </a:r>
-          </a:p>
-          <a:p>
-            <a:pPr lvl="0" indent="-457200" marL="457200">
-              <a:buAutoNum type="arabicParenR"/>
-            </a:pPr>
-            <a:r>
-              <a:rPr/>
-              <a:t>The restaurants and food service data from </a:t>
+              <a:t> </a:t>
             </a:r>
             <a:r>
               <a:rPr>
-                <a:hlinkClick r:id="rId2"/>
+                <a:solidFill>
+                  <a:srgbClr val="06287E"/>
+                </a:solidFill>
+                <a:latin typeface="Courier"/>
               </a:rPr>
-              <a:t>Data USA</a:t>
-            </a:r>
-            <a:r>
-              <a:rPr/>
-              <a:t> contained in the </a:t>
+              <a:t>c</a:t>
             </a:r>
             <a:r>
               <a:rPr>
                 <a:latin typeface="Courier"/>
               </a:rPr>
-              <a:t>Monthly Employment.csv</a:t>
-            </a:r>
-            <a:r>
-              <a:rPr/>
-              <a:t> file, and</a:t>
-            </a:r>
-          </a:p>
-          <a:p>
-            <a:pPr lvl="0" indent="-457200" marL="457200">
-              <a:buAutoNum type="arabicParenR"/>
-            </a:pPr>
-            <a:r>
-              <a:rPr/>
-              <a:t>the </a:t>
+              <a:t>(</a:t>
             </a:r>
             <a:r>
               <a:rPr>
-                <a:hlinkClick r:id="rId3"/>
+                <a:solidFill>
+                  <a:srgbClr val="40A070"/>
+                </a:solidFill>
+                <a:latin typeface="Courier"/>
               </a:rPr>
-              <a:t>R and R Packages download data</a:t>
-            </a:r>
-            <a:r>
-              <a:rPr/>
-              <a:t> from </a:t>
-            </a:r>
-            <a:r>
-              <a:rPr>
-                <a:hlinkClick r:id="rId4"/>
-              </a:rPr>
-              <a:t>Tidy Tuesday</a:t>
-            </a:r>
-            <a:r>
-              <a:rPr/>
-              <a:t>.</a:t>
-            </a:r>
-          </a:p>
-          <a:p>
-            <a:pPr lvl="0" indent="-457200" marL="457200">
-              <a:buAutoNum type="arabicParenR"/>
-            </a:pPr>
-            <a:r>
-              <a:rPr/>
-              <a:t>The airline flights data from the </a:t>
+              <a:t>1.2</a:t>
             </a:r>
             <a:r>
               <a:rPr>
                 <a:latin typeface="Courier"/>
               </a:rPr>
-              <a:t>nycflights13</a:t>
-            </a:r>
-            <a:r>
-              <a:rPr/>
-              <a:t> package.</a:t>
+              <a:t>,</a:t>
+            </a:r>
+            <a:r>
+              <a:rPr>
+                <a:solidFill>
+                  <a:srgbClr val="40A070"/>
+                </a:solidFill>
+                <a:latin typeface="Courier"/>
+              </a:rPr>
+              <a:t>6.5</a:t>
+            </a:r>
+            <a:r>
+              <a:rPr>
+                <a:latin typeface="Courier"/>
+              </a:rPr>
+              <a:t>,</a:t>
+            </a:r>
+            <a:r>
+              <a:rPr>
+                <a:solidFill>
+                  <a:srgbClr val="40A070"/>
+                </a:solidFill>
+                <a:latin typeface="Courier"/>
+              </a:rPr>
+              <a:t>8.1</a:t>
+            </a:r>
+            <a:r>
+              <a:rPr>
+                <a:latin typeface="Courier"/>
+              </a:rPr>
+              <a:t>)</a:t>
+            </a:r>
+            <a:br/>
+            <a:r>
+              <a:rPr>
+                <a:solidFill>
+                  <a:srgbClr val="06287E"/>
+                </a:solidFill>
+                <a:latin typeface="Courier"/>
+              </a:rPr>
+              <a:t>class</a:t>
+            </a:r>
+            <a:r>
+              <a:rPr>
+                <a:latin typeface="Courier"/>
+              </a:rPr>
+              <a:t>(numeric_values)</a:t>
+            </a:r>
+          </a:p>
+          <a:p>
+            <a:pPr lvl="0" indent="0">
+              <a:buNone/>
+            </a:pPr>
+            <a:r>
+              <a:rPr>
+                <a:latin typeface="Courier"/>
+              </a:rPr>
+              <a:t>## [1] "numeric"</a:t>
+            </a:r>
+          </a:p>
+          <a:p>
+            <a:pPr lvl="0" indent="0">
+              <a:buNone/>
+            </a:pPr>
+            <a:r>
+              <a:rPr>
+                <a:latin typeface="Courier"/>
+              </a:rPr>
+              <a:t>character_values </a:t>
+            </a:r>
+            <a:r>
+              <a:rPr>
+                <a:solidFill>
+                  <a:srgbClr val="007020"/>
+                </a:solidFill>
+                <a:latin typeface="Courier"/>
+              </a:rPr>
+              <a:t>&lt;-</a:t>
+            </a:r>
+            <a:r>
+              <a:rPr>
+                <a:latin typeface="Courier"/>
+              </a:rPr>
+              <a:t> </a:t>
+            </a:r>
+            <a:r>
+              <a:rPr>
+                <a:solidFill>
+                  <a:srgbClr val="06287E"/>
+                </a:solidFill>
+                <a:latin typeface="Courier"/>
+              </a:rPr>
+              <a:t>c</a:t>
+            </a:r>
+            <a:r>
+              <a:rPr>
+                <a:latin typeface="Courier"/>
+              </a:rPr>
+              <a:t>(</a:t>
+            </a:r>
+            <a:r>
+              <a:rPr>
+                <a:solidFill>
+                  <a:srgbClr val="4070A0"/>
+                </a:solidFill>
+                <a:latin typeface="Courier"/>
+              </a:rPr>
+              <a:t>"dog"</a:t>
+            </a:r>
+            <a:r>
+              <a:rPr>
+                <a:latin typeface="Courier"/>
+              </a:rPr>
+              <a:t>,</a:t>
+            </a:r>
+            <a:r>
+              <a:rPr>
+                <a:solidFill>
+                  <a:srgbClr val="4070A0"/>
+                </a:solidFill>
+                <a:latin typeface="Courier"/>
+              </a:rPr>
+              <a:t>"cat"</a:t>
+            </a:r>
+            <a:r>
+              <a:rPr>
+                <a:latin typeface="Courier"/>
+              </a:rPr>
+              <a:t>,</a:t>
+            </a:r>
+            <a:r>
+              <a:rPr>
+                <a:solidFill>
+                  <a:srgbClr val="4070A0"/>
+                </a:solidFill>
+                <a:latin typeface="Courier"/>
+              </a:rPr>
+              <a:t>"bird"</a:t>
+            </a:r>
+            <a:r>
+              <a:rPr>
+                <a:latin typeface="Courier"/>
+              </a:rPr>
+              <a:t>)</a:t>
+            </a:r>
+            <a:br/>
+            <a:r>
+              <a:rPr>
+                <a:solidFill>
+                  <a:srgbClr val="06287E"/>
+                </a:solidFill>
+                <a:latin typeface="Courier"/>
+              </a:rPr>
+              <a:t>class</a:t>
+            </a:r>
+            <a:r>
+              <a:rPr>
+                <a:latin typeface="Courier"/>
+              </a:rPr>
+              <a:t>(character_values)</a:t>
+            </a:r>
+          </a:p>
+          <a:p>
+            <a:pPr lvl="0" indent="0">
+              <a:buNone/>
+            </a:pPr>
+            <a:r>
+              <a:rPr>
+                <a:latin typeface="Courier"/>
+              </a:rPr>
+              <a:t>## [1] "character"</a:t>
             </a:r>
           </a:p>
         </p:txBody>
@@ -5623,7 +6271,7 @@
             </a:pPr>
             <a:r>
               <a:rPr/>
-              <a:t>Looking at the Data</a:t>
+              <a:t>Data Frames and Examples</a:t>
             </a:r>
           </a:p>
         </p:txBody>
@@ -5652,14 +6300,118 @@
             <a:pPr lvl="0"/>
             <a:r>
               <a:rPr/>
-              <a:t>Let’s look at what is in the data frames for our working examples data.</a:t>
+              <a:t>Often, we store a data set as a </a:t>
+            </a:r>
+            <a:r>
+              <a:rPr>
+                <a:latin typeface="Courier"/>
+              </a:rPr>
+              <a:t>data.frame</a:t>
+            </a:r>
+            <a:r>
+              <a:rPr/>
+              <a:t> or </a:t>
+            </a:r>
+            <a:r>
+              <a:rPr>
+                <a:latin typeface="Courier"/>
+              </a:rPr>
+              <a:t>tibble</a:t>
+            </a:r>
+            <a:r>
+              <a:rPr/>
+              <a:t> in R.</a:t>
             </a:r>
           </a:p>
           <a:p>
             <a:pPr lvl="1"/>
             <a:r>
               <a:rPr/>
-              <a:t>We will show the first few rows for the food services and R package downloads data sets.</a:t>
+              <a:t>Each column in a data frame can have a different type for the data it contains.</a:t>
+            </a:r>
+          </a:p>
+          <a:p>
+            <a:pPr lvl="0"/>
+            <a:r>
+              <a:rPr/>
+              <a:t>We will work with three data sets:</a:t>
+            </a:r>
+          </a:p>
+          <a:p>
+            <a:pPr lvl="0" indent="-457200" marL="457200">
+              <a:buAutoNum type="arabicParenR"/>
+            </a:pPr>
+            <a:r>
+              <a:rPr/>
+              <a:t>The restaurants and food service data from </a:t>
+            </a:r>
+            <a:r>
+              <a:rPr>
+                <a:hlinkClick r:id="rId2"/>
+              </a:rPr>
+              <a:t>Data USA</a:t>
+            </a:r>
+            <a:r>
+              <a:rPr/>
+              <a:t> contained in the </a:t>
+            </a:r>
+            <a:r>
+              <a:rPr>
+                <a:latin typeface="Courier"/>
+              </a:rPr>
+              <a:t>Monthly Employment.csv</a:t>
+            </a:r>
+            <a:r>
+              <a:rPr/>
+              <a:t> file,</a:t>
+            </a:r>
+          </a:p>
+          <a:p>
+            <a:pPr lvl="0" indent="-457200" marL="457200">
+              <a:buAutoNum type="arabicParenR"/>
+            </a:pPr>
+            <a:r>
+              <a:rPr/>
+              <a:t>the </a:t>
+            </a:r>
+            <a:r>
+              <a:rPr>
+                <a:hlinkClick r:id="rId3"/>
+              </a:rPr>
+              <a:t>R and R Packages download data</a:t>
+            </a:r>
+            <a:r>
+              <a:rPr/>
+              <a:t> from </a:t>
+            </a:r>
+            <a:r>
+              <a:rPr>
+                <a:hlinkClick r:id="rId4"/>
+              </a:rPr>
+              <a:t>Tidy Tuesday</a:t>
+            </a:r>
+            <a:r>
+              <a:rPr/>
+              <a:t>, and</a:t>
+            </a:r>
+          </a:p>
+          <a:p>
+            <a:pPr lvl="0" indent="-457200" marL="457200">
+              <a:buAutoNum type="arabicParenR"/>
+            </a:pPr>
+            <a:r>
+              <a:rPr/>
+              <a:t>The airline flights data from the </a:t>
+            </a:r>
+            <a:r>
+              <a:rPr>
+                <a:latin typeface="Courier"/>
+              </a:rPr>
+              <a:t>nycflights13</a:t>
+            </a:r>
+            <a:r>
+              <a:rPr/>
+              <a:t> package.</a:t>
             </a:r>
           </a:p>
         </p:txBody>
@@ -5741,2430 +6493,11 @@
             </a:pPr>
             <a:r>
               <a:rPr/>
-              <a:t>Food Services</a:t>
+              <a:t>Looking at the Data</a:t>
             </a:r>
           </a:p>
         </p:txBody>
       </p:sp>
-      <p:graphicFrame xmlns:a="http://schemas.openxmlformats.org/drawingml/2006/main" xmlns:r="http://schemas.openxmlformats.org/officeDocument/2006/relationships" xmlns:p="http://schemas.openxmlformats.org/presentationml/2006/main">
-        <p:nvGraphicFramePr>
-          <p:cNvPr id="516205169" name=""/>
-          <p:cNvGraphicFramePr>
-            <a:graphicFrameLocks noGrp="true"/>
-          </p:cNvGraphicFramePr>
-          <p:nvPr/>
-        </p:nvGraphicFramePr>
-        <p:xfrm rot="0">
-          <a:off x="914400" y="1828800"/>
-          <a:ext cx="9144000" cy="5486400"/>
-        </p:xfrm>
-        <a:graphic>
-          <a:graphicData uri="http://schemas.openxmlformats.org/drawingml/2006/table">
-            <a:tbl>
-              <a:tblPr/>
-              <a:tblGrid>
-                <a:gridCol w="685800"/>
-                <a:gridCol w="685800"/>
-                <a:gridCol w="685800"/>
-                <a:gridCol w="685800"/>
-                <a:gridCol w="685800"/>
-                <a:gridCol w="685800"/>
-                <a:gridCol w="685800"/>
-              </a:tblGrid>
-              <a:tr h="228600">
-                <a:tc>
-                  <a:txBody>
-                    <a:bodyPr/>
-                    <a:lstStyle/>
-                    <a:p>
-                      <a:pPr algn="l" marL="63500" marR="63500">
-                        <a:lnSpc>
-                          <a:spcPct val="100000"/>
-                        </a:lnSpc>
-                        <a:spcBef>
-                          <a:spcPts val="500"/>
-                        </a:spcBef>
-                        <a:spcAft>
-                          <a:spcPts val="500"/>
-                        </a:spcAft>
-                        <a:buNone/>
-                      </a:pPr>
-                      <a:r>
-                        <a:rPr sz="1100">
-                          <a:solidFill>
-                            <a:srgbClr val="000000">
-                              <a:alpha val="100000"/>
-                            </a:srgbClr>
-                          </a:solidFill>
-                          <a:latin typeface="Helvetica"/>
-                          <a:cs typeface="Helvetica"/>
-                          <a:ea typeface="Helvetica"/>
-                          <a:sym typeface="Helvetica"/>
-                        </a:rPr>
-                        <a:t>Month of Year ID</a:t>
-                      </a:r>
-                    </a:p>
-                  </a:txBody>
-                  <a:tcPr anchor="ctr" marB="0" marT="0" marR="0" marL="0">
-                    <a:lnL w="0" cmpd="sng" algn="ctr" cap="flat">
-                      <a:solidFill>
-                        <a:srgbClr val="FFFFFF">
-                          <a:alpha val="0"/>
-                        </a:srgbClr>
-                      </a:solidFill>
-                      <a:prstDash val="solid"/>
-                    </a:lnL>
-                    <a:lnR w="0" cmpd="sng" algn="ctr" cap="flat">
-                      <a:solidFill>
-                        <a:srgbClr val="FFFFFF">
-                          <a:alpha val="0"/>
-                        </a:srgbClr>
-                      </a:solidFill>
-                      <a:prstDash val="solid"/>
-                    </a:lnR>
-                    <a:lnT w="25400" cmpd="sng" algn="ctr" cap="flat">
-                      <a:solidFill>
-                        <a:srgbClr val="666666">
-                          <a:alpha val="100000"/>
-                        </a:srgbClr>
-                      </a:solidFill>
-                      <a:prstDash val="solid"/>
-                    </a:lnT>
-                    <a:lnB w="25400" cmpd="sng" algn="ctr" cap="flat">
-                      <a:solidFill>
-                        <a:srgbClr val="666666">
-                          <a:alpha val="100000"/>
-                        </a:srgbClr>
-                      </a:solidFill>
-                      <a:prstDash val="solid"/>
-                    </a:lnB>
-                  </a:tcPr>
-                </a:tc>
-                <a:tc>
-                  <a:txBody>
-                    <a:bodyPr/>
-                    <a:lstStyle/>
-                    <a:p>
-                      <a:pPr algn="l" marL="63500" marR="63500">
-                        <a:lnSpc>
-                          <a:spcPct val="100000"/>
-                        </a:lnSpc>
-                        <a:spcBef>
-                          <a:spcPts val="500"/>
-                        </a:spcBef>
-                        <a:spcAft>
-                          <a:spcPts val="500"/>
-                        </a:spcAft>
-                        <a:buNone/>
-                      </a:pPr>
-                      <a:r>
-                        <a:rPr sz="1100">
-                          <a:solidFill>
-                            <a:srgbClr val="000000">
-                              <a:alpha val="100000"/>
-                            </a:srgbClr>
-                          </a:solidFill>
-                          <a:latin typeface="Helvetica"/>
-                          <a:cs typeface="Helvetica"/>
-                          <a:ea typeface="Helvetica"/>
-                          <a:sym typeface="Helvetica"/>
-                        </a:rPr>
-                        <a:t>Month of Year</a:t>
-                      </a:r>
-                    </a:p>
-                  </a:txBody>
-                  <a:tcPr anchor="ctr" marB="0" marT="0" marR="0" marL="0">
-                    <a:lnL w="0" cmpd="sng" algn="ctr" cap="flat">
-                      <a:solidFill>
-                        <a:srgbClr val="FFFFFF">
-                          <a:alpha val="0"/>
-                        </a:srgbClr>
-                      </a:solidFill>
-                      <a:prstDash val="solid"/>
-                    </a:lnL>
-                    <a:lnR w="0" cmpd="sng" algn="ctr" cap="flat">
-                      <a:solidFill>
-                        <a:srgbClr val="FFFFFF">
-                          <a:alpha val="0"/>
-                        </a:srgbClr>
-                      </a:solidFill>
-                      <a:prstDash val="solid"/>
-                    </a:lnR>
-                    <a:lnT w="25400" cmpd="sng" algn="ctr" cap="flat">
-                      <a:solidFill>
-                        <a:srgbClr val="666666">
-                          <a:alpha val="100000"/>
-                        </a:srgbClr>
-                      </a:solidFill>
-                      <a:prstDash val="solid"/>
-                    </a:lnT>
-                    <a:lnB w="25400" cmpd="sng" algn="ctr" cap="flat">
-                      <a:solidFill>
-                        <a:srgbClr val="666666">
-                          <a:alpha val="100000"/>
-                        </a:srgbClr>
-                      </a:solidFill>
-                      <a:prstDash val="solid"/>
-                    </a:lnB>
-                  </a:tcPr>
-                </a:tc>
-                <a:tc>
-                  <a:txBody>
-                    <a:bodyPr/>
-                    <a:lstStyle/>
-                    <a:p>
-                      <a:pPr algn="r" marL="63500" marR="63500">
-                        <a:lnSpc>
-                          <a:spcPct val="100000"/>
-                        </a:lnSpc>
-                        <a:spcBef>
-                          <a:spcPts val="500"/>
-                        </a:spcBef>
-                        <a:spcAft>
-                          <a:spcPts val="500"/>
-                        </a:spcAft>
-                        <a:buNone/>
-                      </a:pPr>
-                      <a:r>
-                        <a:rPr sz="1100">
-                          <a:solidFill>
-                            <a:srgbClr val="000000">
-                              <a:alpha val="100000"/>
-                            </a:srgbClr>
-                          </a:solidFill>
-                          <a:latin typeface="Helvetica"/>
-                          <a:cs typeface="Helvetica"/>
-                          <a:ea typeface="Helvetica"/>
-                          <a:sym typeface="Helvetica"/>
-                        </a:rPr>
-                        <a:t>Supersector ID</a:t>
-                      </a:r>
-                    </a:p>
-                  </a:txBody>
-                  <a:tcPr anchor="ctr" marB="0" marT="0" marR="0" marL="0">
-                    <a:lnL w="0" cmpd="sng" algn="ctr" cap="flat">
-                      <a:solidFill>
-                        <a:srgbClr val="FFFFFF">
-                          <a:alpha val="0"/>
-                        </a:srgbClr>
-                      </a:solidFill>
-                      <a:prstDash val="solid"/>
-                    </a:lnL>
-                    <a:lnR w="0" cmpd="sng" algn="ctr" cap="flat">
-                      <a:solidFill>
-                        <a:srgbClr val="FFFFFF">
-                          <a:alpha val="0"/>
-                        </a:srgbClr>
-                      </a:solidFill>
-                      <a:prstDash val="solid"/>
-                    </a:lnR>
-                    <a:lnT w="25400" cmpd="sng" algn="ctr" cap="flat">
-                      <a:solidFill>
-                        <a:srgbClr val="666666">
-                          <a:alpha val="100000"/>
-                        </a:srgbClr>
-                      </a:solidFill>
-                      <a:prstDash val="solid"/>
-                    </a:lnT>
-                    <a:lnB w="25400" cmpd="sng" algn="ctr" cap="flat">
-                      <a:solidFill>
-                        <a:srgbClr val="666666">
-                          <a:alpha val="100000"/>
-                        </a:srgbClr>
-                      </a:solidFill>
-                      <a:prstDash val="solid"/>
-                    </a:lnB>
-                  </a:tcPr>
-                </a:tc>
-                <a:tc>
-                  <a:txBody>
-                    <a:bodyPr/>
-                    <a:lstStyle/>
-                    <a:p>
-                      <a:pPr algn="l" marL="63500" marR="63500">
-                        <a:lnSpc>
-                          <a:spcPct val="100000"/>
-                        </a:lnSpc>
-                        <a:spcBef>
-                          <a:spcPts val="500"/>
-                        </a:spcBef>
-                        <a:spcAft>
-                          <a:spcPts val="500"/>
-                        </a:spcAft>
-                        <a:buNone/>
-                      </a:pPr>
-                      <a:r>
-                        <a:rPr sz="1100">
-                          <a:solidFill>
-                            <a:srgbClr val="000000">
-                              <a:alpha val="100000"/>
-                            </a:srgbClr>
-                          </a:solidFill>
-                          <a:latin typeface="Helvetica"/>
-                          <a:cs typeface="Helvetica"/>
-                          <a:ea typeface="Helvetica"/>
-                          <a:sym typeface="Helvetica"/>
-                        </a:rPr>
-                        <a:t>Supersector</a:t>
-                      </a:r>
-                    </a:p>
-                  </a:txBody>
-                  <a:tcPr anchor="ctr" marB="0" marT="0" marR="0" marL="0">
-                    <a:lnL w="0" cmpd="sng" algn="ctr" cap="flat">
-                      <a:solidFill>
-                        <a:srgbClr val="FFFFFF">
-                          <a:alpha val="0"/>
-                        </a:srgbClr>
-                      </a:solidFill>
-                      <a:prstDash val="solid"/>
-                    </a:lnL>
-                    <a:lnR w="0" cmpd="sng" algn="ctr" cap="flat">
-                      <a:solidFill>
-                        <a:srgbClr val="FFFFFF">
-                          <a:alpha val="0"/>
-                        </a:srgbClr>
-                      </a:solidFill>
-                      <a:prstDash val="solid"/>
-                    </a:lnR>
-                    <a:lnT w="25400" cmpd="sng" algn="ctr" cap="flat">
-                      <a:solidFill>
-                        <a:srgbClr val="666666">
-                          <a:alpha val="100000"/>
-                        </a:srgbClr>
-                      </a:solidFill>
-                      <a:prstDash val="solid"/>
-                    </a:lnT>
-                    <a:lnB w="25400" cmpd="sng" algn="ctr" cap="flat">
-                      <a:solidFill>
-                        <a:srgbClr val="666666">
-                          <a:alpha val="100000"/>
-                        </a:srgbClr>
-                      </a:solidFill>
-                      <a:prstDash val="solid"/>
-                    </a:lnB>
-                  </a:tcPr>
-                </a:tc>
-                <a:tc>
-                  <a:txBody>
-                    <a:bodyPr/>
-                    <a:lstStyle/>
-                    <a:p>
-                      <a:pPr algn="r" marL="63500" marR="63500">
-                        <a:lnSpc>
-                          <a:spcPct val="100000"/>
-                        </a:lnSpc>
-                        <a:spcBef>
-                          <a:spcPts val="500"/>
-                        </a:spcBef>
-                        <a:spcAft>
-                          <a:spcPts val="500"/>
-                        </a:spcAft>
-                        <a:buNone/>
-                      </a:pPr>
-                      <a:r>
-                        <a:rPr sz="1100">
-                          <a:solidFill>
-                            <a:srgbClr val="000000">
-                              <a:alpha val="100000"/>
-                            </a:srgbClr>
-                          </a:solidFill>
-                          <a:latin typeface="Helvetica"/>
-                          <a:cs typeface="Helvetica"/>
-                          <a:ea typeface="Helvetica"/>
-                          <a:sym typeface="Helvetica"/>
-                        </a:rPr>
-                        <a:t>NSA Employees</a:t>
-                      </a:r>
-                    </a:p>
-                  </a:txBody>
-                  <a:tcPr anchor="ctr" marB="0" marT="0" marR="0" marL="0">
-                    <a:lnL w="0" cmpd="sng" algn="ctr" cap="flat">
-                      <a:solidFill>
-                        <a:srgbClr val="FFFFFF">
-                          <a:alpha val="0"/>
-                        </a:srgbClr>
-                      </a:solidFill>
-                      <a:prstDash val="solid"/>
-                    </a:lnL>
-                    <a:lnR w="0" cmpd="sng" algn="ctr" cap="flat">
-                      <a:solidFill>
-                        <a:srgbClr val="FFFFFF">
-                          <a:alpha val="0"/>
-                        </a:srgbClr>
-                      </a:solidFill>
-                      <a:prstDash val="solid"/>
-                    </a:lnR>
-                    <a:lnT w="25400" cmpd="sng" algn="ctr" cap="flat">
-                      <a:solidFill>
-                        <a:srgbClr val="666666">
-                          <a:alpha val="100000"/>
-                        </a:srgbClr>
-                      </a:solidFill>
-                      <a:prstDash val="solid"/>
-                    </a:lnT>
-                    <a:lnB w="25400" cmpd="sng" algn="ctr" cap="flat">
-                      <a:solidFill>
-                        <a:srgbClr val="666666">
-                          <a:alpha val="100000"/>
-                        </a:srgbClr>
-                      </a:solidFill>
-                      <a:prstDash val="solid"/>
-                    </a:lnB>
-                  </a:tcPr>
-                </a:tc>
-                <a:tc>
-                  <a:txBody>
-                    <a:bodyPr/>
-                    <a:lstStyle/>
-                    <a:p>
-                      <a:pPr algn="r" marL="63500" marR="63500">
-                        <a:lnSpc>
-                          <a:spcPct val="100000"/>
-                        </a:lnSpc>
-                        <a:spcBef>
-                          <a:spcPts val="500"/>
-                        </a:spcBef>
-                        <a:spcAft>
-                          <a:spcPts val="500"/>
-                        </a:spcAft>
-                        <a:buNone/>
-                      </a:pPr>
-                      <a:r>
-                        <a:rPr sz="1100">
-                          <a:solidFill>
-                            <a:srgbClr val="000000">
-                              <a:alpha val="100000"/>
-                            </a:srgbClr>
-                          </a:solidFill>
-                          <a:latin typeface="Helvetica"/>
-                          <a:cs typeface="Helvetica"/>
-                          <a:ea typeface="Helvetica"/>
-                          <a:sym typeface="Helvetica"/>
-                        </a:rPr>
-                        <a:t>Date</a:t>
-                      </a:r>
-                    </a:p>
-                  </a:txBody>
-                  <a:tcPr anchor="ctr" marB="0" marT="0" marR="0" marL="0">
-                    <a:lnL w="0" cmpd="sng" algn="ctr" cap="flat">
-                      <a:solidFill>
-                        <a:srgbClr val="FFFFFF">
-                          <a:alpha val="0"/>
-                        </a:srgbClr>
-                      </a:solidFill>
-                      <a:prstDash val="solid"/>
-                    </a:lnL>
-                    <a:lnR w="0" cmpd="sng" algn="ctr" cap="flat">
-                      <a:solidFill>
-                        <a:srgbClr val="FFFFFF">
-                          <a:alpha val="0"/>
-                        </a:srgbClr>
-                      </a:solidFill>
-                      <a:prstDash val="solid"/>
-                    </a:lnR>
-                    <a:lnT w="25400" cmpd="sng" algn="ctr" cap="flat">
-                      <a:solidFill>
-                        <a:srgbClr val="666666">
-                          <a:alpha val="100000"/>
-                        </a:srgbClr>
-                      </a:solidFill>
-                      <a:prstDash val="solid"/>
-                    </a:lnT>
-                    <a:lnB w="25400" cmpd="sng" algn="ctr" cap="flat">
-                      <a:solidFill>
-                        <a:srgbClr val="666666">
-                          <a:alpha val="100000"/>
-                        </a:srgbClr>
-                      </a:solidFill>
-                      <a:prstDash val="solid"/>
-                    </a:lnB>
-                  </a:tcPr>
-                </a:tc>
-                <a:tc>
-                  <a:txBody>
-                    <a:bodyPr/>
-                    <a:lstStyle/>
-                    <a:p>
-                      <a:pPr algn="r" marL="63500" marR="63500">
-                        <a:lnSpc>
-                          <a:spcPct val="100000"/>
-                        </a:lnSpc>
-                        <a:spcBef>
-                          <a:spcPts val="500"/>
-                        </a:spcBef>
-                        <a:spcAft>
-                          <a:spcPts val="500"/>
-                        </a:spcAft>
-                        <a:buNone/>
-                      </a:pPr>
-                      <a:r>
-                        <a:rPr sz="1100">
-                          <a:solidFill>
-                            <a:srgbClr val="000000">
-                              <a:alpha val="100000"/>
-                            </a:srgbClr>
-                          </a:solidFill>
-                          <a:latin typeface="Helvetica"/>
-                          <a:cs typeface="Helvetica"/>
-                          <a:ea typeface="Helvetica"/>
-                          <a:sym typeface="Helvetica"/>
-                        </a:rPr>
-                        <a:t>NSA Employees Growth</a:t>
-                      </a:r>
-                    </a:p>
-                  </a:txBody>
-                  <a:tcPr anchor="ctr" marB="0" marT="0" marR="0" marL="0">
-                    <a:lnL w="0" cmpd="sng" algn="ctr" cap="flat">
-                      <a:solidFill>
-                        <a:srgbClr val="FFFFFF">
-                          <a:alpha val="0"/>
-                        </a:srgbClr>
-                      </a:solidFill>
-                      <a:prstDash val="solid"/>
-                    </a:lnL>
-                    <a:lnR w="0" cmpd="sng" algn="ctr" cap="flat">
-                      <a:solidFill>
-                        <a:srgbClr val="FFFFFF">
-                          <a:alpha val="0"/>
-                        </a:srgbClr>
-                      </a:solidFill>
-                      <a:prstDash val="solid"/>
-                    </a:lnR>
-                    <a:lnT w="25400" cmpd="sng" algn="ctr" cap="flat">
-                      <a:solidFill>
-                        <a:srgbClr val="666666">
-                          <a:alpha val="100000"/>
-                        </a:srgbClr>
-                      </a:solidFill>
-                      <a:prstDash val="solid"/>
-                    </a:lnT>
-                    <a:lnB w="25400" cmpd="sng" algn="ctr" cap="flat">
-                      <a:solidFill>
-                        <a:srgbClr val="666666">
-                          <a:alpha val="100000"/>
-                        </a:srgbClr>
-                      </a:solidFill>
-                      <a:prstDash val="solid"/>
-                    </a:lnB>
-                  </a:tcPr>
-                </a:tc>
-              </a:tr>
-              <a:tr h="228600">
-                <a:tc>
-                  <a:txBody>
-                    <a:bodyPr/>
-                    <a:lstStyle/>
-                    <a:p>
-                      <a:pPr algn="l" marL="63500" marR="63500">
-                        <a:lnSpc>
-                          <a:spcPct val="100000"/>
-                        </a:lnSpc>
-                        <a:spcBef>
-                          <a:spcPts val="500"/>
-                        </a:spcBef>
-                        <a:spcAft>
-                          <a:spcPts val="500"/>
-                        </a:spcAft>
-                        <a:buNone/>
-                      </a:pPr>
-                      <a:r>
-                        <a:rPr sz="1100">
-                          <a:solidFill>
-                            <a:srgbClr val="000000">
-                              <a:alpha val="100000"/>
-                            </a:srgbClr>
-                          </a:solidFill>
-                          <a:latin typeface="Helvetica"/>
-                          <a:cs typeface="Helvetica"/>
-                          <a:ea typeface="Helvetica"/>
-                          <a:sym typeface="Helvetica"/>
-                        </a:rPr>
-                        <a:t>2008-01</a:t>
-                      </a:r>
-                    </a:p>
-                  </a:txBody>
-                  <a:tcPr anchor="ctr" marB="0" marT="0" marR="0" marL="0">
-                    <a:lnL w="0" cmpd="sng" algn="ctr" cap="flat">
-                      <a:solidFill>
-                        <a:srgbClr val="FFFFFF">
-                          <a:alpha val="0"/>
-                        </a:srgbClr>
-                      </a:solidFill>
-                      <a:prstDash val="solid"/>
-                    </a:lnL>
-                    <a:lnR w="0" cmpd="sng" algn="ctr" cap="flat">
-                      <a:solidFill>
-                        <a:srgbClr val="FFFFFF">
-                          <a:alpha val="0"/>
-                        </a:srgbClr>
-                      </a:solidFill>
-                      <a:prstDash val="solid"/>
-                    </a:lnR>
-                    <a:lnT w="0" cmpd="sng" algn="ctr" cap="flat">
-                      <a:solidFill>
-                        <a:srgbClr val="FFFFFF">
-                          <a:alpha val="0"/>
-                        </a:srgbClr>
-                      </a:solidFill>
-                      <a:prstDash val="solid"/>
-                    </a:lnT>
-                    <a:lnB w="0" cmpd="sng" algn="ctr" cap="flat">
-                      <a:solidFill>
-                        <a:srgbClr val="FFFFFF">
-                          <a:alpha val="0"/>
-                        </a:srgbClr>
-                      </a:solidFill>
-                      <a:prstDash val="solid"/>
-                    </a:lnB>
-                  </a:tcPr>
-                </a:tc>
-                <a:tc>
-                  <a:txBody>
-                    <a:bodyPr/>
-                    <a:lstStyle/>
-                    <a:p>
-                      <a:pPr algn="l" marL="63500" marR="63500">
-                        <a:lnSpc>
-                          <a:spcPct val="100000"/>
-                        </a:lnSpc>
-                        <a:spcBef>
-                          <a:spcPts val="500"/>
-                        </a:spcBef>
-                        <a:spcAft>
-                          <a:spcPts val="500"/>
-                        </a:spcAft>
-                        <a:buNone/>
-                      </a:pPr>
-                      <a:r>
-                        <a:rPr sz="1100">
-                          <a:solidFill>
-                            <a:srgbClr val="000000">
-                              <a:alpha val="100000"/>
-                            </a:srgbClr>
-                          </a:solidFill>
-                          <a:latin typeface="Helvetica"/>
-                          <a:cs typeface="Helvetica"/>
-                          <a:ea typeface="Helvetica"/>
-                          <a:sym typeface="Helvetica"/>
-                        </a:rPr>
-                        <a:t>January, 2008</a:t>
-                      </a:r>
-                    </a:p>
-                  </a:txBody>
-                  <a:tcPr anchor="ctr" marB="0" marT="0" marR="0" marL="0">
-                    <a:lnL w="0" cmpd="sng" algn="ctr" cap="flat">
-                      <a:solidFill>
-                        <a:srgbClr val="FFFFFF">
-                          <a:alpha val="0"/>
-                        </a:srgbClr>
-                      </a:solidFill>
-                      <a:prstDash val="solid"/>
-                    </a:lnL>
-                    <a:lnR w="0" cmpd="sng" algn="ctr" cap="flat">
-                      <a:solidFill>
-                        <a:srgbClr val="FFFFFF">
-                          <a:alpha val="0"/>
-                        </a:srgbClr>
-                      </a:solidFill>
-                      <a:prstDash val="solid"/>
-                    </a:lnR>
-                    <a:lnT w="0" cmpd="sng" algn="ctr" cap="flat">
-                      <a:solidFill>
-                        <a:srgbClr val="FFFFFF">
-                          <a:alpha val="0"/>
-                        </a:srgbClr>
-                      </a:solidFill>
-                      <a:prstDash val="solid"/>
-                    </a:lnT>
-                    <a:lnB w="0" cmpd="sng" algn="ctr" cap="flat">
-                      <a:solidFill>
-                        <a:srgbClr val="FFFFFF">
-                          <a:alpha val="0"/>
-                        </a:srgbClr>
-                      </a:solidFill>
-                      <a:prstDash val="solid"/>
-                    </a:lnB>
-                  </a:tcPr>
-                </a:tc>
-                <a:tc>
-                  <a:txBody>
-                    <a:bodyPr/>
-                    <a:lstStyle/>
-                    <a:p>
-                      <a:pPr algn="r" marL="63500" marR="63500">
-                        <a:lnSpc>
-                          <a:spcPct val="100000"/>
-                        </a:lnSpc>
-                        <a:spcBef>
-                          <a:spcPts val="500"/>
-                        </a:spcBef>
-                        <a:spcAft>
-                          <a:spcPts val="500"/>
-                        </a:spcAft>
-                        <a:buNone/>
-                      </a:pPr>
-                      <a:r>
-                        <a:rPr sz="1100">
-                          <a:solidFill>
-                            <a:srgbClr val="000000">
-                              <a:alpha val="100000"/>
-                            </a:srgbClr>
-                          </a:solidFill>
-                          <a:latin typeface="Helvetica"/>
-                          <a:cs typeface="Helvetica"/>
-                          <a:ea typeface="Helvetica"/>
-                          <a:sym typeface="Helvetica"/>
-                        </a:rPr>
-                        <a:t>70</a:t>
-                      </a:r>
-                    </a:p>
-                  </a:txBody>
-                  <a:tcPr anchor="ctr" marB="0" marT="0" marR="0" marL="0">
-                    <a:lnL w="0" cmpd="sng" algn="ctr" cap="flat">
-                      <a:solidFill>
-                        <a:srgbClr val="FFFFFF">
-                          <a:alpha val="0"/>
-                        </a:srgbClr>
-                      </a:solidFill>
-                      <a:prstDash val="solid"/>
-                    </a:lnL>
-                    <a:lnR w="0" cmpd="sng" algn="ctr" cap="flat">
-                      <a:solidFill>
-                        <a:srgbClr val="FFFFFF">
-                          <a:alpha val="0"/>
-                        </a:srgbClr>
-                      </a:solidFill>
-                      <a:prstDash val="solid"/>
-                    </a:lnR>
-                    <a:lnT w="0" cmpd="sng" algn="ctr" cap="flat">
-                      <a:solidFill>
-                        <a:srgbClr val="FFFFFF">
-                          <a:alpha val="0"/>
-                        </a:srgbClr>
-                      </a:solidFill>
-                      <a:prstDash val="solid"/>
-                    </a:lnT>
-                    <a:lnB w="0" cmpd="sng" algn="ctr" cap="flat">
-                      <a:solidFill>
-                        <a:srgbClr val="FFFFFF">
-                          <a:alpha val="0"/>
-                        </a:srgbClr>
-                      </a:solidFill>
-                      <a:prstDash val="solid"/>
-                    </a:lnB>
-                  </a:tcPr>
-                </a:tc>
-                <a:tc>
-                  <a:txBody>
-                    <a:bodyPr/>
-                    <a:lstStyle/>
-                    <a:p>
-                      <a:pPr algn="l" marL="63500" marR="63500">
-                        <a:lnSpc>
-                          <a:spcPct val="100000"/>
-                        </a:lnSpc>
-                        <a:spcBef>
-                          <a:spcPts val="500"/>
-                        </a:spcBef>
-                        <a:spcAft>
-                          <a:spcPts val="500"/>
-                        </a:spcAft>
-                        <a:buNone/>
-                      </a:pPr>
-                      <a:r>
-                        <a:rPr sz="1100">
-                          <a:solidFill>
-                            <a:srgbClr val="000000">
-                              <a:alpha val="100000"/>
-                            </a:srgbClr>
-                          </a:solidFill>
-                          <a:latin typeface="Helvetica"/>
-                          <a:cs typeface="Helvetica"/>
-                          <a:ea typeface="Helvetica"/>
-                          <a:sym typeface="Helvetica"/>
-                        </a:rPr>
-                        <a:t>Leisure and Hospitality</a:t>
-                      </a:r>
-                    </a:p>
-                  </a:txBody>
-                  <a:tcPr anchor="ctr" marB="0" marT="0" marR="0" marL="0">
-                    <a:lnL w="0" cmpd="sng" algn="ctr" cap="flat">
-                      <a:solidFill>
-                        <a:srgbClr val="FFFFFF">
-                          <a:alpha val="0"/>
-                        </a:srgbClr>
-                      </a:solidFill>
-                      <a:prstDash val="solid"/>
-                    </a:lnL>
-                    <a:lnR w="0" cmpd="sng" algn="ctr" cap="flat">
-                      <a:solidFill>
-                        <a:srgbClr val="FFFFFF">
-                          <a:alpha val="0"/>
-                        </a:srgbClr>
-                      </a:solidFill>
-                      <a:prstDash val="solid"/>
-                    </a:lnR>
-                    <a:lnT w="0" cmpd="sng" algn="ctr" cap="flat">
-                      <a:solidFill>
-                        <a:srgbClr val="FFFFFF">
-                          <a:alpha val="0"/>
-                        </a:srgbClr>
-                      </a:solidFill>
-                      <a:prstDash val="solid"/>
-                    </a:lnT>
-                    <a:lnB w="0" cmpd="sng" algn="ctr" cap="flat">
-                      <a:solidFill>
-                        <a:srgbClr val="FFFFFF">
-                          <a:alpha val="0"/>
-                        </a:srgbClr>
-                      </a:solidFill>
-                      <a:prstDash val="solid"/>
-                    </a:lnB>
-                  </a:tcPr>
-                </a:tc>
-                <a:tc>
-                  <a:txBody>
-                    <a:bodyPr/>
-                    <a:lstStyle/>
-                    <a:p>
-                      <a:pPr algn="r" marL="63500" marR="63500">
-                        <a:lnSpc>
-                          <a:spcPct val="100000"/>
-                        </a:lnSpc>
-                        <a:spcBef>
-                          <a:spcPts val="500"/>
-                        </a:spcBef>
-                        <a:spcAft>
-                          <a:spcPts val="500"/>
-                        </a:spcAft>
-                        <a:buNone/>
-                      </a:pPr>
-                      <a:r>
-                        <a:rPr sz="1100">
-                          <a:solidFill>
-                            <a:srgbClr val="000000">
-                              <a:alpha val="100000"/>
-                            </a:srgbClr>
-                          </a:solidFill>
-                          <a:latin typeface="Helvetica"/>
-                          <a:cs typeface="Helvetica"/>
-                          <a:ea typeface="Helvetica"/>
-                          <a:sym typeface="Helvetica"/>
-                        </a:rPr>
-                        <a:t>12,946,400</a:t>
-                      </a:r>
-                    </a:p>
-                  </a:txBody>
-                  <a:tcPr anchor="ctr" marB="0" marT="0" marR="0" marL="0">
-                    <a:lnL w="0" cmpd="sng" algn="ctr" cap="flat">
-                      <a:solidFill>
-                        <a:srgbClr val="FFFFFF">
-                          <a:alpha val="0"/>
-                        </a:srgbClr>
-                      </a:solidFill>
-                      <a:prstDash val="solid"/>
-                    </a:lnL>
-                    <a:lnR w="0" cmpd="sng" algn="ctr" cap="flat">
-                      <a:solidFill>
-                        <a:srgbClr val="FFFFFF">
-                          <a:alpha val="0"/>
-                        </a:srgbClr>
-                      </a:solidFill>
-                      <a:prstDash val="solid"/>
-                    </a:lnR>
-                    <a:lnT w="0" cmpd="sng" algn="ctr" cap="flat">
-                      <a:solidFill>
-                        <a:srgbClr val="FFFFFF">
-                          <a:alpha val="0"/>
-                        </a:srgbClr>
-                      </a:solidFill>
-                      <a:prstDash val="solid"/>
-                    </a:lnT>
-                    <a:lnB w="0" cmpd="sng" algn="ctr" cap="flat">
-                      <a:solidFill>
-                        <a:srgbClr val="FFFFFF">
-                          <a:alpha val="0"/>
-                        </a:srgbClr>
-                      </a:solidFill>
-                      <a:prstDash val="solid"/>
-                    </a:lnB>
-                  </a:tcPr>
-                </a:tc>
-                <a:tc>
-                  <a:txBody>
-                    <a:bodyPr/>
-                    <a:lstStyle/>
-                    <a:p>
-                      <a:pPr algn="r" marL="63500" marR="63500">
-                        <a:lnSpc>
-                          <a:spcPct val="100000"/>
-                        </a:lnSpc>
-                        <a:spcBef>
-                          <a:spcPts val="500"/>
-                        </a:spcBef>
-                        <a:spcAft>
-                          <a:spcPts val="500"/>
-                        </a:spcAft>
-                        <a:buNone/>
-                      </a:pPr>
-                      <a:r>
-                        <a:rPr sz="1100">
-                          <a:solidFill>
-                            <a:srgbClr val="000000">
-                              <a:alpha val="100000"/>
-                            </a:srgbClr>
-                          </a:solidFill>
-                          <a:latin typeface="Helvetica"/>
-                          <a:cs typeface="Helvetica"/>
-                          <a:ea typeface="Helvetica"/>
-                          <a:sym typeface="Helvetica"/>
-                        </a:rPr>
-                        <a:t>2008-01-01</a:t>
-                      </a:r>
-                    </a:p>
-                  </a:txBody>
-                  <a:tcPr anchor="ctr" marB="0" marT="0" marR="0" marL="0">
-                    <a:lnL w="0" cmpd="sng" algn="ctr" cap="flat">
-                      <a:solidFill>
-                        <a:srgbClr val="FFFFFF">
-                          <a:alpha val="0"/>
-                        </a:srgbClr>
-                      </a:solidFill>
-                      <a:prstDash val="solid"/>
-                    </a:lnL>
-                    <a:lnR w="0" cmpd="sng" algn="ctr" cap="flat">
-                      <a:solidFill>
-                        <a:srgbClr val="FFFFFF">
-                          <a:alpha val="0"/>
-                        </a:srgbClr>
-                      </a:solidFill>
-                      <a:prstDash val="solid"/>
-                    </a:lnR>
-                    <a:lnT w="0" cmpd="sng" algn="ctr" cap="flat">
-                      <a:solidFill>
-                        <a:srgbClr val="FFFFFF">
-                          <a:alpha val="0"/>
-                        </a:srgbClr>
-                      </a:solidFill>
-                      <a:prstDash val="solid"/>
-                    </a:lnT>
-                    <a:lnB w="0" cmpd="sng" algn="ctr" cap="flat">
-                      <a:solidFill>
-                        <a:srgbClr val="FFFFFF">
-                          <a:alpha val="0"/>
-                        </a:srgbClr>
-                      </a:solidFill>
-                      <a:prstDash val="solid"/>
-                    </a:lnB>
-                  </a:tcPr>
-                </a:tc>
-                <a:tc>
-                  <a:txBody>
-                    <a:bodyPr/>
-                    <a:lstStyle/>
-                    <a:p>
-                      <a:pPr algn="r" marL="63500" marR="63500">
-                        <a:lnSpc>
-                          <a:spcPct val="100000"/>
-                        </a:lnSpc>
-                        <a:spcBef>
-                          <a:spcPts val="500"/>
-                        </a:spcBef>
-                        <a:spcAft>
-                          <a:spcPts val="500"/>
-                        </a:spcAft>
-                        <a:buNone/>
-                      </a:pPr>
-                      <a:r>
-                        <a:rPr sz="1100">
-                          <a:solidFill>
-                            <a:srgbClr val="000000">
-                              <a:alpha val="100000"/>
-                            </a:srgbClr>
-                          </a:solidFill>
-                          <a:latin typeface="Helvetica"/>
-                          <a:cs typeface="Helvetica"/>
-                          <a:ea typeface="Helvetica"/>
-                          <a:sym typeface="Helvetica"/>
-                        </a:rPr>
-                        <a:t>1.662387</a:t>
-                      </a:r>
-                    </a:p>
-                  </a:txBody>
-                  <a:tcPr anchor="ctr" marB="0" marT="0" marR="0" marL="0">
-                    <a:lnL w="0" cmpd="sng" algn="ctr" cap="flat">
-                      <a:solidFill>
-                        <a:srgbClr val="FFFFFF">
-                          <a:alpha val="0"/>
-                        </a:srgbClr>
-                      </a:solidFill>
-                      <a:prstDash val="solid"/>
-                    </a:lnL>
-                    <a:lnR w="0" cmpd="sng" algn="ctr" cap="flat">
-                      <a:solidFill>
-                        <a:srgbClr val="FFFFFF">
-                          <a:alpha val="0"/>
-                        </a:srgbClr>
-                      </a:solidFill>
-                      <a:prstDash val="solid"/>
-                    </a:lnR>
-                    <a:lnT w="0" cmpd="sng" algn="ctr" cap="flat">
-                      <a:solidFill>
-                        <a:srgbClr val="FFFFFF">
-                          <a:alpha val="0"/>
-                        </a:srgbClr>
-                      </a:solidFill>
-                      <a:prstDash val="solid"/>
-                    </a:lnT>
-                    <a:lnB w="0" cmpd="sng" algn="ctr" cap="flat">
-                      <a:solidFill>
-                        <a:srgbClr val="FFFFFF">
-                          <a:alpha val="0"/>
-                        </a:srgbClr>
-                      </a:solidFill>
-                      <a:prstDash val="solid"/>
-                    </a:lnB>
-                  </a:tcPr>
-                </a:tc>
-              </a:tr>
-              <a:tr h="228600">
-                <a:tc>
-                  <a:txBody>
-                    <a:bodyPr/>
-                    <a:lstStyle/>
-                    <a:p>
-                      <a:pPr algn="l" marL="63500" marR="63500">
-                        <a:lnSpc>
-                          <a:spcPct val="100000"/>
-                        </a:lnSpc>
-                        <a:spcBef>
-                          <a:spcPts val="500"/>
-                        </a:spcBef>
-                        <a:spcAft>
-                          <a:spcPts val="500"/>
-                        </a:spcAft>
-                        <a:buNone/>
-                      </a:pPr>
-                      <a:r>
-                        <a:rPr sz="1100">
-                          <a:solidFill>
-                            <a:srgbClr val="000000">
-                              <a:alpha val="100000"/>
-                            </a:srgbClr>
-                          </a:solidFill>
-                          <a:latin typeface="Helvetica"/>
-                          <a:cs typeface="Helvetica"/>
-                          <a:ea typeface="Helvetica"/>
-                          <a:sym typeface="Helvetica"/>
-                        </a:rPr>
-                        <a:t>2008-02</a:t>
-                      </a:r>
-                    </a:p>
-                  </a:txBody>
-                  <a:tcPr anchor="ctr" marB="0" marT="0" marR="0" marL="0">
-                    <a:lnL w="0" cmpd="sng" algn="ctr" cap="flat">
-                      <a:solidFill>
-                        <a:srgbClr val="FFFFFF">
-                          <a:alpha val="0"/>
-                        </a:srgbClr>
-                      </a:solidFill>
-                      <a:prstDash val="solid"/>
-                    </a:lnL>
-                    <a:lnR w="0" cmpd="sng" algn="ctr" cap="flat">
-                      <a:solidFill>
-                        <a:srgbClr val="FFFFFF">
-                          <a:alpha val="0"/>
-                        </a:srgbClr>
-                      </a:solidFill>
-                      <a:prstDash val="solid"/>
-                    </a:lnR>
-                    <a:lnT w="0" cmpd="sng" algn="ctr" cap="flat">
-                      <a:solidFill>
-                        <a:srgbClr val="FFFFFF">
-                          <a:alpha val="0"/>
-                        </a:srgbClr>
-                      </a:solidFill>
-                      <a:prstDash val="solid"/>
-                    </a:lnT>
-                    <a:lnB w="0" cmpd="sng" algn="ctr" cap="flat">
-                      <a:solidFill>
-                        <a:srgbClr val="FFFFFF">
-                          <a:alpha val="0"/>
-                        </a:srgbClr>
-                      </a:solidFill>
-                      <a:prstDash val="solid"/>
-                    </a:lnB>
-                  </a:tcPr>
-                </a:tc>
-                <a:tc>
-                  <a:txBody>
-                    <a:bodyPr/>
-                    <a:lstStyle/>
-                    <a:p>
-                      <a:pPr algn="l" marL="63500" marR="63500">
-                        <a:lnSpc>
-                          <a:spcPct val="100000"/>
-                        </a:lnSpc>
-                        <a:spcBef>
-                          <a:spcPts val="500"/>
-                        </a:spcBef>
-                        <a:spcAft>
-                          <a:spcPts val="500"/>
-                        </a:spcAft>
-                        <a:buNone/>
-                      </a:pPr>
-                      <a:r>
-                        <a:rPr sz="1100">
-                          <a:solidFill>
-                            <a:srgbClr val="000000">
-                              <a:alpha val="100000"/>
-                            </a:srgbClr>
-                          </a:solidFill>
-                          <a:latin typeface="Helvetica"/>
-                          <a:cs typeface="Helvetica"/>
-                          <a:ea typeface="Helvetica"/>
-                          <a:sym typeface="Helvetica"/>
-                        </a:rPr>
-                        <a:t>February, 2008</a:t>
-                      </a:r>
-                    </a:p>
-                  </a:txBody>
-                  <a:tcPr anchor="ctr" marB="0" marT="0" marR="0" marL="0">
-                    <a:lnL w="0" cmpd="sng" algn="ctr" cap="flat">
-                      <a:solidFill>
-                        <a:srgbClr val="FFFFFF">
-                          <a:alpha val="0"/>
-                        </a:srgbClr>
-                      </a:solidFill>
-                      <a:prstDash val="solid"/>
-                    </a:lnL>
-                    <a:lnR w="0" cmpd="sng" algn="ctr" cap="flat">
-                      <a:solidFill>
-                        <a:srgbClr val="FFFFFF">
-                          <a:alpha val="0"/>
-                        </a:srgbClr>
-                      </a:solidFill>
-                      <a:prstDash val="solid"/>
-                    </a:lnR>
-                    <a:lnT w="0" cmpd="sng" algn="ctr" cap="flat">
-                      <a:solidFill>
-                        <a:srgbClr val="FFFFFF">
-                          <a:alpha val="0"/>
-                        </a:srgbClr>
-                      </a:solidFill>
-                      <a:prstDash val="solid"/>
-                    </a:lnT>
-                    <a:lnB w="0" cmpd="sng" algn="ctr" cap="flat">
-                      <a:solidFill>
-                        <a:srgbClr val="FFFFFF">
-                          <a:alpha val="0"/>
-                        </a:srgbClr>
-                      </a:solidFill>
-                      <a:prstDash val="solid"/>
-                    </a:lnB>
-                  </a:tcPr>
-                </a:tc>
-                <a:tc>
-                  <a:txBody>
-                    <a:bodyPr/>
-                    <a:lstStyle/>
-                    <a:p>
-                      <a:pPr algn="r" marL="63500" marR="63500">
-                        <a:lnSpc>
-                          <a:spcPct val="100000"/>
-                        </a:lnSpc>
-                        <a:spcBef>
-                          <a:spcPts val="500"/>
-                        </a:spcBef>
-                        <a:spcAft>
-                          <a:spcPts val="500"/>
-                        </a:spcAft>
-                        <a:buNone/>
-                      </a:pPr>
-                      <a:r>
-                        <a:rPr sz="1100">
-                          <a:solidFill>
-                            <a:srgbClr val="000000">
-                              <a:alpha val="100000"/>
-                            </a:srgbClr>
-                          </a:solidFill>
-                          <a:latin typeface="Helvetica"/>
-                          <a:cs typeface="Helvetica"/>
-                          <a:ea typeface="Helvetica"/>
-                          <a:sym typeface="Helvetica"/>
-                        </a:rPr>
-                        <a:t>70</a:t>
-                      </a:r>
-                    </a:p>
-                  </a:txBody>
-                  <a:tcPr anchor="ctr" marB="0" marT="0" marR="0" marL="0">
-                    <a:lnL w="0" cmpd="sng" algn="ctr" cap="flat">
-                      <a:solidFill>
-                        <a:srgbClr val="FFFFFF">
-                          <a:alpha val="0"/>
-                        </a:srgbClr>
-                      </a:solidFill>
-                      <a:prstDash val="solid"/>
-                    </a:lnL>
-                    <a:lnR w="0" cmpd="sng" algn="ctr" cap="flat">
-                      <a:solidFill>
-                        <a:srgbClr val="FFFFFF">
-                          <a:alpha val="0"/>
-                        </a:srgbClr>
-                      </a:solidFill>
-                      <a:prstDash val="solid"/>
-                    </a:lnR>
-                    <a:lnT w="0" cmpd="sng" algn="ctr" cap="flat">
-                      <a:solidFill>
-                        <a:srgbClr val="FFFFFF">
-                          <a:alpha val="0"/>
-                        </a:srgbClr>
-                      </a:solidFill>
-                      <a:prstDash val="solid"/>
-                    </a:lnT>
-                    <a:lnB w="0" cmpd="sng" algn="ctr" cap="flat">
-                      <a:solidFill>
-                        <a:srgbClr val="FFFFFF">
-                          <a:alpha val="0"/>
-                        </a:srgbClr>
-                      </a:solidFill>
-                      <a:prstDash val="solid"/>
-                    </a:lnB>
-                  </a:tcPr>
-                </a:tc>
-                <a:tc>
-                  <a:txBody>
-                    <a:bodyPr/>
-                    <a:lstStyle/>
-                    <a:p>
-                      <a:pPr algn="l" marL="63500" marR="63500">
-                        <a:lnSpc>
-                          <a:spcPct val="100000"/>
-                        </a:lnSpc>
-                        <a:spcBef>
-                          <a:spcPts val="500"/>
-                        </a:spcBef>
-                        <a:spcAft>
-                          <a:spcPts val="500"/>
-                        </a:spcAft>
-                        <a:buNone/>
-                      </a:pPr>
-                      <a:r>
-                        <a:rPr sz="1100">
-                          <a:solidFill>
-                            <a:srgbClr val="000000">
-                              <a:alpha val="100000"/>
-                            </a:srgbClr>
-                          </a:solidFill>
-                          <a:latin typeface="Helvetica"/>
-                          <a:cs typeface="Helvetica"/>
-                          <a:ea typeface="Helvetica"/>
-                          <a:sym typeface="Helvetica"/>
-                        </a:rPr>
-                        <a:t>Leisure and Hospitality</a:t>
-                      </a:r>
-                    </a:p>
-                  </a:txBody>
-                  <a:tcPr anchor="ctr" marB="0" marT="0" marR="0" marL="0">
-                    <a:lnL w="0" cmpd="sng" algn="ctr" cap="flat">
-                      <a:solidFill>
-                        <a:srgbClr val="FFFFFF">
-                          <a:alpha val="0"/>
-                        </a:srgbClr>
-                      </a:solidFill>
-                      <a:prstDash val="solid"/>
-                    </a:lnL>
-                    <a:lnR w="0" cmpd="sng" algn="ctr" cap="flat">
-                      <a:solidFill>
-                        <a:srgbClr val="FFFFFF">
-                          <a:alpha val="0"/>
-                        </a:srgbClr>
-                      </a:solidFill>
-                      <a:prstDash val="solid"/>
-                    </a:lnR>
-                    <a:lnT w="0" cmpd="sng" algn="ctr" cap="flat">
-                      <a:solidFill>
-                        <a:srgbClr val="FFFFFF">
-                          <a:alpha val="0"/>
-                        </a:srgbClr>
-                      </a:solidFill>
-                      <a:prstDash val="solid"/>
-                    </a:lnT>
-                    <a:lnB w="0" cmpd="sng" algn="ctr" cap="flat">
-                      <a:solidFill>
-                        <a:srgbClr val="FFFFFF">
-                          <a:alpha val="0"/>
-                        </a:srgbClr>
-                      </a:solidFill>
-                      <a:prstDash val="solid"/>
-                    </a:lnB>
-                  </a:tcPr>
-                </a:tc>
-                <a:tc>
-                  <a:txBody>
-                    <a:bodyPr/>
-                    <a:lstStyle/>
-                    <a:p>
-                      <a:pPr algn="r" marL="63500" marR="63500">
-                        <a:lnSpc>
-                          <a:spcPct val="100000"/>
-                        </a:lnSpc>
-                        <a:spcBef>
-                          <a:spcPts val="500"/>
-                        </a:spcBef>
-                        <a:spcAft>
-                          <a:spcPts val="500"/>
-                        </a:spcAft>
-                        <a:buNone/>
-                      </a:pPr>
-                      <a:r>
-                        <a:rPr sz="1100">
-                          <a:solidFill>
-                            <a:srgbClr val="000000">
-                              <a:alpha val="100000"/>
-                            </a:srgbClr>
-                          </a:solidFill>
-                          <a:latin typeface="Helvetica"/>
-                          <a:cs typeface="Helvetica"/>
-                          <a:ea typeface="Helvetica"/>
-                          <a:sym typeface="Helvetica"/>
-                        </a:rPr>
-                        <a:t>13,057,000</a:t>
-                      </a:r>
-                    </a:p>
-                  </a:txBody>
-                  <a:tcPr anchor="ctr" marB="0" marT="0" marR="0" marL="0">
-                    <a:lnL w="0" cmpd="sng" algn="ctr" cap="flat">
-                      <a:solidFill>
-                        <a:srgbClr val="FFFFFF">
-                          <a:alpha val="0"/>
-                        </a:srgbClr>
-                      </a:solidFill>
-                      <a:prstDash val="solid"/>
-                    </a:lnL>
-                    <a:lnR w="0" cmpd="sng" algn="ctr" cap="flat">
-                      <a:solidFill>
-                        <a:srgbClr val="FFFFFF">
-                          <a:alpha val="0"/>
-                        </a:srgbClr>
-                      </a:solidFill>
-                      <a:prstDash val="solid"/>
-                    </a:lnR>
-                    <a:lnT w="0" cmpd="sng" algn="ctr" cap="flat">
-                      <a:solidFill>
-                        <a:srgbClr val="FFFFFF">
-                          <a:alpha val="0"/>
-                        </a:srgbClr>
-                      </a:solidFill>
-                      <a:prstDash val="solid"/>
-                    </a:lnT>
-                    <a:lnB w="0" cmpd="sng" algn="ctr" cap="flat">
-                      <a:solidFill>
-                        <a:srgbClr val="FFFFFF">
-                          <a:alpha val="0"/>
-                        </a:srgbClr>
-                      </a:solidFill>
-                      <a:prstDash val="solid"/>
-                    </a:lnB>
-                  </a:tcPr>
-                </a:tc>
-                <a:tc>
-                  <a:txBody>
-                    <a:bodyPr/>
-                    <a:lstStyle/>
-                    <a:p>
-                      <a:pPr algn="r" marL="63500" marR="63500">
-                        <a:lnSpc>
-                          <a:spcPct val="100000"/>
-                        </a:lnSpc>
-                        <a:spcBef>
-                          <a:spcPts val="500"/>
-                        </a:spcBef>
-                        <a:spcAft>
-                          <a:spcPts val="500"/>
-                        </a:spcAft>
-                        <a:buNone/>
-                      </a:pPr>
-                      <a:r>
-                        <a:rPr sz="1100">
-                          <a:solidFill>
-                            <a:srgbClr val="000000">
-                              <a:alpha val="100000"/>
-                            </a:srgbClr>
-                          </a:solidFill>
-                          <a:latin typeface="Helvetica"/>
-                          <a:cs typeface="Helvetica"/>
-                          <a:ea typeface="Helvetica"/>
-                          <a:sym typeface="Helvetica"/>
-                        </a:rPr>
-                        <a:t>2008-02-01</a:t>
-                      </a:r>
-                    </a:p>
-                  </a:txBody>
-                  <a:tcPr anchor="ctr" marB="0" marT="0" marR="0" marL="0">
-                    <a:lnL w="0" cmpd="sng" algn="ctr" cap="flat">
-                      <a:solidFill>
-                        <a:srgbClr val="FFFFFF">
-                          <a:alpha val="0"/>
-                        </a:srgbClr>
-                      </a:solidFill>
-                      <a:prstDash val="solid"/>
-                    </a:lnL>
-                    <a:lnR w="0" cmpd="sng" algn="ctr" cap="flat">
-                      <a:solidFill>
-                        <a:srgbClr val="FFFFFF">
-                          <a:alpha val="0"/>
-                        </a:srgbClr>
-                      </a:solidFill>
-                      <a:prstDash val="solid"/>
-                    </a:lnR>
-                    <a:lnT w="0" cmpd="sng" algn="ctr" cap="flat">
-                      <a:solidFill>
-                        <a:srgbClr val="FFFFFF">
-                          <a:alpha val="0"/>
-                        </a:srgbClr>
-                      </a:solidFill>
-                      <a:prstDash val="solid"/>
-                    </a:lnT>
-                    <a:lnB w="0" cmpd="sng" algn="ctr" cap="flat">
-                      <a:solidFill>
-                        <a:srgbClr val="FFFFFF">
-                          <a:alpha val="0"/>
-                        </a:srgbClr>
-                      </a:solidFill>
-                      <a:prstDash val="solid"/>
-                    </a:lnB>
-                  </a:tcPr>
-                </a:tc>
-                <a:tc>
-                  <a:txBody>
-                    <a:bodyPr/>
-                    <a:lstStyle/>
-                    <a:p>
-                      <a:pPr algn="r" marL="63500" marR="63500">
-                        <a:lnSpc>
-                          <a:spcPct val="100000"/>
-                        </a:lnSpc>
-                        <a:spcBef>
-                          <a:spcPts val="500"/>
-                        </a:spcBef>
-                        <a:spcAft>
-                          <a:spcPts val="500"/>
-                        </a:spcAft>
-                        <a:buNone/>
-                      </a:pPr>
-                      <a:r>
-                        <a:rPr sz="1100">
-                          <a:solidFill>
-                            <a:srgbClr val="000000">
-                              <a:alpha val="100000"/>
-                            </a:srgbClr>
-                          </a:solidFill>
-                          <a:latin typeface="Helvetica"/>
-                          <a:cs typeface="Helvetica"/>
-                          <a:ea typeface="Helvetica"/>
-                          <a:sym typeface="Helvetica"/>
-                        </a:rPr>
-                        <a:t>1.606941</a:t>
-                      </a:r>
-                    </a:p>
-                  </a:txBody>
-                  <a:tcPr anchor="ctr" marB="0" marT="0" marR="0" marL="0">
-                    <a:lnL w="0" cmpd="sng" algn="ctr" cap="flat">
-                      <a:solidFill>
-                        <a:srgbClr val="FFFFFF">
-                          <a:alpha val="0"/>
-                        </a:srgbClr>
-                      </a:solidFill>
-                      <a:prstDash val="solid"/>
-                    </a:lnL>
-                    <a:lnR w="0" cmpd="sng" algn="ctr" cap="flat">
-                      <a:solidFill>
-                        <a:srgbClr val="FFFFFF">
-                          <a:alpha val="0"/>
-                        </a:srgbClr>
-                      </a:solidFill>
-                      <a:prstDash val="solid"/>
-                    </a:lnR>
-                    <a:lnT w="0" cmpd="sng" algn="ctr" cap="flat">
-                      <a:solidFill>
-                        <a:srgbClr val="FFFFFF">
-                          <a:alpha val="0"/>
-                        </a:srgbClr>
-                      </a:solidFill>
-                      <a:prstDash val="solid"/>
-                    </a:lnT>
-                    <a:lnB w="0" cmpd="sng" algn="ctr" cap="flat">
-                      <a:solidFill>
-                        <a:srgbClr val="FFFFFF">
-                          <a:alpha val="0"/>
-                        </a:srgbClr>
-                      </a:solidFill>
-                      <a:prstDash val="solid"/>
-                    </a:lnB>
-                  </a:tcPr>
-                </a:tc>
-              </a:tr>
-              <a:tr h="228600">
-                <a:tc>
-                  <a:txBody>
-                    <a:bodyPr/>
-                    <a:lstStyle/>
-                    <a:p>
-                      <a:pPr algn="l" marL="63500" marR="63500">
-                        <a:lnSpc>
-                          <a:spcPct val="100000"/>
-                        </a:lnSpc>
-                        <a:spcBef>
-                          <a:spcPts val="500"/>
-                        </a:spcBef>
-                        <a:spcAft>
-                          <a:spcPts val="500"/>
-                        </a:spcAft>
-                        <a:buNone/>
-                      </a:pPr>
-                      <a:r>
-                        <a:rPr sz="1100">
-                          <a:solidFill>
-                            <a:srgbClr val="000000">
-                              <a:alpha val="100000"/>
-                            </a:srgbClr>
-                          </a:solidFill>
-                          <a:latin typeface="Helvetica"/>
-                          <a:cs typeface="Helvetica"/>
-                          <a:ea typeface="Helvetica"/>
-                          <a:sym typeface="Helvetica"/>
-                        </a:rPr>
-                        <a:t>2008-03</a:t>
-                      </a:r>
-                    </a:p>
-                  </a:txBody>
-                  <a:tcPr anchor="ctr" marB="0" marT="0" marR="0" marL="0">
-                    <a:lnL w="0" cmpd="sng" algn="ctr" cap="flat">
-                      <a:solidFill>
-                        <a:srgbClr val="FFFFFF">
-                          <a:alpha val="0"/>
-                        </a:srgbClr>
-                      </a:solidFill>
-                      <a:prstDash val="solid"/>
-                    </a:lnL>
-                    <a:lnR w="0" cmpd="sng" algn="ctr" cap="flat">
-                      <a:solidFill>
-                        <a:srgbClr val="FFFFFF">
-                          <a:alpha val="0"/>
-                        </a:srgbClr>
-                      </a:solidFill>
-                      <a:prstDash val="solid"/>
-                    </a:lnR>
-                    <a:lnT w="0" cmpd="sng" algn="ctr" cap="flat">
-                      <a:solidFill>
-                        <a:srgbClr val="FFFFFF">
-                          <a:alpha val="0"/>
-                        </a:srgbClr>
-                      </a:solidFill>
-                      <a:prstDash val="solid"/>
-                    </a:lnT>
-                    <a:lnB w="0" cmpd="sng" algn="ctr" cap="flat">
-                      <a:solidFill>
-                        <a:srgbClr val="FFFFFF">
-                          <a:alpha val="0"/>
-                        </a:srgbClr>
-                      </a:solidFill>
-                      <a:prstDash val="solid"/>
-                    </a:lnB>
-                  </a:tcPr>
-                </a:tc>
-                <a:tc>
-                  <a:txBody>
-                    <a:bodyPr/>
-                    <a:lstStyle/>
-                    <a:p>
-                      <a:pPr algn="l" marL="63500" marR="63500">
-                        <a:lnSpc>
-                          <a:spcPct val="100000"/>
-                        </a:lnSpc>
-                        <a:spcBef>
-                          <a:spcPts val="500"/>
-                        </a:spcBef>
-                        <a:spcAft>
-                          <a:spcPts val="500"/>
-                        </a:spcAft>
-                        <a:buNone/>
-                      </a:pPr>
-                      <a:r>
-                        <a:rPr sz="1100">
-                          <a:solidFill>
-                            <a:srgbClr val="000000">
-                              <a:alpha val="100000"/>
-                            </a:srgbClr>
-                          </a:solidFill>
-                          <a:latin typeface="Helvetica"/>
-                          <a:cs typeface="Helvetica"/>
-                          <a:ea typeface="Helvetica"/>
-                          <a:sym typeface="Helvetica"/>
-                        </a:rPr>
-                        <a:t>March, 2008</a:t>
-                      </a:r>
-                    </a:p>
-                  </a:txBody>
-                  <a:tcPr anchor="ctr" marB="0" marT="0" marR="0" marL="0">
-                    <a:lnL w="0" cmpd="sng" algn="ctr" cap="flat">
-                      <a:solidFill>
-                        <a:srgbClr val="FFFFFF">
-                          <a:alpha val="0"/>
-                        </a:srgbClr>
-                      </a:solidFill>
-                      <a:prstDash val="solid"/>
-                    </a:lnL>
-                    <a:lnR w="0" cmpd="sng" algn="ctr" cap="flat">
-                      <a:solidFill>
-                        <a:srgbClr val="FFFFFF">
-                          <a:alpha val="0"/>
-                        </a:srgbClr>
-                      </a:solidFill>
-                      <a:prstDash val="solid"/>
-                    </a:lnR>
-                    <a:lnT w="0" cmpd="sng" algn="ctr" cap="flat">
-                      <a:solidFill>
-                        <a:srgbClr val="FFFFFF">
-                          <a:alpha val="0"/>
-                        </a:srgbClr>
-                      </a:solidFill>
-                      <a:prstDash val="solid"/>
-                    </a:lnT>
-                    <a:lnB w="0" cmpd="sng" algn="ctr" cap="flat">
-                      <a:solidFill>
-                        <a:srgbClr val="FFFFFF">
-                          <a:alpha val="0"/>
-                        </a:srgbClr>
-                      </a:solidFill>
-                      <a:prstDash val="solid"/>
-                    </a:lnB>
-                  </a:tcPr>
-                </a:tc>
-                <a:tc>
-                  <a:txBody>
-                    <a:bodyPr/>
-                    <a:lstStyle/>
-                    <a:p>
-                      <a:pPr algn="r" marL="63500" marR="63500">
-                        <a:lnSpc>
-                          <a:spcPct val="100000"/>
-                        </a:lnSpc>
-                        <a:spcBef>
-                          <a:spcPts val="500"/>
-                        </a:spcBef>
-                        <a:spcAft>
-                          <a:spcPts val="500"/>
-                        </a:spcAft>
-                        <a:buNone/>
-                      </a:pPr>
-                      <a:r>
-                        <a:rPr sz="1100">
-                          <a:solidFill>
-                            <a:srgbClr val="000000">
-                              <a:alpha val="100000"/>
-                            </a:srgbClr>
-                          </a:solidFill>
-                          <a:latin typeface="Helvetica"/>
-                          <a:cs typeface="Helvetica"/>
-                          <a:ea typeface="Helvetica"/>
-                          <a:sym typeface="Helvetica"/>
-                        </a:rPr>
-                        <a:t>70</a:t>
-                      </a:r>
-                    </a:p>
-                  </a:txBody>
-                  <a:tcPr anchor="ctr" marB="0" marT="0" marR="0" marL="0">
-                    <a:lnL w="0" cmpd="sng" algn="ctr" cap="flat">
-                      <a:solidFill>
-                        <a:srgbClr val="FFFFFF">
-                          <a:alpha val="0"/>
-                        </a:srgbClr>
-                      </a:solidFill>
-                      <a:prstDash val="solid"/>
-                    </a:lnL>
-                    <a:lnR w="0" cmpd="sng" algn="ctr" cap="flat">
-                      <a:solidFill>
-                        <a:srgbClr val="FFFFFF">
-                          <a:alpha val="0"/>
-                        </a:srgbClr>
-                      </a:solidFill>
-                      <a:prstDash val="solid"/>
-                    </a:lnR>
-                    <a:lnT w="0" cmpd="sng" algn="ctr" cap="flat">
-                      <a:solidFill>
-                        <a:srgbClr val="FFFFFF">
-                          <a:alpha val="0"/>
-                        </a:srgbClr>
-                      </a:solidFill>
-                      <a:prstDash val="solid"/>
-                    </a:lnT>
-                    <a:lnB w="0" cmpd="sng" algn="ctr" cap="flat">
-                      <a:solidFill>
-                        <a:srgbClr val="FFFFFF">
-                          <a:alpha val="0"/>
-                        </a:srgbClr>
-                      </a:solidFill>
-                      <a:prstDash val="solid"/>
-                    </a:lnB>
-                  </a:tcPr>
-                </a:tc>
-                <a:tc>
-                  <a:txBody>
-                    <a:bodyPr/>
-                    <a:lstStyle/>
-                    <a:p>
-                      <a:pPr algn="l" marL="63500" marR="63500">
-                        <a:lnSpc>
-                          <a:spcPct val="100000"/>
-                        </a:lnSpc>
-                        <a:spcBef>
-                          <a:spcPts val="500"/>
-                        </a:spcBef>
-                        <a:spcAft>
-                          <a:spcPts val="500"/>
-                        </a:spcAft>
-                        <a:buNone/>
-                      </a:pPr>
-                      <a:r>
-                        <a:rPr sz="1100">
-                          <a:solidFill>
-                            <a:srgbClr val="000000">
-                              <a:alpha val="100000"/>
-                            </a:srgbClr>
-                          </a:solidFill>
-                          <a:latin typeface="Helvetica"/>
-                          <a:cs typeface="Helvetica"/>
-                          <a:ea typeface="Helvetica"/>
-                          <a:sym typeface="Helvetica"/>
-                        </a:rPr>
-                        <a:t>Leisure and Hospitality</a:t>
-                      </a:r>
-                    </a:p>
-                  </a:txBody>
-                  <a:tcPr anchor="ctr" marB="0" marT="0" marR="0" marL="0">
-                    <a:lnL w="0" cmpd="sng" algn="ctr" cap="flat">
-                      <a:solidFill>
-                        <a:srgbClr val="FFFFFF">
-                          <a:alpha val="0"/>
-                        </a:srgbClr>
-                      </a:solidFill>
-                      <a:prstDash val="solid"/>
-                    </a:lnL>
-                    <a:lnR w="0" cmpd="sng" algn="ctr" cap="flat">
-                      <a:solidFill>
-                        <a:srgbClr val="FFFFFF">
-                          <a:alpha val="0"/>
-                        </a:srgbClr>
-                      </a:solidFill>
-                      <a:prstDash val="solid"/>
-                    </a:lnR>
-                    <a:lnT w="0" cmpd="sng" algn="ctr" cap="flat">
-                      <a:solidFill>
-                        <a:srgbClr val="FFFFFF">
-                          <a:alpha val="0"/>
-                        </a:srgbClr>
-                      </a:solidFill>
-                      <a:prstDash val="solid"/>
-                    </a:lnT>
-                    <a:lnB w="0" cmpd="sng" algn="ctr" cap="flat">
-                      <a:solidFill>
-                        <a:srgbClr val="FFFFFF">
-                          <a:alpha val="0"/>
-                        </a:srgbClr>
-                      </a:solidFill>
-                      <a:prstDash val="solid"/>
-                    </a:lnB>
-                  </a:tcPr>
-                </a:tc>
-                <a:tc>
-                  <a:txBody>
-                    <a:bodyPr/>
-                    <a:lstStyle/>
-                    <a:p>
-                      <a:pPr algn="r" marL="63500" marR="63500">
-                        <a:lnSpc>
-                          <a:spcPct val="100000"/>
-                        </a:lnSpc>
-                        <a:spcBef>
-                          <a:spcPts val="500"/>
-                        </a:spcBef>
-                        <a:spcAft>
-                          <a:spcPts val="500"/>
-                        </a:spcAft>
-                        <a:buNone/>
-                      </a:pPr>
-                      <a:r>
-                        <a:rPr sz="1100">
-                          <a:solidFill>
-                            <a:srgbClr val="000000">
-                              <a:alpha val="100000"/>
-                            </a:srgbClr>
-                          </a:solidFill>
-                          <a:latin typeface="Helvetica"/>
-                          <a:cs typeface="Helvetica"/>
-                          <a:ea typeface="Helvetica"/>
-                          <a:sym typeface="Helvetica"/>
-                        </a:rPr>
-                        <a:t>13,272,000</a:t>
-                      </a:r>
-                    </a:p>
-                  </a:txBody>
-                  <a:tcPr anchor="ctr" marB="0" marT="0" marR="0" marL="0">
-                    <a:lnL w="0" cmpd="sng" algn="ctr" cap="flat">
-                      <a:solidFill>
-                        <a:srgbClr val="FFFFFF">
-                          <a:alpha val="0"/>
-                        </a:srgbClr>
-                      </a:solidFill>
-                      <a:prstDash val="solid"/>
-                    </a:lnL>
-                    <a:lnR w="0" cmpd="sng" algn="ctr" cap="flat">
-                      <a:solidFill>
-                        <a:srgbClr val="FFFFFF">
-                          <a:alpha val="0"/>
-                        </a:srgbClr>
-                      </a:solidFill>
-                      <a:prstDash val="solid"/>
-                    </a:lnR>
-                    <a:lnT w="0" cmpd="sng" algn="ctr" cap="flat">
-                      <a:solidFill>
-                        <a:srgbClr val="FFFFFF">
-                          <a:alpha val="0"/>
-                        </a:srgbClr>
-                      </a:solidFill>
-                      <a:prstDash val="solid"/>
-                    </a:lnT>
-                    <a:lnB w="0" cmpd="sng" algn="ctr" cap="flat">
-                      <a:solidFill>
-                        <a:srgbClr val="FFFFFF">
-                          <a:alpha val="0"/>
-                        </a:srgbClr>
-                      </a:solidFill>
-                      <a:prstDash val="solid"/>
-                    </a:lnB>
-                  </a:tcPr>
-                </a:tc>
-                <a:tc>
-                  <a:txBody>
-                    <a:bodyPr/>
-                    <a:lstStyle/>
-                    <a:p>
-                      <a:pPr algn="r" marL="63500" marR="63500">
-                        <a:lnSpc>
-                          <a:spcPct val="100000"/>
-                        </a:lnSpc>
-                        <a:spcBef>
-                          <a:spcPts val="500"/>
-                        </a:spcBef>
-                        <a:spcAft>
-                          <a:spcPts val="500"/>
-                        </a:spcAft>
-                        <a:buNone/>
-                      </a:pPr>
-                      <a:r>
-                        <a:rPr sz="1100">
-                          <a:solidFill>
-                            <a:srgbClr val="000000">
-                              <a:alpha val="100000"/>
-                            </a:srgbClr>
-                          </a:solidFill>
-                          <a:latin typeface="Helvetica"/>
-                          <a:cs typeface="Helvetica"/>
-                          <a:ea typeface="Helvetica"/>
-                          <a:sym typeface="Helvetica"/>
-                        </a:rPr>
-                        <a:t>2008-03-01</a:t>
-                      </a:r>
-                    </a:p>
-                  </a:txBody>
-                  <a:tcPr anchor="ctr" marB="0" marT="0" marR="0" marL="0">
-                    <a:lnL w="0" cmpd="sng" algn="ctr" cap="flat">
-                      <a:solidFill>
-                        <a:srgbClr val="FFFFFF">
-                          <a:alpha val="0"/>
-                        </a:srgbClr>
-                      </a:solidFill>
-                      <a:prstDash val="solid"/>
-                    </a:lnL>
-                    <a:lnR w="0" cmpd="sng" algn="ctr" cap="flat">
-                      <a:solidFill>
-                        <a:srgbClr val="FFFFFF">
-                          <a:alpha val="0"/>
-                        </a:srgbClr>
-                      </a:solidFill>
-                      <a:prstDash val="solid"/>
-                    </a:lnR>
-                    <a:lnT w="0" cmpd="sng" algn="ctr" cap="flat">
-                      <a:solidFill>
-                        <a:srgbClr val="FFFFFF">
-                          <a:alpha val="0"/>
-                        </a:srgbClr>
-                      </a:solidFill>
-                      <a:prstDash val="solid"/>
-                    </a:lnT>
-                    <a:lnB w="0" cmpd="sng" algn="ctr" cap="flat">
-                      <a:solidFill>
-                        <a:srgbClr val="FFFFFF">
-                          <a:alpha val="0"/>
-                        </a:srgbClr>
-                      </a:solidFill>
-                      <a:prstDash val="solid"/>
-                    </a:lnB>
-                  </a:tcPr>
-                </a:tc>
-                <a:tc>
-                  <a:txBody>
-                    <a:bodyPr/>
-                    <a:lstStyle/>
-                    <a:p>
-                      <a:pPr algn="r" marL="63500" marR="63500">
-                        <a:lnSpc>
-                          <a:spcPct val="100000"/>
-                        </a:lnSpc>
-                        <a:spcBef>
-                          <a:spcPts val="500"/>
-                        </a:spcBef>
-                        <a:spcAft>
-                          <a:spcPts val="500"/>
-                        </a:spcAft>
-                        <a:buNone/>
-                      </a:pPr>
-                      <a:r>
-                        <a:rPr sz="1100">
-                          <a:solidFill>
-                            <a:srgbClr val="000000">
-                              <a:alpha val="100000"/>
-                            </a:srgbClr>
-                          </a:solidFill>
-                          <a:latin typeface="Helvetica"/>
-                          <a:cs typeface="Helvetica"/>
-                          <a:ea typeface="Helvetica"/>
-                          <a:sym typeface="Helvetica"/>
-                        </a:rPr>
-                        <a:t>1.179359</a:t>
-                      </a:r>
-                    </a:p>
-                  </a:txBody>
-                  <a:tcPr anchor="ctr" marB="0" marT="0" marR="0" marL="0">
-                    <a:lnL w="0" cmpd="sng" algn="ctr" cap="flat">
-                      <a:solidFill>
-                        <a:srgbClr val="FFFFFF">
-                          <a:alpha val="0"/>
-                        </a:srgbClr>
-                      </a:solidFill>
-                      <a:prstDash val="solid"/>
-                    </a:lnL>
-                    <a:lnR w="0" cmpd="sng" algn="ctr" cap="flat">
-                      <a:solidFill>
-                        <a:srgbClr val="FFFFFF">
-                          <a:alpha val="0"/>
-                        </a:srgbClr>
-                      </a:solidFill>
-                      <a:prstDash val="solid"/>
-                    </a:lnR>
-                    <a:lnT w="0" cmpd="sng" algn="ctr" cap="flat">
-                      <a:solidFill>
-                        <a:srgbClr val="FFFFFF">
-                          <a:alpha val="0"/>
-                        </a:srgbClr>
-                      </a:solidFill>
-                      <a:prstDash val="solid"/>
-                    </a:lnT>
-                    <a:lnB w="0" cmpd="sng" algn="ctr" cap="flat">
-                      <a:solidFill>
-                        <a:srgbClr val="FFFFFF">
-                          <a:alpha val="0"/>
-                        </a:srgbClr>
-                      </a:solidFill>
-                      <a:prstDash val="solid"/>
-                    </a:lnB>
-                  </a:tcPr>
-                </a:tc>
-              </a:tr>
-              <a:tr h="228600">
-                <a:tc>
-                  <a:txBody>
-                    <a:bodyPr/>
-                    <a:lstStyle/>
-                    <a:p>
-                      <a:pPr algn="l" marL="63500" marR="63500">
-                        <a:lnSpc>
-                          <a:spcPct val="100000"/>
-                        </a:lnSpc>
-                        <a:spcBef>
-                          <a:spcPts val="500"/>
-                        </a:spcBef>
-                        <a:spcAft>
-                          <a:spcPts val="500"/>
-                        </a:spcAft>
-                        <a:buNone/>
-                      </a:pPr>
-                      <a:r>
-                        <a:rPr sz="1100">
-                          <a:solidFill>
-                            <a:srgbClr val="000000">
-                              <a:alpha val="100000"/>
-                            </a:srgbClr>
-                          </a:solidFill>
-                          <a:latin typeface="Helvetica"/>
-                          <a:cs typeface="Helvetica"/>
-                          <a:ea typeface="Helvetica"/>
-                          <a:sym typeface="Helvetica"/>
-                        </a:rPr>
-                        <a:t>2008-04</a:t>
-                      </a:r>
-                    </a:p>
-                  </a:txBody>
-                  <a:tcPr anchor="ctr" marB="0" marT="0" marR="0" marL="0">
-                    <a:lnL w="0" cmpd="sng" algn="ctr" cap="flat">
-                      <a:solidFill>
-                        <a:srgbClr val="FFFFFF">
-                          <a:alpha val="0"/>
-                        </a:srgbClr>
-                      </a:solidFill>
-                      <a:prstDash val="solid"/>
-                    </a:lnL>
-                    <a:lnR w="0" cmpd="sng" algn="ctr" cap="flat">
-                      <a:solidFill>
-                        <a:srgbClr val="FFFFFF">
-                          <a:alpha val="0"/>
-                        </a:srgbClr>
-                      </a:solidFill>
-                      <a:prstDash val="solid"/>
-                    </a:lnR>
-                    <a:lnT w="0" cmpd="sng" algn="ctr" cap="flat">
-                      <a:solidFill>
-                        <a:srgbClr val="FFFFFF">
-                          <a:alpha val="0"/>
-                        </a:srgbClr>
-                      </a:solidFill>
-                      <a:prstDash val="solid"/>
-                    </a:lnT>
-                    <a:lnB w="25400" cmpd="sng" algn="ctr" cap="flat">
-                      <a:solidFill>
-                        <a:srgbClr val="666666">
-                          <a:alpha val="100000"/>
-                        </a:srgbClr>
-                      </a:solidFill>
-                      <a:prstDash val="solid"/>
-                    </a:lnB>
-                  </a:tcPr>
-                </a:tc>
-                <a:tc>
-                  <a:txBody>
-                    <a:bodyPr/>
-                    <a:lstStyle/>
-                    <a:p>
-                      <a:pPr algn="l" marL="63500" marR="63500">
-                        <a:lnSpc>
-                          <a:spcPct val="100000"/>
-                        </a:lnSpc>
-                        <a:spcBef>
-                          <a:spcPts val="500"/>
-                        </a:spcBef>
-                        <a:spcAft>
-                          <a:spcPts val="500"/>
-                        </a:spcAft>
-                        <a:buNone/>
-                      </a:pPr>
-                      <a:r>
-                        <a:rPr sz="1100">
-                          <a:solidFill>
-                            <a:srgbClr val="000000">
-                              <a:alpha val="100000"/>
-                            </a:srgbClr>
-                          </a:solidFill>
-                          <a:latin typeface="Helvetica"/>
-                          <a:cs typeface="Helvetica"/>
-                          <a:ea typeface="Helvetica"/>
-                          <a:sym typeface="Helvetica"/>
-                        </a:rPr>
-                        <a:t>April, 2008</a:t>
-                      </a:r>
-                    </a:p>
-                  </a:txBody>
-                  <a:tcPr anchor="ctr" marB="0" marT="0" marR="0" marL="0">
-                    <a:lnL w="0" cmpd="sng" algn="ctr" cap="flat">
-                      <a:solidFill>
-                        <a:srgbClr val="FFFFFF">
-                          <a:alpha val="0"/>
-                        </a:srgbClr>
-                      </a:solidFill>
-                      <a:prstDash val="solid"/>
-                    </a:lnL>
-                    <a:lnR w="0" cmpd="sng" algn="ctr" cap="flat">
-                      <a:solidFill>
-                        <a:srgbClr val="FFFFFF">
-                          <a:alpha val="0"/>
-                        </a:srgbClr>
-                      </a:solidFill>
-                      <a:prstDash val="solid"/>
-                    </a:lnR>
-                    <a:lnT w="0" cmpd="sng" algn="ctr" cap="flat">
-                      <a:solidFill>
-                        <a:srgbClr val="FFFFFF">
-                          <a:alpha val="0"/>
-                        </a:srgbClr>
-                      </a:solidFill>
-                      <a:prstDash val="solid"/>
-                    </a:lnT>
-                    <a:lnB w="25400" cmpd="sng" algn="ctr" cap="flat">
-                      <a:solidFill>
-                        <a:srgbClr val="666666">
-                          <a:alpha val="100000"/>
-                        </a:srgbClr>
-                      </a:solidFill>
-                      <a:prstDash val="solid"/>
-                    </a:lnB>
-                  </a:tcPr>
-                </a:tc>
-                <a:tc>
-                  <a:txBody>
-                    <a:bodyPr/>
-                    <a:lstStyle/>
-                    <a:p>
-                      <a:pPr algn="r" marL="63500" marR="63500">
-                        <a:lnSpc>
-                          <a:spcPct val="100000"/>
-                        </a:lnSpc>
-                        <a:spcBef>
-                          <a:spcPts val="500"/>
-                        </a:spcBef>
-                        <a:spcAft>
-                          <a:spcPts val="500"/>
-                        </a:spcAft>
-                        <a:buNone/>
-                      </a:pPr>
-                      <a:r>
-                        <a:rPr sz="1100">
-                          <a:solidFill>
-                            <a:srgbClr val="000000">
-                              <a:alpha val="100000"/>
-                            </a:srgbClr>
-                          </a:solidFill>
-                          <a:latin typeface="Helvetica"/>
-                          <a:cs typeface="Helvetica"/>
-                          <a:ea typeface="Helvetica"/>
-                          <a:sym typeface="Helvetica"/>
-                        </a:rPr>
-                        <a:t>70</a:t>
-                      </a:r>
-                    </a:p>
-                  </a:txBody>
-                  <a:tcPr anchor="ctr" marB="0" marT="0" marR="0" marL="0">
-                    <a:lnL w="0" cmpd="sng" algn="ctr" cap="flat">
-                      <a:solidFill>
-                        <a:srgbClr val="FFFFFF">
-                          <a:alpha val="0"/>
-                        </a:srgbClr>
-                      </a:solidFill>
-                      <a:prstDash val="solid"/>
-                    </a:lnL>
-                    <a:lnR w="0" cmpd="sng" algn="ctr" cap="flat">
-                      <a:solidFill>
-                        <a:srgbClr val="FFFFFF">
-                          <a:alpha val="0"/>
-                        </a:srgbClr>
-                      </a:solidFill>
-                      <a:prstDash val="solid"/>
-                    </a:lnR>
-                    <a:lnT w="0" cmpd="sng" algn="ctr" cap="flat">
-                      <a:solidFill>
-                        <a:srgbClr val="FFFFFF">
-                          <a:alpha val="0"/>
-                        </a:srgbClr>
-                      </a:solidFill>
-                      <a:prstDash val="solid"/>
-                    </a:lnT>
-                    <a:lnB w="25400" cmpd="sng" algn="ctr" cap="flat">
-                      <a:solidFill>
-                        <a:srgbClr val="666666">
-                          <a:alpha val="100000"/>
-                        </a:srgbClr>
-                      </a:solidFill>
-                      <a:prstDash val="solid"/>
-                    </a:lnB>
-                  </a:tcPr>
-                </a:tc>
-                <a:tc>
-                  <a:txBody>
-                    <a:bodyPr/>
-                    <a:lstStyle/>
-                    <a:p>
-                      <a:pPr algn="l" marL="63500" marR="63500">
-                        <a:lnSpc>
-                          <a:spcPct val="100000"/>
-                        </a:lnSpc>
-                        <a:spcBef>
-                          <a:spcPts val="500"/>
-                        </a:spcBef>
-                        <a:spcAft>
-                          <a:spcPts val="500"/>
-                        </a:spcAft>
-                        <a:buNone/>
-                      </a:pPr>
-                      <a:r>
-                        <a:rPr sz="1100">
-                          <a:solidFill>
-                            <a:srgbClr val="000000">
-                              <a:alpha val="100000"/>
-                            </a:srgbClr>
-                          </a:solidFill>
-                          <a:latin typeface="Helvetica"/>
-                          <a:cs typeface="Helvetica"/>
-                          <a:ea typeface="Helvetica"/>
-                          <a:sym typeface="Helvetica"/>
-                        </a:rPr>
-                        <a:t>Leisure and Hospitality</a:t>
-                      </a:r>
-                    </a:p>
-                  </a:txBody>
-                  <a:tcPr anchor="ctr" marB="0" marT="0" marR="0" marL="0">
-                    <a:lnL w="0" cmpd="sng" algn="ctr" cap="flat">
-                      <a:solidFill>
-                        <a:srgbClr val="FFFFFF">
-                          <a:alpha val="0"/>
-                        </a:srgbClr>
-                      </a:solidFill>
-                      <a:prstDash val="solid"/>
-                    </a:lnL>
-                    <a:lnR w="0" cmpd="sng" algn="ctr" cap="flat">
-                      <a:solidFill>
-                        <a:srgbClr val="FFFFFF">
-                          <a:alpha val="0"/>
-                        </a:srgbClr>
-                      </a:solidFill>
-                      <a:prstDash val="solid"/>
-                    </a:lnR>
-                    <a:lnT w="0" cmpd="sng" algn="ctr" cap="flat">
-                      <a:solidFill>
-                        <a:srgbClr val="FFFFFF">
-                          <a:alpha val="0"/>
-                        </a:srgbClr>
-                      </a:solidFill>
-                      <a:prstDash val="solid"/>
-                    </a:lnT>
-                    <a:lnB w="25400" cmpd="sng" algn="ctr" cap="flat">
-                      <a:solidFill>
-                        <a:srgbClr val="666666">
-                          <a:alpha val="100000"/>
-                        </a:srgbClr>
-                      </a:solidFill>
-                      <a:prstDash val="solid"/>
-                    </a:lnB>
-                  </a:tcPr>
-                </a:tc>
-                <a:tc>
-                  <a:txBody>
-                    <a:bodyPr/>
-                    <a:lstStyle/>
-                    <a:p>
-                      <a:pPr algn="r" marL="63500" marR="63500">
-                        <a:lnSpc>
-                          <a:spcPct val="100000"/>
-                        </a:lnSpc>
-                        <a:spcBef>
-                          <a:spcPts val="500"/>
-                        </a:spcBef>
-                        <a:spcAft>
-                          <a:spcPts val="500"/>
-                        </a:spcAft>
-                        <a:buNone/>
-                      </a:pPr>
-                      <a:r>
-                        <a:rPr sz="1100">
-                          <a:solidFill>
-                            <a:srgbClr val="000000">
-                              <a:alpha val="100000"/>
-                            </a:srgbClr>
-                          </a:solidFill>
-                          <a:latin typeface="Helvetica"/>
-                          <a:cs typeface="Helvetica"/>
-                          <a:ea typeface="Helvetica"/>
-                          <a:sym typeface="Helvetica"/>
-                        </a:rPr>
-                        <a:t>13,556,600</a:t>
-                      </a:r>
-                    </a:p>
-                  </a:txBody>
-                  <a:tcPr anchor="ctr" marB="0" marT="0" marR="0" marL="0">
-                    <a:lnL w="0" cmpd="sng" algn="ctr" cap="flat">
-                      <a:solidFill>
-                        <a:srgbClr val="FFFFFF">
-                          <a:alpha val="0"/>
-                        </a:srgbClr>
-                      </a:solidFill>
-                      <a:prstDash val="solid"/>
-                    </a:lnL>
-                    <a:lnR w="0" cmpd="sng" algn="ctr" cap="flat">
-                      <a:solidFill>
-                        <a:srgbClr val="FFFFFF">
-                          <a:alpha val="0"/>
-                        </a:srgbClr>
-                      </a:solidFill>
-                      <a:prstDash val="solid"/>
-                    </a:lnR>
-                    <a:lnT w="0" cmpd="sng" algn="ctr" cap="flat">
-                      <a:solidFill>
-                        <a:srgbClr val="FFFFFF">
-                          <a:alpha val="0"/>
-                        </a:srgbClr>
-                      </a:solidFill>
-                      <a:prstDash val="solid"/>
-                    </a:lnT>
-                    <a:lnB w="25400" cmpd="sng" algn="ctr" cap="flat">
-                      <a:solidFill>
-                        <a:srgbClr val="666666">
-                          <a:alpha val="100000"/>
-                        </a:srgbClr>
-                      </a:solidFill>
-                      <a:prstDash val="solid"/>
-                    </a:lnB>
-                  </a:tcPr>
-                </a:tc>
-                <a:tc>
-                  <a:txBody>
-                    <a:bodyPr/>
-                    <a:lstStyle/>
-                    <a:p>
-                      <a:pPr algn="r" marL="63500" marR="63500">
-                        <a:lnSpc>
-                          <a:spcPct val="100000"/>
-                        </a:lnSpc>
-                        <a:spcBef>
-                          <a:spcPts val="500"/>
-                        </a:spcBef>
-                        <a:spcAft>
-                          <a:spcPts val="500"/>
-                        </a:spcAft>
-                        <a:buNone/>
-                      </a:pPr>
-                      <a:r>
-                        <a:rPr sz="1100">
-                          <a:solidFill>
-                            <a:srgbClr val="000000">
-                              <a:alpha val="100000"/>
-                            </a:srgbClr>
-                          </a:solidFill>
-                          <a:latin typeface="Helvetica"/>
-                          <a:cs typeface="Helvetica"/>
-                          <a:ea typeface="Helvetica"/>
-                          <a:sym typeface="Helvetica"/>
-                        </a:rPr>
-                        <a:t>2008-04-01</a:t>
-                      </a:r>
-                    </a:p>
-                  </a:txBody>
-                  <a:tcPr anchor="ctr" marB="0" marT="0" marR="0" marL="0">
-                    <a:lnL w="0" cmpd="sng" algn="ctr" cap="flat">
-                      <a:solidFill>
-                        <a:srgbClr val="FFFFFF">
-                          <a:alpha val="0"/>
-                        </a:srgbClr>
-                      </a:solidFill>
-                      <a:prstDash val="solid"/>
-                    </a:lnL>
-                    <a:lnR w="0" cmpd="sng" algn="ctr" cap="flat">
-                      <a:solidFill>
-                        <a:srgbClr val="FFFFFF">
-                          <a:alpha val="0"/>
-                        </a:srgbClr>
-                      </a:solidFill>
-                      <a:prstDash val="solid"/>
-                    </a:lnR>
-                    <a:lnT w="0" cmpd="sng" algn="ctr" cap="flat">
-                      <a:solidFill>
-                        <a:srgbClr val="FFFFFF">
-                          <a:alpha val="0"/>
-                        </a:srgbClr>
-                      </a:solidFill>
-                      <a:prstDash val="solid"/>
-                    </a:lnT>
-                    <a:lnB w="25400" cmpd="sng" algn="ctr" cap="flat">
-                      <a:solidFill>
-                        <a:srgbClr val="666666">
-                          <a:alpha val="100000"/>
-                        </a:srgbClr>
-                      </a:solidFill>
-                      <a:prstDash val="solid"/>
-                    </a:lnB>
-                  </a:tcPr>
-                </a:tc>
-                <a:tc>
-                  <a:txBody>
-                    <a:bodyPr/>
-                    <a:lstStyle/>
-                    <a:p>
-                      <a:pPr algn="r" marL="63500" marR="63500">
-                        <a:lnSpc>
-                          <a:spcPct val="100000"/>
-                        </a:lnSpc>
-                        <a:spcBef>
-                          <a:spcPts val="500"/>
-                        </a:spcBef>
-                        <a:spcAft>
-                          <a:spcPts val="500"/>
-                        </a:spcAft>
-                        <a:buNone/>
-                      </a:pPr>
-                      <a:r>
-                        <a:rPr sz="1100">
-                          <a:solidFill>
-                            <a:srgbClr val="000000">
-                              <a:alpha val="100000"/>
-                            </a:srgbClr>
-                          </a:solidFill>
-                          <a:latin typeface="Helvetica"/>
-                          <a:cs typeface="Helvetica"/>
-                          <a:ea typeface="Helvetica"/>
-                          <a:sym typeface="Helvetica"/>
-                        </a:rPr>
-                        <a:t>1.366852</a:t>
-                      </a:r>
-                    </a:p>
-                  </a:txBody>
-                  <a:tcPr anchor="ctr" marB="0" marT="0" marR="0" marL="0">
-                    <a:lnL w="0" cmpd="sng" algn="ctr" cap="flat">
-                      <a:solidFill>
-                        <a:srgbClr val="FFFFFF">
-                          <a:alpha val="0"/>
-                        </a:srgbClr>
-                      </a:solidFill>
-                      <a:prstDash val="solid"/>
-                    </a:lnL>
-                    <a:lnR w="0" cmpd="sng" algn="ctr" cap="flat">
-                      <a:solidFill>
-                        <a:srgbClr val="FFFFFF">
-                          <a:alpha val="0"/>
-                        </a:srgbClr>
-                      </a:solidFill>
-                      <a:prstDash val="solid"/>
-                    </a:lnR>
-                    <a:lnT w="0" cmpd="sng" algn="ctr" cap="flat">
-                      <a:solidFill>
-                        <a:srgbClr val="FFFFFF">
-                          <a:alpha val="0"/>
-                        </a:srgbClr>
-                      </a:solidFill>
-                      <a:prstDash val="solid"/>
-                    </a:lnT>
-                    <a:lnB w="25400" cmpd="sng" algn="ctr" cap="flat">
-                      <a:solidFill>
-                        <a:srgbClr val="666666">
-                          <a:alpha val="100000"/>
-                        </a:srgbClr>
-                      </a:solidFill>
-                      <a:prstDash val="solid"/>
-                    </a:lnB>
-                  </a:tcPr>
-                </a:tc>
-              </a:tr>
-            </a:tbl>
-          </a:graphicData>
-        </a:graphic>
-      </p:graphicFrame>
       <p:sp>
         <p:nvSpPr>
           <p:cNvPr id="3" name="Content Placeholder 2">
@@ -8189,7 +6522,14 @@
             <a:pPr lvl="0"/>
             <a:r>
               <a:rPr/>
-              <a:t>What do you think are the data types for each column of the data?</a:t>
+              <a:t>Let’s look at what is in the data frames for our working examples data.</a:t>
+            </a:r>
+          </a:p>
+          <a:p>
+            <a:pPr lvl="1"/>
+            <a:r>
+              <a:rPr/>
+              <a:t>We will show the first few rows for the food services and R package downloads data sets.</a:t>
             </a:r>
           </a:p>
         </p:txBody>
@@ -8271,14 +6611,14 @@
             </a:pPr>
             <a:r>
               <a:rPr/>
-              <a:t>R Package Downloads</a:t>
+              <a:t>Food Services</a:t>
             </a:r>
           </a:p>
         </p:txBody>
       </p:sp>
       <p:graphicFrame xmlns:a="http://schemas.openxmlformats.org/drawingml/2006/main" xmlns:r="http://schemas.openxmlformats.org/officeDocument/2006/relationships" xmlns:p="http://schemas.openxmlformats.org/presentationml/2006/main">
         <p:nvGraphicFramePr>
-          <p:cNvPr id="66059621" name=""/>
+          <p:cNvPr id="840944437" name=""/>
           <p:cNvGraphicFramePr>
             <a:graphicFrameLocks noGrp="true"/>
           </p:cNvGraphicFramePr>
@@ -8307,7 +6647,7 @@
                     <a:bodyPr/>
                     <a:lstStyle/>
                     <a:p>
-                      <a:pPr algn="r" marL="63500" marR="63500">
+                      <a:pPr algn="l" marL="63500" marR="63500">
                         <a:lnSpc>
                           <a:spcPct val="100000"/>
                         </a:lnSpc>
@@ -8331,7 +6671,7 @@
                           <a:ea typeface="Helvetica"/>
                           <a:sym typeface="Helvetica"/>
                         </a:rPr>
-                        <a:t>date</a:t>
+                        <a:t>Month of Year ID</a:t>
                       </a:r>
                     </a:p>
                   </a:txBody>
@@ -8375,7 +6715,7 @@
                     <a:bodyPr/>
                     <a:lstStyle/>
                     <a:p>
-                      <a:pPr algn="r" marL="63500" marR="63500">
+                      <a:pPr algn="l" marL="63500" marR="63500">
                         <a:lnSpc>
                           <a:spcPct val="100000"/>
                         </a:lnSpc>
@@ -8399,7 +6739,7 @@
                           <a:ea typeface="Helvetica"/>
                           <a:sym typeface="Helvetica"/>
                         </a:rPr>
-                        <a:t>time</a:t>
+                        <a:t>Month of Year</a:t>
                       </a:r>
                     </a:p>
                   </a:txBody>
@@ -8467,7 +6807,7 @@
                           <a:ea typeface="Helvetica"/>
                           <a:sym typeface="Helvetica"/>
                         </a:rPr>
-                        <a:t>size</a:t>
+                        <a:t>Supersector ID</a:t>
                       </a:r>
                     </a:p>
                   </a:txBody>
@@ -8535,7 +6875,7 @@
                           <a:ea typeface="Helvetica"/>
                           <a:sym typeface="Helvetica"/>
                         </a:rPr>
-                        <a:t>version</a:t>
+                        <a:t>Supersector</a:t>
                       </a:r>
                     </a:p>
                   </a:txBody>
@@ -8579,7 +6919,7 @@
                     <a:bodyPr/>
                     <a:lstStyle/>
                     <a:p>
-                      <a:pPr algn="l" marL="63500" marR="63500">
+                      <a:pPr algn="r" marL="63500" marR="63500">
                         <a:lnSpc>
                           <a:spcPct val="100000"/>
                         </a:lnSpc>
@@ -8603,7 +6943,7 @@
                           <a:ea typeface="Helvetica"/>
                           <a:sym typeface="Helvetica"/>
                         </a:rPr>
-                        <a:t>os</a:t>
+                        <a:t>NSA Employees</a:t>
                       </a:r>
                     </a:p>
                   </a:txBody>
@@ -8647,7 +6987,7 @@
                     <a:bodyPr/>
                     <a:lstStyle/>
                     <a:p>
-                      <a:pPr algn="l" marL="63500" marR="63500">
+                      <a:pPr algn="r" marL="63500" marR="63500">
                         <a:lnSpc>
                           <a:spcPct val="100000"/>
                         </a:lnSpc>
@@ -8671,7 +7011,7 @@
                           <a:ea typeface="Helvetica"/>
                           <a:sym typeface="Helvetica"/>
                         </a:rPr>
-                        <a:t>country</a:t>
+                        <a:t>Date</a:t>
                       </a:r>
                     </a:p>
                   </a:txBody>
@@ -8739,7 +7079,7 @@
                           <a:ea typeface="Helvetica"/>
                           <a:sym typeface="Helvetica"/>
                         </a:rPr>
-                        <a:t>ip_id</a:t>
+                        <a:t>NSA Employees Growth</a:t>
                       </a:r>
                     </a:p>
                   </a:txBody>
@@ -8785,7 +7125,7 @@
                     <a:bodyPr/>
                     <a:lstStyle/>
                     <a:p>
-                      <a:pPr algn="r" marL="63500" marR="63500">
+                      <a:pPr algn="l" marL="63500" marR="63500">
                         <a:lnSpc>
                           <a:spcPct val="100000"/>
                         </a:lnSpc>
@@ -8809,7 +7149,7 @@
                           <a:ea typeface="Helvetica"/>
                           <a:sym typeface="Helvetica"/>
                         </a:rPr>
-                        <a:t>2018-10-23</a:t>
+                        <a:t>2008-01</a:t>
                       </a:r>
                     </a:p>
                   </a:txBody>
@@ -8853,7 +7193,7 @@
                     <a:bodyPr/>
                     <a:lstStyle/>
                     <a:p>
-                      <a:pPr algn="r" marL="63500" marR="63500">
+                      <a:pPr algn="l" marL="63500" marR="63500">
                         <a:lnSpc>
                           <a:spcPct val="100000"/>
                         </a:lnSpc>
@@ -8877,7 +7217,7 @@
                           <a:ea typeface="Helvetica"/>
                           <a:sym typeface="Helvetica"/>
                         </a:rPr>
-                        <a:t>18:20:45</a:t>
+                        <a:t>January, 2008</a:t>
                       </a:r>
                     </a:p>
                   </a:txBody>
@@ -8945,7 +7285,7 @@
                           <a:ea typeface="Helvetica"/>
                           <a:sym typeface="Helvetica"/>
                         </a:rPr>
-                        <a:t>82,877,758</a:t>
+                        <a:t>70</a:t>
                       </a:r>
                     </a:p>
                   </a:txBody>
@@ -9013,7 +7353,7 @@
                           <a:ea typeface="Helvetica"/>
                           <a:sym typeface="Helvetica"/>
                         </a:rPr>
-                        <a:t>3.5.1</a:t>
+                        <a:t>Leisure and Hospitality</a:t>
                       </a:r>
                     </a:p>
                   </a:txBody>
@@ -9057,7 +7397,7 @@
                     <a:bodyPr/>
                     <a:lstStyle/>
                     <a:p>
-                      <a:pPr algn="l" marL="63500" marR="63500">
+                      <a:pPr algn="r" marL="63500" marR="63500">
                         <a:lnSpc>
                           <a:spcPct val="100000"/>
                         </a:lnSpc>
@@ -9081,7 +7421,7 @@
                           <a:ea typeface="Helvetica"/>
                           <a:sym typeface="Helvetica"/>
                         </a:rPr>
-                        <a:t>win</a:t>
+                        <a:t>12,946,400</a:t>
                       </a:r>
                     </a:p>
                   </a:txBody>
@@ -9125,7 +7465,7 @@
                     <a:bodyPr/>
                     <a:lstStyle/>
                     <a:p>
-                      <a:pPr algn="l" marL="63500" marR="63500">
+                      <a:pPr algn="r" marL="63500" marR="63500">
                         <a:lnSpc>
                           <a:spcPct val="100000"/>
                         </a:lnSpc>
@@ -9149,7 +7489,7 @@
                           <a:ea typeface="Helvetica"/>
                           <a:sym typeface="Helvetica"/>
                         </a:rPr>
-                        <a:t>US</a:t>
+                        <a:t>2008-01-01</a:t>
                       </a:r>
                     </a:p>
                   </a:txBody>
@@ -9217,7 +7557,7 @@
                           <a:ea typeface="Helvetica"/>
                           <a:sym typeface="Helvetica"/>
                         </a:rPr>
-                        <a:t>1</a:t>
+                        <a:t>1.662387</a:t>
                       </a:r>
                     </a:p>
                   </a:txBody>
@@ -9263,7 +7603,7 @@
                     <a:bodyPr/>
                     <a:lstStyle/>
                     <a:p>
-                      <a:pPr algn="r" marL="63500" marR="63500">
+                      <a:pPr algn="l" marL="63500" marR="63500">
                         <a:lnSpc>
                           <a:spcPct val="100000"/>
                         </a:lnSpc>
@@ -9287,7 +7627,7 @@
                           <a:ea typeface="Helvetica"/>
                           <a:sym typeface="Helvetica"/>
                         </a:rPr>
-                        <a:t>2018-10-23</a:t>
+                        <a:t>2008-02</a:t>
                       </a:r>
                     </a:p>
                   </a:txBody>
@@ -9331,7 +7671,7 @@
                     <a:bodyPr/>
                     <a:lstStyle/>
                     <a:p>
-                      <a:pPr algn="r" marL="63500" marR="63500">
+                      <a:pPr algn="l" marL="63500" marR="63500">
                         <a:lnSpc>
                           <a:spcPct val="100000"/>
                         </a:lnSpc>
@@ -9355,7 +7695,7 @@
                           <a:ea typeface="Helvetica"/>
                           <a:sym typeface="Helvetica"/>
                         </a:rPr>
-                        <a:t>18:20:42</a:t>
+                        <a:t>February, 2008</a:t>
                       </a:r>
                     </a:p>
                   </a:txBody>
@@ -9423,7 +7763,7 @@
                           <a:ea typeface="Helvetica"/>
                           <a:sym typeface="Helvetica"/>
                         </a:rPr>
-                        <a:t>77,627,379</a:t>
+                        <a:t>70</a:t>
                       </a:r>
                     </a:p>
                   </a:txBody>
@@ -9491,7 +7831,7 @@
                           <a:ea typeface="Helvetica"/>
                           <a:sym typeface="Helvetica"/>
                         </a:rPr>
-                        <a:t>3.5.1</a:t>
+                        <a:t>Leisure and Hospitality</a:t>
                       </a:r>
                     </a:p>
                   </a:txBody>
@@ -9535,7 +7875,7 @@
                     <a:bodyPr/>
                     <a:lstStyle/>
                     <a:p>
-                      <a:pPr algn="l" marL="63500" marR="63500">
+                      <a:pPr algn="r" marL="63500" marR="63500">
                         <a:lnSpc>
                           <a:spcPct val="100000"/>
                         </a:lnSpc>
@@ -9559,7 +7899,7 @@
                           <a:ea typeface="Helvetica"/>
                           <a:sym typeface="Helvetica"/>
                         </a:rPr>
-                        <a:t>osx</a:t>
+                        <a:t>13,057,000</a:t>
                       </a:r>
                     </a:p>
                   </a:txBody>
@@ -9603,7 +7943,7 @@
                     <a:bodyPr/>
                     <a:lstStyle/>
                     <a:p>
-                      <a:pPr algn="l" marL="63500" marR="63500">
+                      <a:pPr algn="r" marL="63500" marR="63500">
                         <a:lnSpc>
                           <a:spcPct val="100000"/>
                         </a:lnSpc>
@@ -9627,7 +7967,7 @@
                           <a:ea typeface="Helvetica"/>
                           <a:sym typeface="Helvetica"/>
                         </a:rPr>
-                        <a:t>US</a:t>
+                        <a:t>2008-02-01</a:t>
                       </a:r>
                     </a:p>
                   </a:txBody>
@@ -9695,7 +8035,7 @@
                           <a:ea typeface="Helvetica"/>
                           <a:sym typeface="Helvetica"/>
                         </a:rPr>
-                        <a:t>2</a:t>
+                        <a:t>1.606941</a:t>
                       </a:r>
                     </a:p>
                   </a:txBody>
@@ -9741,7 +8081,7 @@
                     <a:bodyPr/>
                     <a:lstStyle/>
                     <a:p>
-                      <a:pPr algn="r" marL="63500" marR="63500">
+                      <a:pPr algn="l" marL="63500" marR="63500">
                         <a:lnSpc>
                           <a:spcPct val="100000"/>
                         </a:lnSpc>
@@ -9765,7 +8105,7 @@
                           <a:ea typeface="Helvetica"/>
                           <a:sym typeface="Helvetica"/>
                         </a:rPr>
-                        <a:t>2018-10-23</a:t>
+                        <a:t>2008-03</a:t>
                       </a:r>
                     </a:p>
                   </a:txBody>
@@ -9809,7 +8149,7 @@
                     <a:bodyPr/>
                     <a:lstStyle/>
                     <a:p>
-                      <a:pPr algn="r" marL="63500" marR="63500">
+                      <a:pPr algn="l" marL="63500" marR="63500">
                         <a:lnSpc>
                           <a:spcPct val="100000"/>
                         </a:lnSpc>
@@ -9833,7 +8173,7 @@
                           <a:ea typeface="Helvetica"/>
                           <a:sym typeface="Helvetica"/>
                         </a:rPr>
-                        <a:t>18:20:51</a:t>
+                        <a:t>March, 2008</a:t>
                       </a:r>
                     </a:p>
                   </a:txBody>
@@ -9901,7 +8241,7 @@
                           <a:ea typeface="Helvetica"/>
                           <a:sym typeface="Helvetica"/>
                         </a:rPr>
-                        <a:t>82,970,566</a:t>
+                        <a:t>70</a:t>
                       </a:r>
                     </a:p>
                   </a:txBody>
@@ -9969,7 +8309,7 @@
                           <a:ea typeface="Helvetica"/>
                           <a:sym typeface="Helvetica"/>
                         </a:rPr>
-                        <a:t>3.5.1</a:t>
+                        <a:t>Leisure and Hospitality</a:t>
                       </a:r>
                     </a:p>
                   </a:txBody>
@@ -10013,7 +8353,7 @@
                     <a:bodyPr/>
                     <a:lstStyle/>
                     <a:p>
-                      <a:pPr algn="l" marL="63500" marR="63500">
+                      <a:pPr algn="r" marL="63500" marR="63500">
                         <a:lnSpc>
                           <a:spcPct val="100000"/>
                         </a:lnSpc>
@@ -10037,7 +8377,7 @@
                           <a:ea typeface="Helvetica"/>
                           <a:sym typeface="Helvetica"/>
                         </a:rPr>
-                        <a:t>win</a:t>
+                        <a:t>13,272,000</a:t>
                       </a:r>
                     </a:p>
                   </a:txBody>
@@ -10081,7 +8421,7 @@
                     <a:bodyPr/>
                     <a:lstStyle/>
                     <a:p>
-                      <a:pPr algn="l" marL="63500" marR="63500">
+                      <a:pPr algn="r" marL="63500" marR="63500">
                         <a:lnSpc>
                           <a:spcPct val="100000"/>
                         </a:lnSpc>
@@ -10105,7 +8445,7 @@
                           <a:ea typeface="Helvetica"/>
                           <a:sym typeface="Helvetica"/>
                         </a:rPr>
-                        <a:t>US</a:t>
+                        <a:t>2008-03-01</a:t>
                       </a:r>
                     </a:p>
                   </a:txBody>
@@ -10173,7 +8513,7 @@
                           <a:ea typeface="Helvetica"/>
                           <a:sym typeface="Helvetica"/>
                         </a:rPr>
-                        <a:t>3</a:t>
+                        <a:t>1.179359</a:t>
                       </a:r>
                     </a:p>
                   </a:txBody>
@@ -10219,7 +8559,7 @@
                     <a:bodyPr/>
                     <a:lstStyle/>
                     <a:p>
-                      <a:pPr algn="r" marL="63500" marR="63500">
+                      <a:pPr algn="l" marL="63500" marR="63500">
                         <a:lnSpc>
                           <a:spcPct val="100000"/>
                         </a:lnSpc>
@@ -10243,7 +8583,7 @@
                           <a:ea typeface="Helvetica"/>
                           <a:sym typeface="Helvetica"/>
                         </a:rPr>
-                        <a:t>2018-10-23</a:t>
+                        <a:t>2008-04</a:t>
                       </a:r>
                     </a:p>
                   </a:txBody>
@@ -10287,7 +8627,7 @@
                     <a:bodyPr/>
                     <a:lstStyle/>
                     <a:p>
-                      <a:pPr algn="r" marL="63500" marR="63500">
+                      <a:pPr algn="l" marL="63500" marR="63500">
                         <a:lnSpc>
                           <a:spcPct val="100000"/>
                         </a:lnSpc>
@@ -10311,7 +8651,7 @@
                           <a:ea typeface="Helvetica"/>
                           <a:sym typeface="Helvetica"/>
                         </a:rPr>
-                        <a:t>18:20:51</a:t>
+                        <a:t>April, 2008</a:t>
                       </a:r>
                     </a:p>
                   </a:txBody>
@@ -10379,7 +8719,7 @@
                           <a:ea typeface="Helvetica"/>
                           <a:sym typeface="Helvetica"/>
                         </a:rPr>
-                        <a:t>1,394,694</a:t>
+                        <a:t>70</a:t>
                       </a:r>
                     </a:p>
                   </a:txBody>
@@ -10447,7 +8787,7 @@
                           <a:ea typeface="Helvetica"/>
                           <a:sym typeface="Helvetica"/>
                         </a:rPr>
-                        <a:t>3.5.1</a:t>
+                        <a:t>Leisure and Hospitality</a:t>
                       </a:r>
                     </a:p>
                   </a:txBody>
@@ -10491,7 +8831,7 @@
                     <a:bodyPr/>
                     <a:lstStyle/>
                     <a:p>
-                      <a:pPr algn="l" marL="63500" marR="63500">
+                      <a:pPr algn="r" marL="63500" marR="63500">
                         <a:lnSpc>
                           <a:spcPct val="100000"/>
                         </a:lnSpc>
@@ -10515,7 +8855,7 @@
                           <a:ea typeface="Helvetica"/>
                           <a:sym typeface="Helvetica"/>
                         </a:rPr>
-                        <a:t>win</a:t>
+                        <a:t>13,556,600</a:t>
                       </a:r>
                     </a:p>
                   </a:txBody>
@@ -10559,7 +8899,7 @@
                     <a:bodyPr/>
                     <a:lstStyle/>
                     <a:p>
-                      <a:pPr algn="l" marL="63500" marR="63500">
+                      <a:pPr algn="r" marL="63500" marR="63500">
                         <a:lnSpc>
                           <a:spcPct val="100000"/>
                         </a:lnSpc>
@@ -10583,7 +8923,7 @@
                           <a:ea typeface="Helvetica"/>
                           <a:sym typeface="Helvetica"/>
                         </a:rPr>
-                        <a:t>CA</a:t>
+                        <a:t>2008-04-01</a:t>
                       </a:r>
                     </a:p>
                   </a:txBody>
@@ -10651,7 +8991,7 @@
                           <a:ea typeface="Helvetica"/>
                           <a:sym typeface="Helvetica"/>
                         </a:rPr>
-                        <a:t>4</a:t>
+                        <a:t>1.366852</a:t>
                       </a:r>
                     </a:p>
                   </a:txBody>
@@ -10801,11 +9141,2430 @@
             </a:pPr>
             <a:r>
               <a:rPr/>
-              <a:t>Date and Time Data</a:t>
+              <a:t>R Package Downloads</a:t>
             </a:r>
           </a:p>
         </p:txBody>
       </p:sp>
+      <p:graphicFrame xmlns:a="http://schemas.openxmlformats.org/drawingml/2006/main" xmlns:r="http://schemas.openxmlformats.org/officeDocument/2006/relationships" xmlns:p="http://schemas.openxmlformats.org/presentationml/2006/main">
+        <p:nvGraphicFramePr>
+          <p:cNvPr id="588664063" name=""/>
+          <p:cNvGraphicFramePr>
+            <a:graphicFrameLocks noGrp="true"/>
+          </p:cNvGraphicFramePr>
+          <p:nvPr/>
+        </p:nvGraphicFramePr>
+        <p:xfrm rot="0">
+          <a:off x="914400" y="1828800"/>
+          <a:ext cx="9144000" cy="5486400"/>
+        </p:xfrm>
+        <a:graphic>
+          <a:graphicData uri="http://schemas.openxmlformats.org/drawingml/2006/table">
+            <a:tbl>
+              <a:tblPr/>
+              <a:tblGrid>
+                <a:gridCol w="685800"/>
+                <a:gridCol w="685800"/>
+                <a:gridCol w="685800"/>
+                <a:gridCol w="685800"/>
+                <a:gridCol w="685800"/>
+                <a:gridCol w="685800"/>
+                <a:gridCol w="685800"/>
+              </a:tblGrid>
+              <a:tr h="228600">
+                <a:tc>
+                  <a:txBody>
+                    <a:bodyPr/>
+                    <a:lstStyle/>
+                    <a:p>
+                      <a:pPr algn="r" marL="63500" marR="63500">
+                        <a:lnSpc>
+                          <a:spcPct val="100000"/>
+                        </a:lnSpc>
+                        <a:spcBef>
+                          <a:spcPts val="500"/>
+                        </a:spcBef>
+                        <a:spcAft>
+                          <a:spcPts val="500"/>
+                        </a:spcAft>
+                        <a:buNone/>
+                      </a:pPr>
+                      <a:r>
+                        <a:rPr sz="1100">
+                          <a:solidFill>
+                            <a:srgbClr val="000000">
+                              <a:alpha val="100000"/>
+                            </a:srgbClr>
+                          </a:solidFill>
+                          <a:latin typeface="Helvetica"/>
+                          <a:cs typeface="Helvetica"/>
+                          <a:ea typeface="Helvetica"/>
+                          <a:sym typeface="Helvetica"/>
+                        </a:rPr>
+                        <a:t>date</a:t>
+                      </a:r>
+                    </a:p>
+                  </a:txBody>
+                  <a:tcPr anchor="ctr" marB="0" marT="0" marR="0" marL="0">
+                    <a:lnL w="0" cmpd="sng" algn="ctr" cap="flat">
+                      <a:solidFill>
+                        <a:srgbClr val="FFFFFF">
+                          <a:alpha val="0"/>
+                        </a:srgbClr>
+                      </a:solidFill>
+                      <a:prstDash val="solid"/>
+                    </a:lnL>
+                    <a:lnR w="0" cmpd="sng" algn="ctr" cap="flat">
+                      <a:solidFill>
+                        <a:srgbClr val="FFFFFF">
+                          <a:alpha val="0"/>
+                        </a:srgbClr>
+                      </a:solidFill>
+                      <a:prstDash val="solid"/>
+                    </a:lnR>
+                    <a:lnT w="25400" cmpd="sng" algn="ctr" cap="flat">
+                      <a:solidFill>
+                        <a:srgbClr val="666666">
+                          <a:alpha val="100000"/>
+                        </a:srgbClr>
+                      </a:solidFill>
+                      <a:prstDash val="solid"/>
+                    </a:lnT>
+                    <a:lnB w="25400" cmpd="sng" algn="ctr" cap="flat">
+                      <a:solidFill>
+                        <a:srgbClr val="666666">
+                          <a:alpha val="100000"/>
+                        </a:srgbClr>
+                      </a:solidFill>
+                      <a:prstDash val="solid"/>
+                    </a:lnB>
+                  </a:tcPr>
+                </a:tc>
+                <a:tc>
+                  <a:txBody>
+                    <a:bodyPr/>
+                    <a:lstStyle/>
+                    <a:p>
+                      <a:pPr algn="r" marL="63500" marR="63500">
+                        <a:lnSpc>
+                          <a:spcPct val="100000"/>
+                        </a:lnSpc>
+                        <a:spcBef>
+                          <a:spcPts val="500"/>
+                        </a:spcBef>
+                        <a:spcAft>
+                          <a:spcPts val="500"/>
+                        </a:spcAft>
+                        <a:buNone/>
+                      </a:pPr>
+                      <a:r>
+                        <a:rPr sz="1100">
+                          <a:solidFill>
+                            <a:srgbClr val="000000">
+                              <a:alpha val="100000"/>
+                            </a:srgbClr>
+                          </a:solidFill>
+                          <a:latin typeface="Helvetica"/>
+                          <a:cs typeface="Helvetica"/>
+                          <a:ea typeface="Helvetica"/>
+                          <a:sym typeface="Helvetica"/>
+                        </a:rPr>
+                        <a:t>time</a:t>
+                      </a:r>
+                    </a:p>
+                  </a:txBody>
+                  <a:tcPr anchor="ctr" marB="0" marT="0" marR="0" marL="0">
+                    <a:lnL w="0" cmpd="sng" algn="ctr" cap="flat">
+                      <a:solidFill>
+                        <a:srgbClr val="FFFFFF">
+                          <a:alpha val="0"/>
+                        </a:srgbClr>
+                      </a:solidFill>
+                      <a:prstDash val="solid"/>
+                    </a:lnL>
+                    <a:lnR w="0" cmpd="sng" algn="ctr" cap="flat">
+                      <a:solidFill>
+                        <a:srgbClr val="FFFFFF">
+                          <a:alpha val="0"/>
+                        </a:srgbClr>
+                      </a:solidFill>
+                      <a:prstDash val="solid"/>
+                    </a:lnR>
+                    <a:lnT w="25400" cmpd="sng" algn="ctr" cap="flat">
+                      <a:solidFill>
+                        <a:srgbClr val="666666">
+                          <a:alpha val="100000"/>
+                        </a:srgbClr>
+                      </a:solidFill>
+                      <a:prstDash val="solid"/>
+                    </a:lnT>
+                    <a:lnB w="25400" cmpd="sng" algn="ctr" cap="flat">
+                      <a:solidFill>
+                        <a:srgbClr val="666666">
+                          <a:alpha val="100000"/>
+                        </a:srgbClr>
+                      </a:solidFill>
+                      <a:prstDash val="solid"/>
+                    </a:lnB>
+                  </a:tcPr>
+                </a:tc>
+                <a:tc>
+                  <a:txBody>
+                    <a:bodyPr/>
+                    <a:lstStyle/>
+                    <a:p>
+                      <a:pPr algn="r" marL="63500" marR="63500">
+                        <a:lnSpc>
+                          <a:spcPct val="100000"/>
+                        </a:lnSpc>
+                        <a:spcBef>
+                          <a:spcPts val="500"/>
+                        </a:spcBef>
+                        <a:spcAft>
+                          <a:spcPts val="500"/>
+                        </a:spcAft>
+                        <a:buNone/>
+                      </a:pPr>
+                      <a:r>
+                        <a:rPr sz="1100">
+                          <a:solidFill>
+                            <a:srgbClr val="000000">
+                              <a:alpha val="100000"/>
+                            </a:srgbClr>
+                          </a:solidFill>
+                          <a:latin typeface="Helvetica"/>
+                          <a:cs typeface="Helvetica"/>
+                          <a:ea typeface="Helvetica"/>
+                          <a:sym typeface="Helvetica"/>
+                        </a:rPr>
+                        <a:t>size</a:t>
+                      </a:r>
+                    </a:p>
+                  </a:txBody>
+                  <a:tcPr anchor="ctr" marB="0" marT="0" marR="0" marL="0">
+                    <a:lnL w="0" cmpd="sng" algn="ctr" cap="flat">
+                      <a:solidFill>
+                        <a:srgbClr val="FFFFFF">
+                          <a:alpha val="0"/>
+                        </a:srgbClr>
+                      </a:solidFill>
+                      <a:prstDash val="solid"/>
+                    </a:lnL>
+                    <a:lnR w="0" cmpd="sng" algn="ctr" cap="flat">
+                      <a:solidFill>
+                        <a:srgbClr val="FFFFFF">
+                          <a:alpha val="0"/>
+                        </a:srgbClr>
+                      </a:solidFill>
+                      <a:prstDash val="solid"/>
+                    </a:lnR>
+                    <a:lnT w="25400" cmpd="sng" algn="ctr" cap="flat">
+                      <a:solidFill>
+                        <a:srgbClr val="666666">
+                          <a:alpha val="100000"/>
+                        </a:srgbClr>
+                      </a:solidFill>
+                      <a:prstDash val="solid"/>
+                    </a:lnT>
+                    <a:lnB w="25400" cmpd="sng" algn="ctr" cap="flat">
+                      <a:solidFill>
+                        <a:srgbClr val="666666">
+                          <a:alpha val="100000"/>
+                        </a:srgbClr>
+                      </a:solidFill>
+                      <a:prstDash val="solid"/>
+                    </a:lnB>
+                  </a:tcPr>
+                </a:tc>
+                <a:tc>
+                  <a:txBody>
+                    <a:bodyPr/>
+                    <a:lstStyle/>
+                    <a:p>
+                      <a:pPr algn="l" marL="63500" marR="63500">
+                        <a:lnSpc>
+                          <a:spcPct val="100000"/>
+                        </a:lnSpc>
+                        <a:spcBef>
+                          <a:spcPts val="500"/>
+                        </a:spcBef>
+                        <a:spcAft>
+                          <a:spcPts val="500"/>
+                        </a:spcAft>
+                        <a:buNone/>
+                      </a:pPr>
+                      <a:r>
+                        <a:rPr sz="1100">
+                          <a:solidFill>
+                            <a:srgbClr val="000000">
+                              <a:alpha val="100000"/>
+                            </a:srgbClr>
+                          </a:solidFill>
+                          <a:latin typeface="Helvetica"/>
+                          <a:cs typeface="Helvetica"/>
+                          <a:ea typeface="Helvetica"/>
+                          <a:sym typeface="Helvetica"/>
+                        </a:rPr>
+                        <a:t>version</a:t>
+                      </a:r>
+                    </a:p>
+                  </a:txBody>
+                  <a:tcPr anchor="ctr" marB="0" marT="0" marR="0" marL="0">
+                    <a:lnL w="0" cmpd="sng" algn="ctr" cap="flat">
+                      <a:solidFill>
+                        <a:srgbClr val="FFFFFF">
+                          <a:alpha val="0"/>
+                        </a:srgbClr>
+                      </a:solidFill>
+                      <a:prstDash val="solid"/>
+                    </a:lnL>
+                    <a:lnR w="0" cmpd="sng" algn="ctr" cap="flat">
+                      <a:solidFill>
+                        <a:srgbClr val="FFFFFF">
+                          <a:alpha val="0"/>
+                        </a:srgbClr>
+                      </a:solidFill>
+                      <a:prstDash val="solid"/>
+                    </a:lnR>
+                    <a:lnT w="25400" cmpd="sng" algn="ctr" cap="flat">
+                      <a:solidFill>
+                        <a:srgbClr val="666666">
+                          <a:alpha val="100000"/>
+                        </a:srgbClr>
+                      </a:solidFill>
+                      <a:prstDash val="solid"/>
+                    </a:lnT>
+                    <a:lnB w="25400" cmpd="sng" algn="ctr" cap="flat">
+                      <a:solidFill>
+                        <a:srgbClr val="666666">
+                          <a:alpha val="100000"/>
+                        </a:srgbClr>
+                      </a:solidFill>
+                      <a:prstDash val="solid"/>
+                    </a:lnB>
+                  </a:tcPr>
+                </a:tc>
+                <a:tc>
+                  <a:txBody>
+                    <a:bodyPr/>
+                    <a:lstStyle/>
+                    <a:p>
+                      <a:pPr algn="l" marL="63500" marR="63500">
+                        <a:lnSpc>
+                          <a:spcPct val="100000"/>
+                        </a:lnSpc>
+                        <a:spcBef>
+                          <a:spcPts val="500"/>
+                        </a:spcBef>
+                        <a:spcAft>
+                          <a:spcPts val="500"/>
+                        </a:spcAft>
+                        <a:buNone/>
+                      </a:pPr>
+                      <a:r>
+                        <a:rPr sz="1100">
+                          <a:solidFill>
+                            <a:srgbClr val="000000">
+                              <a:alpha val="100000"/>
+                            </a:srgbClr>
+                          </a:solidFill>
+                          <a:latin typeface="Helvetica"/>
+                          <a:cs typeface="Helvetica"/>
+                          <a:ea typeface="Helvetica"/>
+                          <a:sym typeface="Helvetica"/>
+                        </a:rPr>
+                        <a:t>os</a:t>
+                      </a:r>
+                    </a:p>
+                  </a:txBody>
+                  <a:tcPr anchor="ctr" marB="0" marT="0" marR="0" marL="0">
+                    <a:lnL w="0" cmpd="sng" algn="ctr" cap="flat">
+                      <a:solidFill>
+                        <a:srgbClr val="FFFFFF">
+                          <a:alpha val="0"/>
+                        </a:srgbClr>
+                      </a:solidFill>
+                      <a:prstDash val="solid"/>
+                    </a:lnL>
+                    <a:lnR w="0" cmpd="sng" algn="ctr" cap="flat">
+                      <a:solidFill>
+                        <a:srgbClr val="FFFFFF">
+                          <a:alpha val="0"/>
+                        </a:srgbClr>
+                      </a:solidFill>
+                      <a:prstDash val="solid"/>
+                    </a:lnR>
+                    <a:lnT w="25400" cmpd="sng" algn="ctr" cap="flat">
+                      <a:solidFill>
+                        <a:srgbClr val="666666">
+                          <a:alpha val="100000"/>
+                        </a:srgbClr>
+                      </a:solidFill>
+                      <a:prstDash val="solid"/>
+                    </a:lnT>
+                    <a:lnB w="25400" cmpd="sng" algn="ctr" cap="flat">
+                      <a:solidFill>
+                        <a:srgbClr val="666666">
+                          <a:alpha val="100000"/>
+                        </a:srgbClr>
+                      </a:solidFill>
+                      <a:prstDash val="solid"/>
+                    </a:lnB>
+                  </a:tcPr>
+                </a:tc>
+                <a:tc>
+                  <a:txBody>
+                    <a:bodyPr/>
+                    <a:lstStyle/>
+                    <a:p>
+                      <a:pPr algn="l" marL="63500" marR="63500">
+                        <a:lnSpc>
+                          <a:spcPct val="100000"/>
+                        </a:lnSpc>
+                        <a:spcBef>
+                          <a:spcPts val="500"/>
+                        </a:spcBef>
+                        <a:spcAft>
+                          <a:spcPts val="500"/>
+                        </a:spcAft>
+                        <a:buNone/>
+                      </a:pPr>
+                      <a:r>
+                        <a:rPr sz="1100">
+                          <a:solidFill>
+                            <a:srgbClr val="000000">
+                              <a:alpha val="100000"/>
+                            </a:srgbClr>
+                          </a:solidFill>
+                          <a:latin typeface="Helvetica"/>
+                          <a:cs typeface="Helvetica"/>
+                          <a:ea typeface="Helvetica"/>
+                          <a:sym typeface="Helvetica"/>
+                        </a:rPr>
+                        <a:t>country</a:t>
+                      </a:r>
+                    </a:p>
+                  </a:txBody>
+                  <a:tcPr anchor="ctr" marB="0" marT="0" marR="0" marL="0">
+                    <a:lnL w="0" cmpd="sng" algn="ctr" cap="flat">
+                      <a:solidFill>
+                        <a:srgbClr val="FFFFFF">
+                          <a:alpha val="0"/>
+                        </a:srgbClr>
+                      </a:solidFill>
+                      <a:prstDash val="solid"/>
+                    </a:lnL>
+                    <a:lnR w="0" cmpd="sng" algn="ctr" cap="flat">
+                      <a:solidFill>
+                        <a:srgbClr val="FFFFFF">
+                          <a:alpha val="0"/>
+                        </a:srgbClr>
+                      </a:solidFill>
+                      <a:prstDash val="solid"/>
+                    </a:lnR>
+                    <a:lnT w="25400" cmpd="sng" algn="ctr" cap="flat">
+                      <a:solidFill>
+                        <a:srgbClr val="666666">
+                          <a:alpha val="100000"/>
+                        </a:srgbClr>
+                      </a:solidFill>
+                      <a:prstDash val="solid"/>
+                    </a:lnT>
+                    <a:lnB w="25400" cmpd="sng" algn="ctr" cap="flat">
+                      <a:solidFill>
+                        <a:srgbClr val="666666">
+                          <a:alpha val="100000"/>
+                        </a:srgbClr>
+                      </a:solidFill>
+                      <a:prstDash val="solid"/>
+                    </a:lnB>
+                  </a:tcPr>
+                </a:tc>
+                <a:tc>
+                  <a:txBody>
+                    <a:bodyPr/>
+                    <a:lstStyle/>
+                    <a:p>
+                      <a:pPr algn="r" marL="63500" marR="63500">
+                        <a:lnSpc>
+                          <a:spcPct val="100000"/>
+                        </a:lnSpc>
+                        <a:spcBef>
+                          <a:spcPts val="500"/>
+                        </a:spcBef>
+                        <a:spcAft>
+                          <a:spcPts val="500"/>
+                        </a:spcAft>
+                        <a:buNone/>
+                      </a:pPr>
+                      <a:r>
+                        <a:rPr sz="1100">
+                          <a:solidFill>
+                            <a:srgbClr val="000000">
+                              <a:alpha val="100000"/>
+                            </a:srgbClr>
+                          </a:solidFill>
+                          <a:latin typeface="Helvetica"/>
+                          <a:cs typeface="Helvetica"/>
+                          <a:ea typeface="Helvetica"/>
+                          <a:sym typeface="Helvetica"/>
+                        </a:rPr>
+                        <a:t>ip_id</a:t>
+                      </a:r>
+                    </a:p>
+                  </a:txBody>
+                  <a:tcPr anchor="ctr" marB="0" marT="0" marR="0" marL="0">
+                    <a:lnL w="0" cmpd="sng" algn="ctr" cap="flat">
+                      <a:solidFill>
+                        <a:srgbClr val="FFFFFF">
+                          <a:alpha val="0"/>
+                        </a:srgbClr>
+                      </a:solidFill>
+                      <a:prstDash val="solid"/>
+                    </a:lnL>
+                    <a:lnR w="0" cmpd="sng" algn="ctr" cap="flat">
+                      <a:solidFill>
+                        <a:srgbClr val="FFFFFF">
+                          <a:alpha val="0"/>
+                        </a:srgbClr>
+                      </a:solidFill>
+                      <a:prstDash val="solid"/>
+                    </a:lnR>
+                    <a:lnT w="25400" cmpd="sng" algn="ctr" cap="flat">
+                      <a:solidFill>
+                        <a:srgbClr val="666666">
+                          <a:alpha val="100000"/>
+                        </a:srgbClr>
+                      </a:solidFill>
+                      <a:prstDash val="solid"/>
+                    </a:lnT>
+                    <a:lnB w="25400" cmpd="sng" algn="ctr" cap="flat">
+                      <a:solidFill>
+                        <a:srgbClr val="666666">
+                          <a:alpha val="100000"/>
+                        </a:srgbClr>
+                      </a:solidFill>
+                      <a:prstDash val="solid"/>
+                    </a:lnB>
+                  </a:tcPr>
+                </a:tc>
+              </a:tr>
+              <a:tr h="228600">
+                <a:tc>
+                  <a:txBody>
+                    <a:bodyPr/>
+                    <a:lstStyle/>
+                    <a:p>
+                      <a:pPr algn="r" marL="63500" marR="63500">
+                        <a:lnSpc>
+                          <a:spcPct val="100000"/>
+                        </a:lnSpc>
+                        <a:spcBef>
+                          <a:spcPts val="500"/>
+                        </a:spcBef>
+                        <a:spcAft>
+                          <a:spcPts val="500"/>
+                        </a:spcAft>
+                        <a:buNone/>
+                      </a:pPr>
+                      <a:r>
+                        <a:rPr sz="1100">
+                          <a:solidFill>
+                            <a:srgbClr val="000000">
+                              <a:alpha val="100000"/>
+                            </a:srgbClr>
+                          </a:solidFill>
+                          <a:latin typeface="Helvetica"/>
+                          <a:cs typeface="Helvetica"/>
+                          <a:ea typeface="Helvetica"/>
+                          <a:sym typeface="Helvetica"/>
+                        </a:rPr>
+                        <a:t>2018-10-23</a:t>
+                      </a:r>
+                    </a:p>
+                  </a:txBody>
+                  <a:tcPr anchor="ctr" marB="0" marT="0" marR="0" marL="0">
+                    <a:lnL w="0" cmpd="sng" algn="ctr" cap="flat">
+                      <a:solidFill>
+                        <a:srgbClr val="FFFFFF">
+                          <a:alpha val="0"/>
+                        </a:srgbClr>
+                      </a:solidFill>
+                      <a:prstDash val="solid"/>
+                    </a:lnL>
+                    <a:lnR w="0" cmpd="sng" algn="ctr" cap="flat">
+                      <a:solidFill>
+                        <a:srgbClr val="FFFFFF">
+                          <a:alpha val="0"/>
+                        </a:srgbClr>
+                      </a:solidFill>
+                      <a:prstDash val="solid"/>
+                    </a:lnR>
+                    <a:lnT w="0" cmpd="sng" algn="ctr" cap="flat">
+                      <a:solidFill>
+                        <a:srgbClr val="FFFFFF">
+                          <a:alpha val="0"/>
+                        </a:srgbClr>
+                      </a:solidFill>
+                      <a:prstDash val="solid"/>
+                    </a:lnT>
+                    <a:lnB w="0" cmpd="sng" algn="ctr" cap="flat">
+                      <a:solidFill>
+                        <a:srgbClr val="FFFFFF">
+                          <a:alpha val="0"/>
+                        </a:srgbClr>
+                      </a:solidFill>
+                      <a:prstDash val="solid"/>
+                    </a:lnB>
+                  </a:tcPr>
+                </a:tc>
+                <a:tc>
+                  <a:txBody>
+                    <a:bodyPr/>
+                    <a:lstStyle/>
+                    <a:p>
+                      <a:pPr algn="r" marL="63500" marR="63500">
+                        <a:lnSpc>
+                          <a:spcPct val="100000"/>
+                        </a:lnSpc>
+                        <a:spcBef>
+                          <a:spcPts val="500"/>
+                        </a:spcBef>
+                        <a:spcAft>
+                          <a:spcPts val="500"/>
+                        </a:spcAft>
+                        <a:buNone/>
+                      </a:pPr>
+                      <a:r>
+                        <a:rPr sz="1100">
+                          <a:solidFill>
+                            <a:srgbClr val="000000">
+                              <a:alpha val="100000"/>
+                            </a:srgbClr>
+                          </a:solidFill>
+                          <a:latin typeface="Helvetica"/>
+                          <a:cs typeface="Helvetica"/>
+                          <a:ea typeface="Helvetica"/>
+                          <a:sym typeface="Helvetica"/>
+                        </a:rPr>
+                        <a:t>18:20:45</a:t>
+                      </a:r>
+                    </a:p>
+                  </a:txBody>
+                  <a:tcPr anchor="ctr" marB="0" marT="0" marR="0" marL="0">
+                    <a:lnL w="0" cmpd="sng" algn="ctr" cap="flat">
+                      <a:solidFill>
+                        <a:srgbClr val="FFFFFF">
+                          <a:alpha val="0"/>
+                        </a:srgbClr>
+                      </a:solidFill>
+                      <a:prstDash val="solid"/>
+                    </a:lnL>
+                    <a:lnR w="0" cmpd="sng" algn="ctr" cap="flat">
+                      <a:solidFill>
+                        <a:srgbClr val="FFFFFF">
+                          <a:alpha val="0"/>
+                        </a:srgbClr>
+                      </a:solidFill>
+                      <a:prstDash val="solid"/>
+                    </a:lnR>
+                    <a:lnT w="0" cmpd="sng" algn="ctr" cap="flat">
+                      <a:solidFill>
+                        <a:srgbClr val="FFFFFF">
+                          <a:alpha val="0"/>
+                        </a:srgbClr>
+                      </a:solidFill>
+                      <a:prstDash val="solid"/>
+                    </a:lnT>
+                    <a:lnB w="0" cmpd="sng" algn="ctr" cap="flat">
+                      <a:solidFill>
+                        <a:srgbClr val="FFFFFF">
+                          <a:alpha val="0"/>
+                        </a:srgbClr>
+                      </a:solidFill>
+                      <a:prstDash val="solid"/>
+                    </a:lnB>
+                  </a:tcPr>
+                </a:tc>
+                <a:tc>
+                  <a:txBody>
+                    <a:bodyPr/>
+                    <a:lstStyle/>
+                    <a:p>
+                      <a:pPr algn="r" marL="63500" marR="63500">
+                        <a:lnSpc>
+                          <a:spcPct val="100000"/>
+                        </a:lnSpc>
+                        <a:spcBef>
+                          <a:spcPts val="500"/>
+                        </a:spcBef>
+                        <a:spcAft>
+                          <a:spcPts val="500"/>
+                        </a:spcAft>
+                        <a:buNone/>
+                      </a:pPr>
+                      <a:r>
+                        <a:rPr sz="1100">
+                          <a:solidFill>
+                            <a:srgbClr val="000000">
+                              <a:alpha val="100000"/>
+                            </a:srgbClr>
+                          </a:solidFill>
+                          <a:latin typeface="Helvetica"/>
+                          <a:cs typeface="Helvetica"/>
+                          <a:ea typeface="Helvetica"/>
+                          <a:sym typeface="Helvetica"/>
+                        </a:rPr>
+                        <a:t>82,877,758</a:t>
+                      </a:r>
+                    </a:p>
+                  </a:txBody>
+                  <a:tcPr anchor="ctr" marB="0" marT="0" marR="0" marL="0">
+                    <a:lnL w="0" cmpd="sng" algn="ctr" cap="flat">
+                      <a:solidFill>
+                        <a:srgbClr val="FFFFFF">
+                          <a:alpha val="0"/>
+                        </a:srgbClr>
+                      </a:solidFill>
+                      <a:prstDash val="solid"/>
+                    </a:lnL>
+                    <a:lnR w="0" cmpd="sng" algn="ctr" cap="flat">
+                      <a:solidFill>
+                        <a:srgbClr val="FFFFFF">
+                          <a:alpha val="0"/>
+                        </a:srgbClr>
+                      </a:solidFill>
+                      <a:prstDash val="solid"/>
+                    </a:lnR>
+                    <a:lnT w="0" cmpd="sng" algn="ctr" cap="flat">
+                      <a:solidFill>
+                        <a:srgbClr val="FFFFFF">
+                          <a:alpha val="0"/>
+                        </a:srgbClr>
+                      </a:solidFill>
+                      <a:prstDash val="solid"/>
+                    </a:lnT>
+                    <a:lnB w="0" cmpd="sng" algn="ctr" cap="flat">
+                      <a:solidFill>
+                        <a:srgbClr val="FFFFFF">
+                          <a:alpha val="0"/>
+                        </a:srgbClr>
+                      </a:solidFill>
+                      <a:prstDash val="solid"/>
+                    </a:lnB>
+                  </a:tcPr>
+                </a:tc>
+                <a:tc>
+                  <a:txBody>
+                    <a:bodyPr/>
+                    <a:lstStyle/>
+                    <a:p>
+                      <a:pPr algn="l" marL="63500" marR="63500">
+                        <a:lnSpc>
+                          <a:spcPct val="100000"/>
+                        </a:lnSpc>
+                        <a:spcBef>
+                          <a:spcPts val="500"/>
+                        </a:spcBef>
+                        <a:spcAft>
+                          <a:spcPts val="500"/>
+                        </a:spcAft>
+                        <a:buNone/>
+                      </a:pPr>
+                      <a:r>
+                        <a:rPr sz="1100">
+                          <a:solidFill>
+                            <a:srgbClr val="000000">
+                              <a:alpha val="100000"/>
+                            </a:srgbClr>
+                          </a:solidFill>
+                          <a:latin typeface="Helvetica"/>
+                          <a:cs typeface="Helvetica"/>
+                          <a:ea typeface="Helvetica"/>
+                          <a:sym typeface="Helvetica"/>
+                        </a:rPr>
+                        <a:t>3.5.1</a:t>
+                      </a:r>
+                    </a:p>
+                  </a:txBody>
+                  <a:tcPr anchor="ctr" marB="0" marT="0" marR="0" marL="0">
+                    <a:lnL w="0" cmpd="sng" algn="ctr" cap="flat">
+                      <a:solidFill>
+                        <a:srgbClr val="FFFFFF">
+                          <a:alpha val="0"/>
+                        </a:srgbClr>
+                      </a:solidFill>
+                      <a:prstDash val="solid"/>
+                    </a:lnL>
+                    <a:lnR w="0" cmpd="sng" algn="ctr" cap="flat">
+                      <a:solidFill>
+                        <a:srgbClr val="FFFFFF">
+                          <a:alpha val="0"/>
+                        </a:srgbClr>
+                      </a:solidFill>
+                      <a:prstDash val="solid"/>
+                    </a:lnR>
+                    <a:lnT w="0" cmpd="sng" algn="ctr" cap="flat">
+                      <a:solidFill>
+                        <a:srgbClr val="FFFFFF">
+                          <a:alpha val="0"/>
+                        </a:srgbClr>
+                      </a:solidFill>
+                      <a:prstDash val="solid"/>
+                    </a:lnT>
+                    <a:lnB w="0" cmpd="sng" algn="ctr" cap="flat">
+                      <a:solidFill>
+                        <a:srgbClr val="FFFFFF">
+                          <a:alpha val="0"/>
+                        </a:srgbClr>
+                      </a:solidFill>
+                      <a:prstDash val="solid"/>
+                    </a:lnB>
+                  </a:tcPr>
+                </a:tc>
+                <a:tc>
+                  <a:txBody>
+                    <a:bodyPr/>
+                    <a:lstStyle/>
+                    <a:p>
+                      <a:pPr algn="l" marL="63500" marR="63500">
+                        <a:lnSpc>
+                          <a:spcPct val="100000"/>
+                        </a:lnSpc>
+                        <a:spcBef>
+                          <a:spcPts val="500"/>
+                        </a:spcBef>
+                        <a:spcAft>
+                          <a:spcPts val="500"/>
+                        </a:spcAft>
+                        <a:buNone/>
+                      </a:pPr>
+                      <a:r>
+                        <a:rPr sz="1100">
+                          <a:solidFill>
+                            <a:srgbClr val="000000">
+                              <a:alpha val="100000"/>
+                            </a:srgbClr>
+                          </a:solidFill>
+                          <a:latin typeface="Helvetica"/>
+                          <a:cs typeface="Helvetica"/>
+                          <a:ea typeface="Helvetica"/>
+                          <a:sym typeface="Helvetica"/>
+                        </a:rPr>
+                        <a:t>win</a:t>
+                      </a:r>
+                    </a:p>
+                  </a:txBody>
+                  <a:tcPr anchor="ctr" marB="0" marT="0" marR="0" marL="0">
+                    <a:lnL w="0" cmpd="sng" algn="ctr" cap="flat">
+                      <a:solidFill>
+                        <a:srgbClr val="FFFFFF">
+                          <a:alpha val="0"/>
+                        </a:srgbClr>
+                      </a:solidFill>
+                      <a:prstDash val="solid"/>
+                    </a:lnL>
+                    <a:lnR w="0" cmpd="sng" algn="ctr" cap="flat">
+                      <a:solidFill>
+                        <a:srgbClr val="FFFFFF">
+                          <a:alpha val="0"/>
+                        </a:srgbClr>
+                      </a:solidFill>
+                      <a:prstDash val="solid"/>
+                    </a:lnR>
+                    <a:lnT w="0" cmpd="sng" algn="ctr" cap="flat">
+                      <a:solidFill>
+                        <a:srgbClr val="FFFFFF">
+                          <a:alpha val="0"/>
+                        </a:srgbClr>
+                      </a:solidFill>
+                      <a:prstDash val="solid"/>
+                    </a:lnT>
+                    <a:lnB w="0" cmpd="sng" algn="ctr" cap="flat">
+                      <a:solidFill>
+                        <a:srgbClr val="FFFFFF">
+                          <a:alpha val="0"/>
+                        </a:srgbClr>
+                      </a:solidFill>
+                      <a:prstDash val="solid"/>
+                    </a:lnB>
+                  </a:tcPr>
+                </a:tc>
+                <a:tc>
+                  <a:txBody>
+                    <a:bodyPr/>
+                    <a:lstStyle/>
+                    <a:p>
+                      <a:pPr algn="l" marL="63500" marR="63500">
+                        <a:lnSpc>
+                          <a:spcPct val="100000"/>
+                        </a:lnSpc>
+                        <a:spcBef>
+                          <a:spcPts val="500"/>
+                        </a:spcBef>
+                        <a:spcAft>
+                          <a:spcPts val="500"/>
+                        </a:spcAft>
+                        <a:buNone/>
+                      </a:pPr>
+                      <a:r>
+                        <a:rPr sz="1100">
+                          <a:solidFill>
+                            <a:srgbClr val="000000">
+                              <a:alpha val="100000"/>
+                            </a:srgbClr>
+                          </a:solidFill>
+                          <a:latin typeface="Helvetica"/>
+                          <a:cs typeface="Helvetica"/>
+                          <a:ea typeface="Helvetica"/>
+                          <a:sym typeface="Helvetica"/>
+                        </a:rPr>
+                        <a:t>US</a:t>
+                      </a:r>
+                    </a:p>
+                  </a:txBody>
+                  <a:tcPr anchor="ctr" marB="0" marT="0" marR="0" marL="0">
+                    <a:lnL w="0" cmpd="sng" algn="ctr" cap="flat">
+                      <a:solidFill>
+                        <a:srgbClr val="FFFFFF">
+                          <a:alpha val="0"/>
+                        </a:srgbClr>
+                      </a:solidFill>
+                      <a:prstDash val="solid"/>
+                    </a:lnL>
+                    <a:lnR w="0" cmpd="sng" algn="ctr" cap="flat">
+                      <a:solidFill>
+                        <a:srgbClr val="FFFFFF">
+                          <a:alpha val="0"/>
+                        </a:srgbClr>
+                      </a:solidFill>
+                      <a:prstDash val="solid"/>
+                    </a:lnR>
+                    <a:lnT w="0" cmpd="sng" algn="ctr" cap="flat">
+                      <a:solidFill>
+                        <a:srgbClr val="FFFFFF">
+                          <a:alpha val="0"/>
+                        </a:srgbClr>
+                      </a:solidFill>
+                      <a:prstDash val="solid"/>
+                    </a:lnT>
+                    <a:lnB w="0" cmpd="sng" algn="ctr" cap="flat">
+                      <a:solidFill>
+                        <a:srgbClr val="FFFFFF">
+                          <a:alpha val="0"/>
+                        </a:srgbClr>
+                      </a:solidFill>
+                      <a:prstDash val="solid"/>
+                    </a:lnB>
+                  </a:tcPr>
+                </a:tc>
+                <a:tc>
+                  <a:txBody>
+                    <a:bodyPr/>
+                    <a:lstStyle/>
+                    <a:p>
+                      <a:pPr algn="r" marL="63500" marR="63500">
+                        <a:lnSpc>
+                          <a:spcPct val="100000"/>
+                        </a:lnSpc>
+                        <a:spcBef>
+                          <a:spcPts val="500"/>
+                        </a:spcBef>
+                        <a:spcAft>
+                          <a:spcPts val="500"/>
+                        </a:spcAft>
+                        <a:buNone/>
+                      </a:pPr>
+                      <a:r>
+                        <a:rPr sz="1100">
+                          <a:solidFill>
+                            <a:srgbClr val="000000">
+                              <a:alpha val="100000"/>
+                            </a:srgbClr>
+                          </a:solidFill>
+                          <a:latin typeface="Helvetica"/>
+                          <a:cs typeface="Helvetica"/>
+                          <a:ea typeface="Helvetica"/>
+                          <a:sym typeface="Helvetica"/>
+                        </a:rPr>
+                        <a:t>1</a:t>
+                      </a:r>
+                    </a:p>
+                  </a:txBody>
+                  <a:tcPr anchor="ctr" marB="0" marT="0" marR="0" marL="0">
+                    <a:lnL w="0" cmpd="sng" algn="ctr" cap="flat">
+                      <a:solidFill>
+                        <a:srgbClr val="FFFFFF">
+                          <a:alpha val="0"/>
+                        </a:srgbClr>
+                      </a:solidFill>
+                      <a:prstDash val="solid"/>
+                    </a:lnL>
+                    <a:lnR w="0" cmpd="sng" algn="ctr" cap="flat">
+                      <a:solidFill>
+                        <a:srgbClr val="FFFFFF">
+                          <a:alpha val="0"/>
+                        </a:srgbClr>
+                      </a:solidFill>
+                      <a:prstDash val="solid"/>
+                    </a:lnR>
+                    <a:lnT w="0" cmpd="sng" algn="ctr" cap="flat">
+                      <a:solidFill>
+                        <a:srgbClr val="FFFFFF">
+                          <a:alpha val="0"/>
+                        </a:srgbClr>
+                      </a:solidFill>
+                      <a:prstDash val="solid"/>
+                    </a:lnT>
+                    <a:lnB w="0" cmpd="sng" algn="ctr" cap="flat">
+                      <a:solidFill>
+                        <a:srgbClr val="FFFFFF">
+                          <a:alpha val="0"/>
+                        </a:srgbClr>
+                      </a:solidFill>
+                      <a:prstDash val="solid"/>
+                    </a:lnB>
+                  </a:tcPr>
+                </a:tc>
+              </a:tr>
+              <a:tr h="228600">
+                <a:tc>
+                  <a:txBody>
+                    <a:bodyPr/>
+                    <a:lstStyle/>
+                    <a:p>
+                      <a:pPr algn="r" marL="63500" marR="63500">
+                        <a:lnSpc>
+                          <a:spcPct val="100000"/>
+                        </a:lnSpc>
+                        <a:spcBef>
+                          <a:spcPts val="500"/>
+                        </a:spcBef>
+                        <a:spcAft>
+                          <a:spcPts val="500"/>
+                        </a:spcAft>
+                        <a:buNone/>
+                      </a:pPr>
+                      <a:r>
+                        <a:rPr sz="1100">
+                          <a:solidFill>
+                            <a:srgbClr val="000000">
+                              <a:alpha val="100000"/>
+                            </a:srgbClr>
+                          </a:solidFill>
+                          <a:latin typeface="Helvetica"/>
+                          <a:cs typeface="Helvetica"/>
+                          <a:ea typeface="Helvetica"/>
+                          <a:sym typeface="Helvetica"/>
+                        </a:rPr>
+                        <a:t>2018-10-23</a:t>
+                      </a:r>
+                    </a:p>
+                  </a:txBody>
+                  <a:tcPr anchor="ctr" marB="0" marT="0" marR="0" marL="0">
+                    <a:lnL w="0" cmpd="sng" algn="ctr" cap="flat">
+                      <a:solidFill>
+                        <a:srgbClr val="FFFFFF">
+                          <a:alpha val="0"/>
+                        </a:srgbClr>
+                      </a:solidFill>
+                      <a:prstDash val="solid"/>
+                    </a:lnL>
+                    <a:lnR w="0" cmpd="sng" algn="ctr" cap="flat">
+                      <a:solidFill>
+                        <a:srgbClr val="FFFFFF">
+                          <a:alpha val="0"/>
+                        </a:srgbClr>
+                      </a:solidFill>
+                      <a:prstDash val="solid"/>
+                    </a:lnR>
+                    <a:lnT w="0" cmpd="sng" algn="ctr" cap="flat">
+                      <a:solidFill>
+                        <a:srgbClr val="FFFFFF">
+                          <a:alpha val="0"/>
+                        </a:srgbClr>
+                      </a:solidFill>
+                      <a:prstDash val="solid"/>
+                    </a:lnT>
+                    <a:lnB w="0" cmpd="sng" algn="ctr" cap="flat">
+                      <a:solidFill>
+                        <a:srgbClr val="FFFFFF">
+                          <a:alpha val="0"/>
+                        </a:srgbClr>
+                      </a:solidFill>
+                      <a:prstDash val="solid"/>
+                    </a:lnB>
+                  </a:tcPr>
+                </a:tc>
+                <a:tc>
+                  <a:txBody>
+                    <a:bodyPr/>
+                    <a:lstStyle/>
+                    <a:p>
+                      <a:pPr algn="r" marL="63500" marR="63500">
+                        <a:lnSpc>
+                          <a:spcPct val="100000"/>
+                        </a:lnSpc>
+                        <a:spcBef>
+                          <a:spcPts val="500"/>
+                        </a:spcBef>
+                        <a:spcAft>
+                          <a:spcPts val="500"/>
+                        </a:spcAft>
+                        <a:buNone/>
+                      </a:pPr>
+                      <a:r>
+                        <a:rPr sz="1100">
+                          <a:solidFill>
+                            <a:srgbClr val="000000">
+                              <a:alpha val="100000"/>
+                            </a:srgbClr>
+                          </a:solidFill>
+                          <a:latin typeface="Helvetica"/>
+                          <a:cs typeface="Helvetica"/>
+                          <a:ea typeface="Helvetica"/>
+                          <a:sym typeface="Helvetica"/>
+                        </a:rPr>
+                        <a:t>18:20:42</a:t>
+                      </a:r>
+                    </a:p>
+                  </a:txBody>
+                  <a:tcPr anchor="ctr" marB="0" marT="0" marR="0" marL="0">
+                    <a:lnL w="0" cmpd="sng" algn="ctr" cap="flat">
+                      <a:solidFill>
+                        <a:srgbClr val="FFFFFF">
+                          <a:alpha val="0"/>
+                        </a:srgbClr>
+                      </a:solidFill>
+                      <a:prstDash val="solid"/>
+                    </a:lnL>
+                    <a:lnR w="0" cmpd="sng" algn="ctr" cap="flat">
+                      <a:solidFill>
+                        <a:srgbClr val="FFFFFF">
+                          <a:alpha val="0"/>
+                        </a:srgbClr>
+                      </a:solidFill>
+                      <a:prstDash val="solid"/>
+                    </a:lnR>
+                    <a:lnT w="0" cmpd="sng" algn="ctr" cap="flat">
+                      <a:solidFill>
+                        <a:srgbClr val="FFFFFF">
+                          <a:alpha val="0"/>
+                        </a:srgbClr>
+                      </a:solidFill>
+                      <a:prstDash val="solid"/>
+                    </a:lnT>
+                    <a:lnB w="0" cmpd="sng" algn="ctr" cap="flat">
+                      <a:solidFill>
+                        <a:srgbClr val="FFFFFF">
+                          <a:alpha val="0"/>
+                        </a:srgbClr>
+                      </a:solidFill>
+                      <a:prstDash val="solid"/>
+                    </a:lnB>
+                  </a:tcPr>
+                </a:tc>
+                <a:tc>
+                  <a:txBody>
+                    <a:bodyPr/>
+                    <a:lstStyle/>
+                    <a:p>
+                      <a:pPr algn="r" marL="63500" marR="63500">
+                        <a:lnSpc>
+                          <a:spcPct val="100000"/>
+                        </a:lnSpc>
+                        <a:spcBef>
+                          <a:spcPts val="500"/>
+                        </a:spcBef>
+                        <a:spcAft>
+                          <a:spcPts val="500"/>
+                        </a:spcAft>
+                        <a:buNone/>
+                      </a:pPr>
+                      <a:r>
+                        <a:rPr sz="1100">
+                          <a:solidFill>
+                            <a:srgbClr val="000000">
+                              <a:alpha val="100000"/>
+                            </a:srgbClr>
+                          </a:solidFill>
+                          <a:latin typeface="Helvetica"/>
+                          <a:cs typeface="Helvetica"/>
+                          <a:ea typeface="Helvetica"/>
+                          <a:sym typeface="Helvetica"/>
+                        </a:rPr>
+                        <a:t>77,627,379</a:t>
+                      </a:r>
+                    </a:p>
+                  </a:txBody>
+                  <a:tcPr anchor="ctr" marB="0" marT="0" marR="0" marL="0">
+                    <a:lnL w="0" cmpd="sng" algn="ctr" cap="flat">
+                      <a:solidFill>
+                        <a:srgbClr val="FFFFFF">
+                          <a:alpha val="0"/>
+                        </a:srgbClr>
+                      </a:solidFill>
+                      <a:prstDash val="solid"/>
+                    </a:lnL>
+                    <a:lnR w="0" cmpd="sng" algn="ctr" cap="flat">
+                      <a:solidFill>
+                        <a:srgbClr val="FFFFFF">
+                          <a:alpha val="0"/>
+                        </a:srgbClr>
+                      </a:solidFill>
+                      <a:prstDash val="solid"/>
+                    </a:lnR>
+                    <a:lnT w="0" cmpd="sng" algn="ctr" cap="flat">
+                      <a:solidFill>
+                        <a:srgbClr val="FFFFFF">
+                          <a:alpha val="0"/>
+                        </a:srgbClr>
+                      </a:solidFill>
+                      <a:prstDash val="solid"/>
+                    </a:lnT>
+                    <a:lnB w="0" cmpd="sng" algn="ctr" cap="flat">
+                      <a:solidFill>
+                        <a:srgbClr val="FFFFFF">
+                          <a:alpha val="0"/>
+                        </a:srgbClr>
+                      </a:solidFill>
+                      <a:prstDash val="solid"/>
+                    </a:lnB>
+                  </a:tcPr>
+                </a:tc>
+                <a:tc>
+                  <a:txBody>
+                    <a:bodyPr/>
+                    <a:lstStyle/>
+                    <a:p>
+                      <a:pPr algn="l" marL="63500" marR="63500">
+                        <a:lnSpc>
+                          <a:spcPct val="100000"/>
+                        </a:lnSpc>
+                        <a:spcBef>
+                          <a:spcPts val="500"/>
+                        </a:spcBef>
+                        <a:spcAft>
+                          <a:spcPts val="500"/>
+                        </a:spcAft>
+                        <a:buNone/>
+                      </a:pPr>
+                      <a:r>
+                        <a:rPr sz="1100">
+                          <a:solidFill>
+                            <a:srgbClr val="000000">
+                              <a:alpha val="100000"/>
+                            </a:srgbClr>
+                          </a:solidFill>
+                          <a:latin typeface="Helvetica"/>
+                          <a:cs typeface="Helvetica"/>
+                          <a:ea typeface="Helvetica"/>
+                          <a:sym typeface="Helvetica"/>
+                        </a:rPr>
+                        <a:t>3.5.1</a:t>
+                      </a:r>
+                    </a:p>
+                  </a:txBody>
+                  <a:tcPr anchor="ctr" marB="0" marT="0" marR="0" marL="0">
+                    <a:lnL w="0" cmpd="sng" algn="ctr" cap="flat">
+                      <a:solidFill>
+                        <a:srgbClr val="FFFFFF">
+                          <a:alpha val="0"/>
+                        </a:srgbClr>
+                      </a:solidFill>
+                      <a:prstDash val="solid"/>
+                    </a:lnL>
+                    <a:lnR w="0" cmpd="sng" algn="ctr" cap="flat">
+                      <a:solidFill>
+                        <a:srgbClr val="FFFFFF">
+                          <a:alpha val="0"/>
+                        </a:srgbClr>
+                      </a:solidFill>
+                      <a:prstDash val="solid"/>
+                    </a:lnR>
+                    <a:lnT w="0" cmpd="sng" algn="ctr" cap="flat">
+                      <a:solidFill>
+                        <a:srgbClr val="FFFFFF">
+                          <a:alpha val="0"/>
+                        </a:srgbClr>
+                      </a:solidFill>
+                      <a:prstDash val="solid"/>
+                    </a:lnT>
+                    <a:lnB w="0" cmpd="sng" algn="ctr" cap="flat">
+                      <a:solidFill>
+                        <a:srgbClr val="FFFFFF">
+                          <a:alpha val="0"/>
+                        </a:srgbClr>
+                      </a:solidFill>
+                      <a:prstDash val="solid"/>
+                    </a:lnB>
+                  </a:tcPr>
+                </a:tc>
+                <a:tc>
+                  <a:txBody>
+                    <a:bodyPr/>
+                    <a:lstStyle/>
+                    <a:p>
+                      <a:pPr algn="l" marL="63500" marR="63500">
+                        <a:lnSpc>
+                          <a:spcPct val="100000"/>
+                        </a:lnSpc>
+                        <a:spcBef>
+                          <a:spcPts val="500"/>
+                        </a:spcBef>
+                        <a:spcAft>
+                          <a:spcPts val="500"/>
+                        </a:spcAft>
+                        <a:buNone/>
+                      </a:pPr>
+                      <a:r>
+                        <a:rPr sz="1100">
+                          <a:solidFill>
+                            <a:srgbClr val="000000">
+                              <a:alpha val="100000"/>
+                            </a:srgbClr>
+                          </a:solidFill>
+                          <a:latin typeface="Helvetica"/>
+                          <a:cs typeface="Helvetica"/>
+                          <a:ea typeface="Helvetica"/>
+                          <a:sym typeface="Helvetica"/>
+                        </a:rPr>
+                        <a:t>osx</a:t>
+                      </a:r>
+                    </a:p>
+                  </a:txBody>
+                  <a:tcPr anchor="ctr" marB="0" marT="0" marR="0" marL="0">
+                    <a:lnL w="0" cmpd="sng" algn="ctr" cap="flat">
+                      <a:solidFill>
+                        <a:srgbClr val="FFFFFF">
+                          <a:alpha val="0"/>
+                        </a:srgbClr>
+                      </a:solidFill>
+                      <a:prstDash val="solid"/>
+                    </a:lnL>
+                    <a:lnR w="0" cmpd="sng" algn="ctr" cap="flat">
+                      <a:solidFill>
+                        <a:srgbClr val="FFFFFF">
+                          <a:alpha val="0"/>
+                        </a:srgbClr>
+                      </a:solidFill>
+                      <a:prstDash val="solid"/>
+                    </a:lnR>
+                    <a:lnT w="0" cmpd="sng" algn="ctr" cap="flat">
+                      <a:solidFill>
+                        <a:srgbClr val="FFFFFF">
+                          <a:alpha val="0"/>
+                        </a:srgbClr>
+                      </a:solidFill>
+                      <a:prstDash val="solid"/>
+                    </a:lnT>
+                    <a:lnB w="0" cmpd="sng" algn="ctr" cap="flat">
+                      <a:solidFill>
+                        <a:srgbClr val="FFFFFF">
+                          <a:alpha val="0"/>
+                        </a:srgbClr>
+                      </a:solidFill>
+                      <a:prstDash val="solid"/>
+                    </a:lnB>
+                  </a:tcPr>
+                </a:tc>
+                <a:tc>
+                  <a:txBody>
+                    <a:bodyPr/>
+                    <a:lstStyle/>
+                    <a:p>
+                      <a:pPr algn="l" marL="63500" marR="63500">
+                        <a:lnSpc>
+                          <a:spcPct val="100000"/>
+                        </a:lnSpc>
+                        <a:spcBef>
+                          <a:spcPts val="500"/>
+                        </a:spcBef>
+                        <a:spcAft>
+                          <a:spcPts val="500"/>
+                        </a:spcAft>
+                        <a:buNone/>
+                      </a:pPr>
+                      <a:r>
+                        <a:rPr sz="1100">
+                          <a:solidFill>
+                            <a:srgbClr val="000000">
+                              <a:alpha val="100000"/>
+                            </a:srgbClr>
+                          </a:solidFill>
+                          <a:latin typeface="Helvetica"/>
+                          <a:cs typeface="Helvetica"/>
+                          <a:ea typeface="Helvetica"/>
+                          <a:sym typeface="Helvetica"/>
+                        </a:rPr>
+                        <a:t>US</a:t>
+                      </a:r>
+                    </a:p>
+                  </a:txBody>
+                  <a:tcPr anchor="ctr" marB="0" marT="0" marR="0" marL="0">
+                    <a:lnL w="0" cmpd="sng" algn="ctr" cap="flat">
+                      <a:solidFill>
+                        <a:srgbClr val="FFFFFF">
+                          <a:alpha val="0"/>
+                        </a:srgbClr>
+                      </a:solidFill>
+                      <a:prstDash val="solid"/>
+                    </a:lnL>
+                    <a:lnR w="0" cmpd="sng" algn="ctr" cap="flat">
+                      <a:solidFill>
+                        <a:srgbClr val="FFFFFF">
+                          <a:alpha val="0"/>
+                        </a:srgbClr>
+                      </a:solidFill>
+                      <a:prstDash val="solid"/>
+                    </a:lnR>
+                    <a:lnT w="0" cmpd="sng" algn="ctr" cap="flat">
+                      <a:solidFill>
+                        <a:srgbClr val="FFFFFF">
+                          <a:alpha val="0"/>
+                        </a:srgbClr>
+                      </a:solidFill>
+                      <a:prstDash val="solid"/>
+                    </a:lnT>
+                    <a:lnB w="0" cmpd="sng" algn="ctr" cap="flat">
+                      <a:solidFill>
+                        <a:srgbClr val="FFFFFF">
+                          <a:alpha val="0"/>
+                        </a:srgbClr>
+                      </a:solidFill>
+                      <a:prstDash val="solid"/>
+                    </a:lnB>
+                  </a:tcPr>
+                </a:tc>
+                <a:tc>
+                  <a:txBody>
+                    <a:bodyPr/>
+                    <a:lstStyle/>
+                    <a:p>
+                      <a:pPr algn="r" marL="63500" marR="63500">
+                        <a:lnSpc>
+                          <a:spcPct val="100000"/>
+                        </a:lnSpc>
+                        <a:spcBef>
+                          <a:spcPts val="500"/>
+                        </a:spcBef>
+                        <a:spcAft>
+                          <a:spcPts val="500"/>
+                        </a:spcAft>
+                        <a:buNone/>
+                      </a:pPr>
+                      <a:r>
+                        <a:rPr sz="1100">
+                          <a:solidFill>
+                            <a:srgbClr val="000000">
+                              <a:alpha val="100000"/>
+                            </a:srgbClr>
+                          </a:solidFill>
+                          <a:latin typeface="Helvetica"/>
+                          <a:cs typeface="Helvetica"/>
+                          <a:ea typeface="Helvetica"/>
+                          <a:sym typeface="Helvetica"/>
+                        </a:rPr>
+                        <a:t>2</a:t>
+                      </a:r>
+                    </a:p>
+                  </a:txBody>
+                  <a:tcPr anchor="ctr" marB="0" marT="0" marR="0" marL="0">
+                    <a:lnL w="0" cmpd="sng" algn="ctr" cap="flat">
+                      <a:solidFill>
+                        <a:srgbClr val="FFFFFF">
+                          <a:alpha val="0"/>
+                        </a:srgbClr>
+                      </a:solidFill>
+                      <a:prstDash val="solid"/>
+                    </a:lnL>
+                    <a:lnR w="0" cmpd="sng" algn="ctr" cap="flat">
+                      <a:solidFill>
+                        <a:srgbClr val="FFFFFF">
+                          <a:alpha val="0"/>
+                        </a:srgbClr>
+                      </a:solidFill>
+                      <a:prstDash val="solid"/>
+                    </a:lnR>
+                    <a:lnT w="0" cmpd="sng" algn="ctr" cap="flat">
+                      <a:solidFill>
+                        <a:srgbClr val="FFFFFF">
+                          <a:alpha val="0"/>
+                        </a:srgbClr>
+                      </a:solidFill>
+                      <a:prstDash val="solid"/>
+                    </a:lnT>
+                    <a:lnB w="0" cmpd="sng" algn="ctr" cap="flat">
+                      <a:solidFill>
+                        <a:srgbClr val="FFFFFF">
+                          <a:alpha val="0"/>
+                        </a:srgbClr>
+                      </a:solidFill>
+                      <a:prstDash val="solid"/>
+                    </a:lnB>
+                  </a:tcPr>
+                </a:tc>
+              </a:tr>
+              <a:tr h="228600">
+                <a:tc>
+                  <a:txBody>
+                    <a:bodyPr/>
+                    <a:lstStyle/>
+                    <a:p>
+                      <a:pPr algn="r" marL="63500" marR="63500">
+                        <a:lnSpc>
+                          <a:spcPct val="100000"/>
+                        </a:lnSpc>
+                        <a:spcBef>
+                          <a:spcPts val="500"/>
+                        </a:spcBef>
+                        <a:spcAft>
+                          <a:spcPts val="500"/>
+                        </a:spcAft>
+                        <a:buNone/>
+                      </a:pPr>
+                      <a:r>
+                        <a:rPr sz="1100">
+                          <a:solidFill>
+                            <a:srgbClr val="000000">
+                              <a:alpha val="100000"/>
+                            </a:srgbClr>
+                          </a:solidFill>
+                          <a:latin typeface="Helvetica"/>
+                          <a:cs typeface="Helvetica"/>
+                          <a:ea typeface="Helvetica"/>
+                          <a:sym typeface="Helvetica"/>
+                        </a:rPr>
+                        <a:t>2018-10-23</a:t>
+                      </a:r>
+                    </a:p>
+                  </a:txBody>
+                  <a:tcPr anchor="ctr" marB="0" marT="0" marR="0" marL="0">
+                    <a:lnL w="0" cmpd="sng" algn="ctr" cap="flat">
+                      <a:solidFill>
+                        <a:srgbClr val="FFFFFF">
+                          <a:alpha val="0"/>
+                        </a:srgbClr>
+                      </a:solidFill>
+                      <a:prstDash val="solid"/>
+                    </a:lnL>
+                    <a:lnR w="0" cmpd="sng" algn="ctr" cap="flat">
+                      <a:solidFill>
+                        <a:srgbClr val="FFFFFF">
+                          <a:alpha val="0"/>
+                        </a:srgbClr>
+                      </a:solidFill>
+                      <a:prstDash val="solid"/>
+                    </a:lnR>
+                    <a:lnT w="0" cmpd="sng" algn="ctr" cap="flat">
+                      <a:solidFill>
+                        <a:srgbClr val="FFFFFF">
+                          <a:alpha val="0"/>
+                        </a:srgbClr>
+                      </a:solidFill>
+                      <a:prstDash val="solid"/>
+                    </a:lnT>
+                    <a:lnB w="0" cmpd="sng" algn="ctr" cap="flat">
+                      <a:solidFill>
+                        <a:srgbClr val="FFFFFF">
+                          <a:alpha val="0"/>
+                        </a:srgbClr>
+                      </a:solidFill>
+                      <a:prstDash val="solid"/>
+                    </a:lnB>
+                  </a:tcPr>
+                </a:tc>
+                <a:tc>
+                  <a:txBody>
+                    <a:bodyPr/>
+                    <a:lstStyle/>
+                    <a:p>
+                      <a:pPr algn="r" marL="63500" marR="63500">
+                        <a:lnSpc>
+                          <a:spcPct val="100000"/>
+                        </a:lnSpc>
+                        <a:spcBef>
+                          <a:spcPts val="500"/>
+                        </a:spcBef>
+                        <a:spcAft>
+                          <a:spcPts val="500"/>
+                        </a:spcAft>
+                        <a:buNone/>
+                      </a:pPr>
+                      <a:r>
+                        <a:rPr sz="1100">
+                          <a:solidFill>
+                            <a:srgbClr val="000000">
+                              <a:alpha val="100000"/>
+                            </a:srgbClr>
+                          </a:solidFill>
+                          <a:latin typeface="Helvetica"/>
+                          <a:cs typeface="Helvetica"/>
+                          <a:ea typeface="Helvetica"/>
+                          <a:sym typeface="Helvetica"/>
+                        </a:rPr>
+                        <a:t>18:20:51</a:t>
+                      </a:r>
+                    </a:p>
+                  </a:txBody>
+                  <a:tcPr anchor="ctr" marB="0" marT="0" marR="0" marL="0">
+                    <a:lnL w="0" cmpd="sng" algn="ctr" cap="flat">
+                      <a:solidFill>
+                        <a:srgbClr val="FFFFFF">
+                          <a:alpha val="0"/>
+                        </a:srgbClr>
+                      </a:solidFill>
+                      <a:prstDash val="solid"/>
+                    </a:lnL>
+                    <a:lnR w="0" cmpd="sng" algn="ctr" cap="flat">
+                      <a:solidFill>
+                        <a:srgbClr val="FFFFFF">
+                          <a:alpha val="0"/>
+                        </a:srgbClr>
+                      </a:solidFill>
+                      <a:prstDash val="solid"/>
+                    </a:lnR>
+                    <a:lnT w="0" cmpd="sng" algn="ctr" cap="flat">
+                      <a:solidFill>
+                        <a:srgbClr val="FFFFFF">
+                          <a:alpha val="0"/>
+                        </a:srgbClr>
+                      </a:solidFill>
+                      <a:prstDash val="solid"/>
+                    </a:lnT>
+                    <a:lnB w="0" cmpd="sng" algn="ctr" cap="flat">
+                      <a:solidFill>
+                        <a:srgbClr val="FFFFFF">
+                          <a:alpha val="0"/>
+                        </a:srgbClr>
+                      </a:solidFill>
+                      <a:prstDash val="solid"/>
+                    </a:lnB>
+                  </a:tcPr>
+                </a:tc>
+                <a:tc>
+                  <a:txBody>
+                    <a:bodyPr/>
+                    <a:lstStyle/>
+                    <a:p>
+                      <a:pPr algn="r" marL="63500" marR="63500">
+                        <a:lnSpc>
+                          <a:spcPct val="100000"/>
+                        </a:lnSpc>
+                        <a:spcBef>
+                          <a:spcPts val="500"/>
+                        </a:spcBef>
+                        <a:spcAft>
+                          <a:spcPts val="500"/>
+                        </a:spcAft>
+                        <a:buNone/>
+                      </a:pPr>
+                      <a:r>
+                        <a:rPr sz="1100">
+                          <a:solidFill>
+                            <a:srgbClr val="000000">
+                              <a:alpha val="100000"/>
+                            </a:srgbClr>
+                          </a:solidFill>
+                          <a:latin typeface="Helvetica"/>
+                          <a:cs typeface="Helvetica"/>
+                          <a:ea typeface="Helvetica"/>
+                          <a:sym typeface="Helvetica"/>
+                        </a:rPr>
+                        <a:t>82,970,566</a:t>
+                      </a:r>
+                    </a:p>
+                  </a:txBody>
+                  <a:tcPr anchor="ctr" marB="0" marT="0" marR="0" marL="0">
+                    <a:lnL w="0" cmpd="sng" algn="ctr" cap="flat">
+                      <a:solidFill>
+                        <a:srgbClr val="FFFFFF">
+                          <a:alpha val="0"/>
+                        </a:srgbClr>
+                      </a:solidFill>
+                      <a:prstDash val="solid"/>
+                    </a:lnL>
+                    <a:lnR w="0" cmpd="sng" algn="ctr" cap="flat">
+                      <a:solidFill>
+                        <a:srgbClr val="FFFFFF">
+                          <a:alpha val="0"/>
+                        </a:srgbClr>
+                      </a:solidFill>
+                      <a:prstDash val="solid"/>
+                    </a:lnR>
+                    <a:lnT w="0" cmpd="sng" algn="ctr" cap="flat">
+                      <a:solidFill>
+                        <a:srgbClr val="FFFFFF">
+                          <a:alpha val="0"/>
+                        </a:srgbClr>
+                      </a:solidFill>
+                      <a:prstDash val="solid"/>
+                    </a:lnT>
+                    <a:lnB w="0" cmpd="sng" algn="ctr" cap="flat">
+                      <a:solidFill>
+                        <a:srgbClr val="FFFFFF">
+                          <a:alpha val="0"/>
+                        </a:srgbClr>
+                      </a:solidFill>
+                      <a:prstDash val="solid"/>
+                    </a:lnB>
+                  </a:tcPr>
+                </a:tc>
+                <a:tc>
+                  <a:txBody>
+                    <a:bodyPr/>
+                    <a:lstStyle/>
+                    <a:p>
+                      <a:pPr algn="l" marL="63500" marR="63500">
+                        <a:lnSpc>
+                          <a:spcPct val="100000"/>
+                        </a:lnSpc>
+                        <a:spcBef>
+                          <a:spcPts val="500"/>
+                        </a:spcBef>
+                        <a:spcAft>
+                          <a:spcPts val="500"/>
+                        </a:spcAft>
+                        <a:buNone/>
+                      </a:pPr>
+                      <a:r>
+                        <a:rPr sz="1100">
+                          <a:solidFill>
+                            <a:srgbClr val="000000">
+                              <a:alpha val="100000"/>
+                            </a:srgbClr>
+                          </a:solidFill>
+                          <a:latin typeface="Helvetica"/>
+                          <a:cs typeface="Helvetica"/>
+                          <a:ea typeface="Helvetica"/>
+                          <a:sym typeface="Helvetica"/>
+                        </a:rPr>
+                        <a:t>3.5.1</a:t>
+                      </a:r>
+                    </a:p>
+                  </a:txBody>
+                  <a:tcPr anchor="ctr" marB="0" marT="0" marR="0" marL="0">
+                    <a:lnL w="0" cmpd="sng" algn="ctr" cap="flat">
+                      <a:solidFill>
+                        <a:srgbClr val="FFFFFF">
+                          <a:alpha val="0"/>
+                        </a:srgbClr>
+                      </a:solidFill>
+                      <a:prstDash val="solid"/>
+                    </a:lnL>
+                    <a:lnR w="0" cmpd="sng" algn="ctr" cap="flat">
+                      <a:solidFill>
+                        <a:srgbClr val="FFFFFF">
+                          <a:alpha val="0"/>
+                        </a:srgbClr>
+                      </a:solidFill>
+                      <a:prstDash val="solid"/>
+                    </a:lnR>
+                    <a:lnT w="0" cmpd="sng" algn="ctr" cap="flat">
+                      <a:solidFill>
+                        <a:srgbClr val="FFFFFF">
+                          <a:alpha val="0"/>
+                        </a:srgbClr>
+                      </a:solidFill>
+                      <a:prstDash val="solid"/>
+                    </a:lnT>
+                    <a:lnB w="0" cmpd="sng" algn="ctr" cap="flat">
+                      <a:solidFill>
+                        <a:srgbClr val="FFFFFF">
+                          <a:alpha val="0"/>
+                        </a:srgbClr>
+                      </a:solidFill>
+                      <a:prstDash val="solid"/>
+                    </a:lnB>
+                  </a:tcPr>
+                </a:tc>
+                <a:tc>
+                  <a:txBody>
+                    <a:bodyPr/>
+                    <a:lstStyle/>
+                    <a:p>
+                      <a:pPr algn="l" marL="63500" marR="63500">
+                        <a:lnSpc>
+                          <a:spcPct val="100000"/>
+                        </a:lnSpc>
+                        <a:spcBef>
+                          <a:spcPts val="500"/>
+                        </a:spcBef>
+                        <a:spcAft>
+                          <a:spcPts val="500"/>
+                        </a:spcAft>
+                        <a:buNone/>
+                      </a:pPr>
+                      <a:r>
+                        <a:rPr sz="1100">
+                          <a:solidFill>
+                            <a:srgbClr val="000000">
+                              <a:alpha val="100000"/>
+                            </a:srgbClr>
+                          </a:solidFill>
+                          <a:latin typeface="Helvetica"/>
+                          <a:cs typeface="Helvetica"/>
+                          <a:ea typeface="Helvetica"/>
+                          <a:sym typeface="Helvetica"/>
+                        </a:rPr>
+                        <a:t>win</a:t>
+                      </a:r>
+                    </a:p>
+                  </a:txBody>
+                  <a:tcPr anchor="ctr" marB="0" marT="0" marR="0" marL="0">
+                    <a:lnL w="0" cmpd="sng" algn="ctr" cap="flat">
+                      <a:solidFill>
+                        <a:srgbClr val="FFFFFF">
+                          <a:alpha val="0"/>
+                        </a:srgbClr>
+                      </a:solidFill>
+                      <a:prstDash val="solid"/>
+                    </a:lnL>
+                    <a:lnR w="0" cmpd="sng" algn="ctr" cap="flat">
+                      <a:solidFill>
+                        <a:srgbClr val="FFFFFF">
+                          <a:alpha val="0"/>
+                        </a:srgbClr>
+                      </a:solidFill>
+                      <a:prstDash val="solid"/>
+                    </a:lnR>
+                    <a:lnT w="0" cmpd="sng" algn="ctr" cap="flat">
+                      <a:solidFill>
+                        <a:srgbClr val="FFFFFF">
+                          <a:alpha val="0"/>
+                        </a:srgbClr>
+                      </a:solidFill>
+                      <a:prstDash val="solid"/>
+                    </a:lnT>
+                    <a:lnB w="0" cmpd="sng" algn="ctr" cap="flat">
+                      <a:solidFill>
+                        <a:srgbClr val="FFFFFF">
+                          <a:alpha val="0"/>
+                        </a:srgbClr>
+                      </a:solidFill>
+                      <a:prstDash val="solid"/>
+                    </a:lnB>
+                  </a:tcPr>
+                </a:tc>
+                <a:tc>
+                  <a:txBody>
+                    <a:bodyPr/>
+                    <a:lstStyle/>
+                    <a:p>
+                      <a:pPr algn="l" marL="63500" marR="63500">
+                        <a:lnSpc>
+                          <a:spcPct val="100000"/>
+                        </a:lnSpc>
+                        <a:spcBef>
+                          <a:spcPts val="500"/>
+                        </a:spcBef>
+                        <a:spcAft>
+                          <a:spcPts val="500"/>
+                        </a:spcAft>
+                        <a:buNone/>
+                      </a:pPr>
+                      <a:r>
+                        <a:rPr sz="1100">
+                          <a:solidFill>
+                            <a:srgbClr val="000000">
+                              <a:alpha val="100000"/>
+                            </a:srgbClr>
+                          </a:solidFill>
+                          <a:latin typeface="Helvetica"/>
+                          <a:cs typeface="Helvetica"/>
+                          <a:ea typeface="Helvetica"/>
+                          <a:sym typeface="Helvetica"/>
+                        </a:rPr>
+                        <a:t>US</a:t>
+                      </a:r>
+                    </a:p>
+                  </a:txBody>
+                  <a:tcPr anchor="ctr" marB="0" marT="0" marR="0" marL="0">
+                    <a:lnL w="0" cmpd="sng" algn="ctr" cap="flat">
+                      <a:solidFill>
+                        <a:srgbClr val="FFFFFF">
+                          <a:alpha val="0"/>
+                        </a:srgbClr>
+                      </a:solidFill>
+                      <a:prstDash val="solid"/>
+                    </a:lnL>
+                    <a:lnR w="0" cmpd="sng" algn="ctr" cap="flat">
+                      <a:solidFill>
+                        <a:srgbClr val="FFFFFF">
+                          <a:alpha val="0"/>
+                        </a:srgbClr>
+                      </a:solidFill>
+                      <a:prstDash val="solid"/>
+                    </a:lnR>
+                    <a:lnT w="0" cmpd="sng" algn="ctr" cap="flat">
+                      <a:solidFill>
+                        <a:srgbClr val="FFFFFF">
+                          <a:alpha val="0"/>
+                        </a:srgbClr>
+                      </a:solidFill>
+                      <a:prstDash val="solid"/>
+                    </a:lnT>
+                    <a:lnB w="0" cmpd="sng" algn="ctr" cap="flat">
+                      <a:solidFill>
+                        <a:srgbClr val="FFFFFF">
+                          <a:alpha val="0"/>
+                        </a:srgbClr>
+                      </a:solidFill>
+                      <a:prstDash val="solid"/>
+                    </a:lnB>
+                  </a:tcPr>
+                </a:tc>
+                <a:tc>
+                  <a:txBody>
+                    <a:bodyPr/>
+                    <a:lstStyle/>
+                    <a:p>
+                      <a:pPr algn="r" marL="63500" marR="63500">
+                        <a:lnSpc>
+                          <a:spcPct val="100000"/>
+                        </a:lnSpc>
+                        <a:spcBef>
+                          <a:spcPts val="500"/>
+                        </a:spcBef>
+                        <a:spcAft>
+                          <a:spcPts val="500"/>
+                        </a:spcAft>
+                        <a:buNone/>
+                      </a:pPr>
+                      <a:r>
+                        <a:rPr sz="1100">
+                          <a:solidFill>
+                            <a:srgbClr val="000000">
+                              <a:alpha val="100000"/>
+                            </a:srgbClr>
+                          </a:solidFill>
+                          <a:latin typeface="Helvetica"/>
+                          <a:cs typeface="Helvetica"/>
+                          <a:ea typeface="Helvetica"/>
+                          <a:sym typeface="Helvetica"/>
+                        </a:rPr>
+                        <a:t>3</a:t>
+                      </a:r>
+                    </a:p>
+                  </a:txBody>
+                  <a:tcPr anchor="ctr" marB="0" marT="0" marR="0" marL="0">
+                    <a:lnL w="0" cmpd="sng" algn="ctr" cap="flat">
+                      <a:solidFill>
+                        <a:srgbClr val="FFFFFF">
+                          <a:alpha val="0"/>
+                        </a:srgbClr>
+                      </a:solidFill>
+                      <a:prstDash val="solid"/>
+                    </a:lnL>
+                    <a:lnR w="0" cmpd="sng" algn="ctr" cap="flat">
+                      <a:solidFill>
+                        <a:srgbClr val="FFFFFF">
+                          <a:alpha val="0"/>
+                        </a:srgbClr>
+                      </a:solidFill>
+                      <a:prstDash val="solid"/>
+                    </a:lnR>
+                    <a:lnT w="0" cmpd="sng" algn="ctr" cap="flat">
+                      <a:solidFill>
+                        <a:srgbClr val="FFFFFF">
+                          <a:alpha val="0"/>
+                        </a:srgbClr>
+                      </a:solidFill>
+                      <a:prstDash val="solid"/>
+                    </a:lnT>
+                    <a:lnB w="0" cmpd="sng" algn="ctr" cap="flat">
+                      <a:solidFill>
+                        <a:srgbClr val="FFFFFF">
+                          <a:alpha val="0"/>
+                        </a:srgbClr>
+                      </a:solidFill>
+                      <a:prstDash val="solid"/>
+                    </a:lnB>
+                  </a:tcPr>
+                </a:tc>
+              </a:tr>
+              <a:tr h="228600">
+                <a:tc>
+                  <a:txBody>
+                    <a:bodyPr/>
+                    <a:lstStyle/>
+                    <a:p>
+                      <a:pPr algn="r" marL="63500" marR="63500">
+                        <a:lnSpc>
+                          <a:spcPct val="100000"/>
+                        </a:lnSpc>
+                        <a:spcBef>
+                          <a:spcPts val="500"/>
+                        </a:spcBef>
+                        <a:spcAft>
+                          <a:spcPts val="500"/>
+                        </a:spcAft>
+                        <a:buNone/>
+                      </a:pPr>
+                      <a:r>
+                        <a:rPr sz="1100">
+                          <a:solidFill>
+                            <a:srgbClr val="000000">
+                              <a:alpha val="100000"/>
+                            </a:srgbClr>
+                          </a:solidFill>
+                          <a:latin typeface="Helvetica"/>
+                          <a:cs typeface="Helvetica"/>
+                          <a:ea typeface="Helvetica"/>
+                          <a:sym typeface="Helvetica"/>
+                        </a:rPr>
+                        <a:t>2018-10-23</a:t>
+                      </a:r>
+                    </a:p>
+                  </a:txBody>
+                  <a:tcPr anchor="ctr" marB="0" marT="0" marR="0" marL="0">
+                    <a:lnL w="0" cmpd="sng" algn="ctr" cap="flat">
+                      <a:solidFill>
+                        <a:srgbClr val="FFFFFF">
+                          <a:alpha val="0"/>
+                        </a:srgbClr>
+                      </a:solidFill>
+                      <a:prstDash val="solid"/>
+                    </a:lnL>
+                    <a:lnR w="0" cmpd="sng" algn="ctr" cap="flat">
+                      <a:solidFill>
+                        <a:srgbClr val="FFFFFF">
+                          <a:alpha val="0"/>
+                        </a:srgbClr>
+                      </a:solidFill>
+                      <a:prstDash val="solid"/>
+                    </a:lnR>
+                    <a:lnT w="0" cmpd="sng" algn="ctr" cap="flat">
+                      <a:solidFill>
+                        <a:srgbClr val="FFFFFF">
+                          <a:alpha val="0"/>
+                        </a:srgbClr>
+                      </a:solidFill>
+                      <a:prstDash val="solid"/>
+                    </a:lnT>
+                    <a:lnB w="25400" cmpd="sng" algn="ctr" cap="flat">
+                      <a:solidFill>
+                        <a:srgbClr val="666666">
+                          <a:alpha val="100000"/>
+                        </a:srgbClr>
+                      </a:solidFill>
+                      <a:prstDash val="solid"/>
+                    </a:lnB>
+                  </a:tcPr>
+                </a:tc>
+                <a:tc>
+                  <a:txBody>
+                    <a:bodyPr/>
+                    <a:lstStyle/>
+                    <a:p>
+                      <a:pPr algn="r" marL="63500" marR="63500">
+                        <a:lnSpc>
+                          <a:spcPct val="100000"/>
+                        </a:lnSpc>
+                        <a:spcBef>
+                          <a:spcPts val="500"/>
+                        </a:spcBef>
+                        <a:spcAft>
+                          <a:spcPts val="500"/>
+                        </a:spcAft>
+                        <a:buNone/>
+                      </a:pPr>
+                      <a:r>
+                        <a:rPr sz="1100">
+                          <a:solidFill>
+                            <a:srgbClr val="000000">
+                              <a:alpha val="100000"/>
+                            </a:srgbClr>
+                          </a:solidFill>
+                          <a:latin typeface="Helvetica"/>
+                          <a:cs typeface="Helvetica"/>
+                          <a:ea typeface="Helvetica"/>
+                          <a:sym typeface="Helvetica"/>
+                        </a:rPr>
+                        <a:t>18:20:51</a:t>
+                      </a:r>
+                    </a:p>
+                  </a:txBody>
+                  <a:tcPr anchor="ctr" marB="0" marT="0" marR="0" marL="0">
+                    <a:lnL w="0" cmpd="sng" algn="ctr" cap="flat">
+                      <a:solidFill>
+                        <a:srgbClr val="FFFFFF">
+                          <a:alpha val="0"/>
+                        </a:srgbClr>
+                      </a:solidFill>
+                      <a:prstDash val="solid"/>
+                    </a:lnL>
+                    <a:lnR w="0" cmpd="sng" algn="ctr" cap="flat">
+                      <a:solidFill>
+                        <a:srgbClr val="FFFFFF">
+                          <a:alpha val="0"/>
+                        </a:srgbClr>
+                      </a:solidFill>
+                      <a:prstDash val="solid"/>
+                    </a:lnR>
+                    <a:lnT w="0" cmpd="sng" algn="ctr" cap="flat">
+                      <a:solidFill>
+                        <a:srgbClr val="FFFFFF">
+                          <a:alpha val="0"/>
+                        </a:srgbClr>
+                      </a:solidFill>
+                      <a:prstDash val="solid"/>
+                    </a:lnT>
+                    <a:lnB w="25400" cmpd="sng" algn="ctr" cap="flat">
+                      <a:solidFill>
+                        <a:srgbClr val="666666">
+                          <a:alpha val="100000"/>
+                        </a:srgbClr>
+                      </a:solidFill>
+                      <a:prstDash val="solid"/>
+                    </a:lnB>
+                  </a:tcPr>
+                </a:tc>
+                <a:tc>
+                  <a:txBody>
+                    <a:bodyPr/>
+                    <a:lstStyle/>
+                    <a:p>
+                      <a:pPr algn="r" marL="63500" marR="63500">
+                        <a:lnSpc>
+                          <a:spcPct val="100000"/>
+                        </a:lnSpc>
+                        <a:spcBef>
+                          <a:spcPts val="500"/>
+                        </a:spcBef>
+                        <a:spcAft>
+                          <a:spcPts val="500"/>
+                        </a:spcAft>
+                        <a:buNone/>
+                      </a:pPr>
+                      <a:r>
+                        <a:rPr sz="1100">
+                          <a:solidFill>
+                            <a:srgbClr val="000000">
+                              <a:alpha val="100000"/>
+                            </a:srgbClr>
+                          </a:solidFill>
+                          <a:latin typeface="Helvetica"/>
+                          <a:cs typeface="Helvetica"/>
+                          <a:ea typeface="Helvetica"/>
+                          <a:sym typeface="Helvetica"/>
+                        </a:rPr>
+                        <a:t>1,394,694</a:t>
+                      </a:r>
+                    </a:p>
+                  </a:txBody>
+                  <a:tcPr anchor="ctr" marB="0" marT="0" marR="0" marL="0">
+                    <a:lnL w="0" cmpd="sng" algn="ctr" cap="flat">
+                      <a:solidFill>
+                        <a:srgbClr val="FFFFFF">
+                          <a:alpha val="0"/>
+                        </a:srgbClr>
+                      </a:solidFill>
+                      <a:prstDash val="solid"/>
+                    </a:lnL>
+                    <a:lnR w="0" cmpd="sng" algn="ctr" cap="flat">
+                      <a:solidFill>
+                        <a:srgbClr val="FFFFFF">
+                          <a:alpha val="0"/>
+                        </a:srgbClr>
+                      </a:solidFill>
+                      <a:prstDash val="solid"/>
+                    </a:lnR>
+                    <a:lnT w="0" cmpd="sng" algn="ctr" cap="flat">
+                      <a:solidFill>
+                        <a:srgbClr val="FFFFFF">
+                          <a:alpha val="0"/>
+                        </a:srgbClr>
+                      </a:solidFill>
+                      <a:prstDash val="solid"/>
+                    </a:lnT>
+                    <a:lnB w="25400" cmpd="sng" algn="ctr" cap="flat">
+                      <a:solidFill>
+                        <a:srgbClr val="666666">
+                          <a:alpha val="100000"/>
+                        </a:srgbClr>
+                      </a:solidFill>
+                      <a:prstDash val="solid"/>
+                    </a:lnB>
+                  </a:tcPr>
+                </a:tc>
+                <a:tc>
+                  <a:txBody>
+                    <a:bodyPr/>
+                    <a:lstStyle/>
+                    <a:p>
+                      <a:pPr algn="l" marL="63500" marR="63500">
+                        <a:lnSpc>
+                          <a:spcPct val="100000"/>
+                        </a:lnSpc>
+                        <a:spcBef>
+                          <a:spcPts val="500"/>
+                        </a:spcBef>
+                        <a:spcAft>
+                          <a:spcPts val="500"/>
+                        </a:spcAft>
+                        <a:buNone/>
+                      </a:pPr>
+                      <a:r>
+                        <a:rPr sz="1100">
+                          <a:solidFill>
+                            <a:srgbClr val="000000">
+                              <a:alpha val="100000"/>
+                            </a:srgbClr>
+                          </a:solidFill>
+                          <a:latin typeface="Helvetica"/>
+                          <a:cs typeface="Helvetica"/>
+                          <a:ea typeface="Helvetica"/>
+                          <a:sym typeface="Helvetica"/>
+                        </a:rPr>
+                        <a:t>3.5.1</a:t>
+                      </a:r>
+                    </a:p>
+                  </a:txBody>
+                  <a:tcPr anchor="ctr" marB="0" marT="0" marR="0" marL="0">
+                    <a:lnL w="0" cmpd="sng" algn="ctr" cap="flat">
+                      <a:solidFill>
+                        <a:srgbClr val="FFFFFF">
+                          <a:alpha val="0"/>
+                        </a:srgbClr>
+                      </a:solidFill>
+                      <a:prstDash val="solid"/>
+                    </a:lnL>
+                    <a:lnR w="0" cmpd="sng" algn="ctr" cap="flat">
+                      <a:solidFill>
+                        <a:srgbClr val="FFFFFF">
+                          <a:alpha val="0"/>
+                        </a:srgbClr>
+                      </a:solidFill>
+                      <a:prstDash val="solid"/>
+                    </a:lnR>
+                    <a:lnT w="0" cmpd="sng" algn="ctr" cap="flat">
+                      <a:solidFill>
+                        <a:srgbClr val="FFFFFF">
+                          <a:alpha val="0"/>
+                        </a:srgbClr>
+                      </a:solidFill>
+                      <a:prstDash val="solid"/>
+                    </a:lnT>
+                    <a:lnB w="25400" cmpd="sng" algn="ctr" cap="flat">
+                      <a:solidFill>
+                        <a:srgbClr val="666666">
+                          <a:alpha val="100000"/>
+                        </a:srgbClr>
+                      </a:solidFill>
+                      <a:prstDash val="solid"/>
+                    </a:lnB>
+                  </a:tcPr>
+                </a:tc>
+                <a:tc>
+                  <a:txBody>
+                    <a:bodyPr/>
+                    <a:lstStyle/>
+                    <a:p>
+                      <a:pPr algn="l" marL="63500" marR="63500">
+                        <a:lnSpc>
+                          <a:spcPct val="100000"/>
+                        </a:lnSpc>
+                        <a:spcBef>
+                          <a:spcPts val="500"/>
+                        </a:spcBef>
+                        <a:spcAft>
+                          <a:spcPts val="500"/>
+                        </a:spcAft>
+                        <a:buNone/>
+                      </a:pPr>
+                      <a:r>
+                        <a:rPr sz="1100">
+                          <a:solidFill>
+                            <a:srgbClr val="000000">
+                              <a:alpha val="100000"/>
+                            </a:srgbClr>
+                          </a:solidFill>
+                          <a:latin typeface="Helvetica"/>
+                          <a:cs typeface="Helvetica"/>
+                          <a:ea typeface="Helvetica"/>
+                          <a:sym typeface="Helvetica"/>
+                        </a:rPr>
+                        <a:t>win</a:t>
+                      </a:r>
+                    </a:p>
+                  </a:txBody>
+                  <a:tcPr anchor="ctr" marB="0" marT="0" marR="0" marL="0">
+                    <a:lnL w="0" cmpd="sng" algn="ctr" cap="flat">
+                      <a:solidFill>
+                        <a:srgbClr val="FFFFFF">
+                          <a:alpha val="0"/>
+                        </a:srgbClr>
+                      </a:solidFill>
+                      <a:prstDash val="solid"/>
+                    </a:lnL>
+                    <a:lnR w="0" cmpd="sng" algn="ctr" cap="flat">
+                      <a:solidFill>
+                        <a:srgbClr val="FFFFFF">
+                          <a:alpha val="0"/>
+                        </a:srgbClr>
+                      </a:solidFill>
+                      <a:prstDash val="solid"/>
+                    </a:lnR>
+                    <a:lnT w="0" cmpd="sng" algn="ctr" cap="flat">
+                      <a:solidFill>
+                        <a:srgbClr val="FFFFFF">
+                          <a:alpha val="0"/>
+                        </a:srgbClr>
+                      </a:solidFill>
+                      <a:prstDash val="solid"/>
+                    </a:lnT>
+                    <a:lnB w="25400" cmpd="sng" algn="ctr" cap="flat">
+                      <a:solidFill>
+                        <a:srgbClr val="666666">
+                          <a:alpha val="100000"/>
+                        </a:srgbClr>
+                      </a:solidFill>
+                      <a:prstDash val="solid"/>
+                    </a:lnB>
+                  </a:tcPr>
+                </a:tc>
+                <a:tc>
+                  <a:txBody>
+                    <a:bodyPr/>
+                    <a:lstStyle/>
+                    <a:p>
+                      <a:pPr algn="l" marL="63500" marR="63500">
+                        <a:lnSpc>
+                          <a:spcPct val="100000"/>
+                        </a:lnSpc>
+                        <a:spcBef>
+                          <a:spcPts val="500"/>
+                        </a:spcBef>
+                        <a:spcAft>
+                          <a:spcPts val="500"/>
+                        </a:spcAft>
+                        <a:buNone/>
+                      </a:pPr>
+                      <a:r>
+                        <a:rPr sz="1100">
+                          <a:solidFill>
+                            <a:srgbClr val="000000">
+                              <a:alpha val="100000"/>
+                            </a:srgbClr>
+                          </a:solidFill>
+                          <a:latin typeface="Helvetica"/>
+                          <a:cs typeface="Helvetica"/>
+                          <a:ea typeface="Helvetica"/>
+                          <a:sym typeface="Helvetica"/>
+                        </a:rPr>
+                        <a:t>CA</a:t>
+                      </a:r>
+                    </a:p>
+                  </a:txBody>
+                  <a:tcPr anchor="ctr" marB="0" marT="0" marR="0" marL="0">
+                    <a:lnL w="0" cmpd="sng" algn="ctr" cap="flat">
+                      <a:solidFill>
+                        <a:srgbClr val="FFFFFF">
+                          <a:alpha val="0"/>
+                        </a:srgbClr>
+                      </a:solidFill>
+                      <a:prstDash val="solid"/>
+                    </a:lnL>
+                    <a:lnR w="0" cmpd="sng" algn="ctr" cap="flat">
+                      <a:solidFill>
+                        <a:srgbClr val="FFFFFF">
+                          <a:alpha val="0"/>
+                        </a:srgbClr>
+                      </a:solidFill>
+                      <a:prstDash val="solid"/>
+                    </a:lnR>
+                    <a:lnT w="0" cmpd="sng" algn="ctr" cap="flat">
+                      <a:solidFill>
+                        <a:srgbClr val="FFFFFF">
+                          <a:alpha val="0"/>
+                        </a:srgbClr>
+                      </a:solidFill>
+                      <a:prstDash val="solid"/>
+                    </a:lnT>
+                    <a:lnB w="25400" cmpd="sng" algn="ctr" cap="flat">
+                      <a:solidFill>
+                        <a:srgbClr val="666666">
+                          <a:alpha val="100000"/>
+                        </a:srgbClr>
+                      </a:solidFill>
+                      <a:prstDash val="solid"/>
+                    </a:lnB>
+                  </a:tcPr>
+                </a:tc>
+                <a:tc>
+                  <a:txBody>
+                    <a:bodyPr/>
+                    <a:lstStyle/>
+                    <a:p>
+                      <a:pPr algn="r" marL="63500" marR="63500">
+                        <a:lnSpc>
+                          <a:spcPct val="100000"/>
+                        </a:lnSpc>
+                        <a:spcBef>
+                          <a:spcPts val="500"/>
+                        </a:spcBef>
+                        <a:spcAft>
+                          <a:spcPts val="500"/>
+                        </a:spcAft>
+                        <a:buNone/>
+                      </a:pPr>
+                      <a:r>
+                        <a:rPr sz="1100">
+                          <a:solidFill>
+                            <a:srgbClr val="000000">
+                              <a:alpha val="100000"/>
+                            </a:srgbClr>
+                          </a:solidFill>
+                          <a:latin typeface="Helvetica"/>
+                          <a:cs typeface="Helvetica"/>
+                          <a:ea typeface="Helvetica"/>
+                          <a:sym typeface="Helvetica"/>
+                        </a:rPr>
+                        <a:t>4</a:t>
+                      </a:r>
+                    </a:p>
+                  </a:txBody>
+                  <a:tcPr anchor="ctr" marB="0" marT="0" marR="0" marL="0">
+                    <a:lnL w="0" cmpd="sng" algn="ctr" cap="flat">
+                      <a:solidFill>
+                        <a:srgbClr val="FFFFFF">
+                          <a:alpha val="0"/>
+                        </a:srgbClr>
+                      </a:solidFill>
+                      <a:prstDash val="solid"/>
+                    </a:lnL>
+                    <a:lnR w="0" cmpd="sng" algn="ctr" cap="flat">
+                      <a:solidFill>
+                        <a:srgbClr val="FFFFFF">
+                          <a:alpha val="0"/>
+                        </a:srgbClr>
+                      </a:solidFill>
+                      <a:prstDash val="solid"/>
+                    </a:lnR>
+                    <a:lnT w="0" cmpd="sng" algn="ctr" cap="flat">
+                      <a:solidFill>
+                        <a:srgbClr val="FFFFFF">
+                          <a:alpha val="0"/>
+                        </a:srgbClr>
+                      </a:solidFill>
+                      <a:prstDash val="solid"/>
+                    </a:lnT>
+                    <a:lnB w="25400" cmpd="sng" algn="ctr" cap="flat">
+                      <a:solidFill>
+                        <a:srgbClr val="666666">
+                          <a:alpha val="100000"/>
+                        </a:srgbClr>
+                      </a:solidFill>
+                      <a:prstDash val="solid"/>
+                    </a:lnB>
+                  </a:tcPr>
+                </a:tc>
+              </a:tr>
+            </a:tbl>
+          </a:graphicData>
+        </a:graphic>
+      </p:graphicFrame>
       <p:sp>
         <p:nvSpPr>
           <p:cNvPr id="3" name="Content Placeholder 2">
@@ -10830,56 +11589,7 @@
             <a:pPr lvl="0"/>
             <a:r>
               <a:rPr/>
-              <a:t>Some variables in the data sets have a </a:t>
-            </a:r>
-            <a:r>
-              <a:rPr>
-                <a:latin typeface="Courier"/>
-              </a:rPr>
-              <a:t>date</a:t>
-            </a:r>
-            <a:r>
-              <a:rPr/>
-              <a:t> or </a:t>
-            </a:r>
-            <a:r>
-              <a:rPr>
-                <a:latin typeface="Courier"/>
-              </a:rPr>
-              <a:t>time</a:t>
-            </a:r>
-            <a:r>
-              <a:rPr/>
-              <a:t>.</a:t>
-            </a:r>
-          </a:p>
-          <a:p>
-            <a:pPr lvl="0"/>
-            <a:r>
-              <a:rPr/>
-              <a:t>For example,</a:t>
-            </a:r>
-          </a:p>
-          <a:p>
-            <a:pPr lvl="0" indent="0">
-              <a:buNone/>
-            </a:pPr>
-            <a:r>
-              <a:rPr>
-                <a:latin typeface="Courier"/>
-              </a:rPr>
-              <a:t>## [1] "Date"</a:t>
-            </a:r>
-          </a:p>
-          <a:p>
-            <a:pPr lvl="0" indent="0">
-              <a:buNone/>
-            </a:pPr>
-            <a:r>
-              <a:rPr>
-                <a:latin typeface="Courier"/>
-              </a:rPr>
-              <a:t>## [1] "hms"      "difftime"</a:t>
+              <a:t>What do you think are the data types for each column of the data?</a:t>
             </a:r>
           </a:p>
         </p:txBody>
